--- a/6m18m flatten.pptx
+++ b/6m18m flatten.pptx
@@ -200,1172 +200,6 @@
 </p:cmAuthorLst>
 </file>
 
-<file path=ppt/charts/chart1.xml><?xml version="1.0" encoding="utf-8"?>
-<c:chartSpace xmlns:c="http://schemas.openxmlformats.org/drawingml/2006/chart" xmlns:a="http://schemas.openxmlformats.org/drawingml/2006/main" xmlns:r="http://schemas.openxmlformats.org/officeDocument/2006/relationships" xmlns:c16r2="http://schemas.microsoft.com/office/drawing/2015/06/chart">
-  <c:date1904 val="0"/>
-  <c:lang val="zh-TW"/>
-  <c:roundedCorners val="0"/>
-  <mc:AlternateContent xmlns:mc="http://schemas.openxmlformats.org/markup-compatibility/2006">
-    <mc:Choice xmlns:c14="http://schemas.microsoft.com/office/drawing/2007/8/2/chart" Requires="c14">
-      <c14:style val="102"/>
-    </mc:Choice>
-    <mc:Fallback>
-      <c:style val="2"/>
-    </mc:Fallback>
-  </mc:AlternateContent>
-  <c:chart>
-    <c:title>
-      <c:tx>
-        <c:rich>
-          <a:bodyPr rot="0" spcFirstLastPara="1" vertOverflow="ellipsis" vert="horz" wrap="square" anchor="ctr" anchorCtr="1"/>
-          <a:lstStyle/>
-          <a:p>
-            <a:pPr>
-              <a:defRPr sz="1200" b="1" i="0" u="none" strike="noStrike" kern="1200" spc="0" baseline="0">
-                <a:solidFill>
-                  <a:schemeClr val="tx1">
-                    <a:lumMod val="65000"/>
-                    <a:lumOff val="35000"/>
-                  </a:schemeClr>
-                </a:solidFill>
-                <a:latin typeface="微軟正黑體" panose="020B0604030504040204" pitchFamily="34" charset="-120"/>
-                <a:ea typeface="微軟正黑體" panose="020B0604030504040204" pitchFamily="34" charset="-120"/>
-                <a:cs typeface="+mn-cs"/>
-              </a:defRPr>
-            </a:pPr>
-            <a:r>
-              <a:rPr lang="en-US" altLang="zh-TW" sz="1200" b="1">
-                <a:latin typeface="微軟正黑體" panose="020B0604030504040204" pitchFamily="34" charset="-120"/>
-                <a:ea typeface="微軟正黑體" panose="020B0604030504040204" pitchFamily="34" charset="-120"/>
-              </a:rPr>
-              <a:t>A14106</a:t>
-            </a:r>
-            <a:r>
-              <a:rPr lang="zh-TW" altLang="en-US" sz="1200" b="1">
-                <a:latin typeface="微軟正黑體" panose="020B0604030504040204" pitchFamily="34" charset="-120"/>
-                <a:ea typeface="微軟正黑體" panose="020B0604030504040204" pitchFamily="34" charset="-120"/>
-              </a:rPr>
-              <a:t> </a:t>
-            </a:r>
-            <a:r>
-              <a:rPr lang="en-US" altLang="zh-TW" sz="1200" b="1">
-                <a:latin typeface="微軟正黑體" panose="020B0604030504040204" pitchFamily="34" charset="-120"/>
-                <a:ea typeface="微軟正黑體" panose="020B0604030504040204" pitchFamily="34" charset="-120"/>
-              </a:rPr>
-              <a:t>(30Y</a:t>
-            </a:r>
-            <a:r>
-              <a:rPr lang="zh-TW" altLang="en-US" sz="1200" b="1">
-                <a:latin typeface="微軟正黑體" panose="020B0604030504040204" pitchFamily="34" charset="-120"/>
-                <a:ea typeface="微軟正黑體" panose="020B0604030504040204" pitchFamily="34" charset="-120"/>
-              </a:rPr>
-              <a:t>券</a:t>
-            </a:r>
-            <a:r>
-              <a:rPr lang="en-US" altLang="zh-TW" sz="1200" b="1">
-                <a:latin typeface="微軟正黑體" panose="020B0604030504040204" pitchFamily="34" charset="-120"/>
-                <a:ea typeface="微軟正黑體" panose="020B0604030504040204" pitchFamily="34" charset="-120"/>
-              </a:rPr>
-              <a:t>)</a:t>
-            </a:r>
-            <a:r>
-              <a:rPr lang="zh-TW" altLang="en-US" sz="1200" b="1">
-                <a:latin typeface="微軟正黑體" panose="020B0604030504040204" pitchFamily="34" charset="-120"/>
-                <a:ea typeface="微軟正黑體" panose="020B0604030504040204" pitchFamily="34" charset="-120"/>
-              </a:rPr>
-              <a:t>利率走勢</a:t>
-            </a:r>
-          </a:p>
-        </c:rich>
-      </c:tx>
-      <c:overlay val="0"/>
-      <c:spPr>
-        <a:noFill/>
-        <a:ln>
-          <a:noFill/>
-        </a:ln>
-        <a:effectLst/>
-      </c:spPr>
-      <c:txPr>
-        <a:bodyPr rot="0" spcFirstLastPara="1" vertOverflow="ellipsis" vert="horz" wrap="square" anchor="ctr" anchorCtr="1"/>
-        <a:lstStyle/>
-        <a:p>
-          <a:pPr>
-            <a:defRPr sz="1200" b="1" i="0" u="none" strike="noStrike" kern="1200" spc="0" baseline="0">
-              <a:solidFill>
-                <a:schemeClr val="tx1">
-                  <a:lumMod val="65000"/>
-                  <a:lumOff val="35000"/>
-                </a:schemeClr>
-              </a:solidFill>
-              <a:latin typeface="微軟正黑體" panose="020B0604030504040204" pitchFamily="34" charset="-120"/>
-              <a:ea typeface="微軟正黑體" panose="020B0604030504040204" pitchFamily="34" charset="-120"/>
-              <a:cs typeface="+mn-cs"/>
-            </a:defRPr>
-          </a:pPr>
-          <a:endParaRPr lang="zh-TW"/>
-        </a:p>
-      </c:txPr>
-    </c:title>
-    <c:autoTitleDeleted val="0"/>
-    <c:plotArea>
-      <c:layout/>
-      <c:scatterChart>
-        <c:scatterStyle val="smoothMarker"/>
-        <c:varyColors val="0"/>
-        <c:ser>
-          <c:idx val="0"/>
-          <c:order val="0"/>
-          <c:spPr>
-            <a:ln w="28575" cap="rnd">
-              <a:solidFill>
-                <a:schemeClr val="accent1"/>
-              </a:solidFill>
-              <a:round/>
-            </a:ln>
-            <a:effectLst/>
-          </c:spPr>
-          <c:marker>
-            <c:symbol val="none"/>
-          </c:marker>
-          <c:dLbls>
-            <c:dLbl>
-              <c:idx val="37"/>
-              <c:layout>
-                <c:manualLayout>
-                  <c:x val="-4.7935158096101667E-2"/>
-                  <c:y val="-7.3888176187976939E-2"/>
-                </c:manualLayout>
-              </c:layout>
-              <c:tx>
-                <c:rich>
-                  <a:bodyPr/>
-                  <a:lstStyle/>
-                  <a:p>
-                    <a:fld id="{440AE612-EBD4-4F66-8722-F93971ECE52F}" type="YVALUE">
-                      <a:rPr lang="en-US" altLang="zh-TW" smtClean="0"/>
-                      <a:pPr/>
-                      <a:t>[Y 值]</a:t>
-                    </a:fld>
-                    <a:endParaRPr lang="zh-TW" altLang="en-US"/>
-                  </a:p>
-                </c:rich>
-              </c:tx>
-              <c:showLegendKey val="0"/>
-              <c:showVal val="1"/>
-              <c:showCatName val="0"/>
-              <c:showSerName val="0"/>
-              <c:showPercent val="0"/>
-              <c:showBubbleSize val="0"/>
-              <c:extLst>
-                <c:ext xmlns:c15="http://schemas.microsoft.com/office/drawing/2012/chart" uri="{CE6537A1-D6FC-4f65-9D91-7224C49458BB}">
-                  <c15:dlblFieldTable/>
-                  <c15:showDataLabelsRange val="0"/>
-                </c:ext>
-                <c:ext xmlns:c16="http://schemas.microsoft.com/office/drawing/2014/chart" uri="{C3380CC4-5D6E-409C-BE32-E72D297353CC}">
-                  <c16:uniqueId val="{00000002-7057-4E6C-8B71-384B650EC25F}"/>
-                </c:ext>
-              </c:extLst>
-            </c:dLbl>
-            <c:spPr>
-              <a:noFill/>
-              <a:ln>
-                <a:noFill/>
-              </a:ln>
-              <a:effectLst/>
-            </c:spPr>
-            <c:txPr>
-              <a:bodyPr rot="0" spcFirstLastPara="1" vertOverflow="ellipsis" vert="horz" wrap="square" lIns="38100" tIns="19050" rIns="38100" bIns="19050" anchor="ctr" anchorCtr="1">
-                <a:spAutoFit/>
-              </a:bodyPr>
-              <a:lstStyle/>
-              <a:p>
-                <a:pPr>
-                  <a:defRPr sz="1200" b="1" i="0" u="none" strike="noStrike" kern="1200" baseline="0">
-                    <a:solidFill>
-                      <a:srgbClr val="FF0000"/>
-                    </a:solidFill>
-                    <a:latin typeface="+mn-lt"/>
-                    <a:ea typeface="+mn-ea"/>
-                    <a:cs typeface="+mn-cs"/>
-                  </a:defRPr>
-                </a:pPr>
-                <a:endParaRPr lang="zh-TW"/>
-              </a:p>
-            </c:txPr>
-            <c:showLegendKey val="0"/>
-            <c:showVal val="0"/>
-            <c:showCatName val="0"/>
-            <c:showSerName val="0"/>
-            <c:showPercent val="0"/>
-            <c:showBubbleSize val="0"/>
-            <c:extLst>
-              <c:ext xmlns:c15="http://schemas.microsoft.com/office/drawing/2012/chart" uri="{CE6537A1-D6FC-4f65-9D91-7224C49458BB}">
-                <c15:showLeaderLines val="1"/>
-                <c15:leaderLines>
-                  <c:spPr>
-                    <a:ln w="9525" cap="flat" cmpd="sng" algn="ctr">
-                      <a:solidFill>
-                        <a:schemeClr val="tx1">
-                          <a:lumMod val="35000"/>
-                          <a:lumOff val="65000"/>
-                        </a:schemeClr>
-                      </a:solidFill>
-                      <a:round/>
-                    </a:ln>
-                    <a:effectLst/>
-                  </c:spPr>
-                </c15:leaderLines>
-              </c:ext>
-            </c:extLst>
-          </c:dLbls>
-          <c:xVal>
-            <c:numRef>
-              <c:f>'冷券表 (2)'!$F$10:$F$47</c:f>
-              <c:numCache>
-                <c:formatCode>m/d;@</c:formatCode>
-                <c:ptCount val="38"/>
-                <c:pt idx="0">
-                  <c:v>45790</c:v>
-                </c:pt>
-                <c:pt idx="1">
-                  <c:v>45792</c:v>
-                </c:pt>
-                <c:pt idx="2">
-                  <c:v>45793</c:v>
-                </c:pt>
-                <c:pt idx="3">
-                  <c:v>45803</c:v>
-                </c:pt>
-                <c:pt idx="4">
-                  <c:v>45806</c:v>
-                </c:pt>
-                <c:pt idx="5">
-                  <c:v>45811</c:v>
-                </c:pt>
-                <c:pt idx="6">
-                  <c:v>45812</c:v>
-                </c:pt>
-                <c:pt idx="7">
-                  <c:v>45814</c:v>
-                </c:pt>
-                <c:pt idx="8">
-                  <c:v>45820</c:v>
-                </c:pt>
-                <c:pt idx="9">
-                  <c:v>45824</c:v>
-                </c:pt>
-                <c:pt idx="10">
-                  <c:v>45825</c:v>
-                </c:pt>
-                <c:pt idx="11">
-                  <c:v>45826</c:v>
-                </c:pt>
-                <c:pt idx="12">
-                  <c:v>45827</c:v>
-                </c:pt>
-                <c:pt idx="13">
-                  <c:v>45832</c:v>
-                </c:pt>
-                <c:pt idx="14">
-                  <c:v>45835</c:v>
-                </c:pt>
-                <c:pt idx="15">
-                  <c:v>45840</c:v>
-                </c:pt>
-                <c:pt idx="16">
-                  <c:v>45862</c:v>
-                </c:pt>
-                <c:pt idx="17">
-                  <c:v>45867</c:v>
-                </c:pt>
-                <c:pt idx="18">
-                  <c:v>45868</c:v>
-                </c:pt>
-                <c:pt idx="19">
-                  <c:v>45870</c:v>
-                </c:pt>
-                <c:pt idx="20">
-                  <c:v>45874</c:v>
-                </c:pt>
-                <c:pt idx="21">
-                  <c:v>45875</c:v>
-                </c:pt>
-                <c:pt idx="22">
-                  <c:v>45881</c:v>
-                </c:pt>
-                <c:pt idx="23">
-                  <c:v>45882</c:v>
-                </c:pt>
-                <c:pt idx="24">
-                  <c:v>45883</c:v>
-                </c:pt>
-                <c:pt idx="25">
-                  <c:v>45887</c:v>
-                </c:pt>
-                <c:pt idx="26">
-                  <c:v>45888</c:v>
-                </c:pt>
-                <c:pt idx="27">
-                  <c:v>45889</c:v>
-                </c:pt>
-                <c:pt idx="28">
-                  <c:v>45890</c:v>
-                </c:pt>
-                <c:pt idx="29">
-                  <c:v>45896</c:v>
-                </c:pt>
-                <c:pt idx="30">
-                  <c:v>45909</c:v>
-                </c:pt>
-                <c:pt idx="31">
-                  <c:v>45910</c:v>
-                </c:pt>
-                <c:pt idx="32">
-                  <c:v>45925</c:v>
-                </c:pt>
-                <c:pt idx="33">
-                  <c:v>45938</c:v>
-                </c:pt>
-                <c:pt idx="34">
-                  <c:v>45945</c:v>
-                </c:pt>
-                <c:pt idx="35">
-                  <c:v>45947</c:v>
-                </c:pt>
-                <c:pt idx="36">
-                  <c:v>45950</c:v>
-                </c:pt>
-                <c:pt idx="37">
-                  <c:v>45951</c:v>
-                </c:pt>
-              </c:numCache>
-            </c:numRef>
-          </c:xVal>
-          <c:yVal>
-            <c:numRef>
-              <c:f>'冷券表 (2)'!$G$10:$G$47</c:f>
-              <c:numCache>
-                <c:formatCode>General</c:formatCode>
-                <c:ptCount val="38"/>
-                <c:pt idx="0">
-                  <c:v>1.89</c:v>
-                </c:pt>
-                <c:pt idx="1">
-                  <c:v>1.9005000000000001</c:v>
-                </c:pt>
-                <c:pt idx="2">
-                  <c:v>1.8886000000000001</c:v>
-                </c:pt>
-                <c:pt idx="3">
-                  <c:v>1.8825000000000001</c:v>
-                </c:pt>
-                <c:pt idx="4">
-                  <c:v>1.87</c:v>
-                </c:pt>
-                <c:pt idx="5">
-                  <c:v>1.8651</c:v>
-                </c:pt>
-                <c:pt idx="6">
-                  <c:v>1.8556999999999999</c:v>
-                </c:pt>
-                <c:pt idx="7">
-                  <c:v>1.8554999999999999</c:v>
-                </c:pt>
-                <c:pt idx="8">
-                  <c:v>1.8460000000000001</c:v>
-                </c:pt>
-                <c:pt idx="9">
-                  <c:v>1.8460000000000001</c:v>
-                </c:pt>
-                <c:pt idx="10">
-                  <c:v>1.845</c:v>
-                </c:pt>
-                <c:pt idx="11">
-                  <c:v>1.8404</c:v>
-                </c:pt>
-                <c:pt idx="12">
-                  <c:v>1.83</c:v>
-                </c:pt>
-                <c:pt idx="13">
-                  <c:v>1.7916000000000001</c:v>
-                </c:pt>
-                <c:pt idx="14">
-                  <c:v>1.74</c:v>
-                </c:pt>
-                <c:pt idx="15">
-                  <c:v>1.6850000000000001</c:v>
-                </c:pt>
-                <c:pt idx="16">
-                  <c:v>1.68</c:v>
-                </c:pt>
-                <c:pt idx="17">
-                  <c:v>1.6457999999999999</c:v>
-                </c:pt>
-                <c:pt idx="18">
-                  <c:v>1.6359999999999999</c:v>
-                </c:pt>
-                <c:pt idx="19">
-                  <c:v>1.6245000000000001</c:v>
-                </c:pt>
-                <c:pt idx="20">
-                  <c:v>1.627</c:v>
-                </c:pt>
-                <c:pt idx="21">
-                  <c:v>1.635</c:v>
-                </c:pt>
-                <c:pt idx="22">
-                  <c:v>1.6305000000000001</c:v>
-                </c:pt>
-                <c:pt idx="23">
-                  <c:v>1.62</c:v>
-                </c:pt>
-                <c:pt idx="24">
-                  <c:v>1.6165</c:v>
-                </c:pt>
-                <c:pt idx="25">
-                  <c:v>1.6259999999999999</c:v>
-                </c:pt>
-                <c:pt idx="26">
-                  <c:v>1.637</c:v>
-                </c:pt>
-                <c:pt idx="27">
-                  <c:v>1.65</c:v>
-                </c:pt>
-                <c:pt idx="28">
-                  <c:v>1.6559999999999999</c:v>
-                </c:pt>
-                <c:pt idx="29">
-                  <c:v>1.6405000000000001</c:v>
-                </c:pt>
-                <c:pt idx="30">
-                  <c:v>1.591</c:v>
-                </c:pt>
-                <c:pt idx="31">
-                  <c:v>1.591</c:v>
-                </c:pt>
-                <c:pt idx="32">
-                  <c:v>1.5586</c:v>
-                </c:pt>
-                <c:pt idx="33">
-                  <c:v>1.5449999999999999</c:v>
-                </c:pt>
-                <c:pt idx="34">
-                  <c:v>1.4950000000000001</c:v>
-                </c:pt>
-                <c:pt idx="35">
-                  <c:v>1.47</c:v>
-                </c:pt>
-                <c:pt idx="36">
-                  <c:v>1.45</c:v>
-                </c:pt>
-                <c:pt idx="37">
-                  <c:v>1.47</c:v>
-                </c:pt>
-              </c:numCache>
-            </c:numRef>
-          </c:yVal>
-          <c:smooth val="1"/>
-          <c:extLst>
-            <c:ext xmlns:c16="http://schemas.microsoft.com/office/drawing/2014/chart" uri="{C3380CC4-5D6E-409C-BE32-E72D297353CC}">
-              <c16:uniqueId val="{00000000-7057-4E6C-8B71-384B650EC25F}"/>
-            </c:ext>
-          </c:extLst>
-        </c:ser>
-        <c:dLbls>
-          <c:showLegendKey val="0"/>
-          <c:showVal val="0"/>
-          <c:showCatName val="0"/>
-          <c:showSerName val="0"/>
-          <c:showPercent val="0"/>
-          <c:showBubbleSize val="0"/>
-        </c:dLbls>
-        <c:axId val="802708496"/>
-        <c:axId val="802705168"/>
-      </c:scatterChart>
-      <c:valAx>
-        <c:axId val="802708496"/>
-        <c:scaling>
-          <c:orientation val="minMax"/>
-          <c:max val="45952"/>
-          <c:min val="45790"/>
-        </c:scaling>
-        <c:delete val="0"/>
-        <c:axPos val="b"/>
-        <c:numFmt formatCode="m/d;@" sourceLinked="1"/>
-        <c:majorTickMark val="out"/>
-        <c:minorTickMark val="none"/>
-        <c:tickLblPos val="nextTo"/>
-        <c:spPr>
-          <a:noFill/>
-          <a:ln w="9525" cap="flat" cmpd="sng" algn="ctr">
-            <a:solidFill>
-              <a:schemeClr val="tx1">
-                <a:lumMod val="15000"/>
-                <a:lumOff val="85000"/>
-              </a:schemeClr>
-            </a:solidFill>
-            <a:round/>
-          </a:ln>
-          <a:effectLst/>
-        </c:spPr>
-        <c:txPr>
-          <a:bodyPr rot="-60000000" spcFirstLastPara="1" vertOverflow="ellipsis" vert="horz" wrap="square" anchor="ctr" anchorCtr="1"/>
-          <a:lstStyle/>
-          <a:p>
-            <a:pPr>
-              <a:defRPr sz="1000" b="1" i="0" u="none" strike="noStrike" kern="1200" baseline="0">
-                <a:solidFill>
-                  <a:schemeClr val="tx1">
-                    <a:lumMod val="65000"/>
-                    <a:lumOff val="35000"/>
-                  </a:schemeClr>
-                </a:solidFill>
-                <a:latin typeface="微軟正黑體" panose="020B0604030504040204" pitchFamily="34" charset="-120"/>
-                <a:ea typeface="微軟正黑體" panose="020B0604030504040204" pitchFamily="34" charset="-120"/>
-                <a:cs typeface="+mn-cs"/>
-              </a:defRPr>
-            </a:pPr>
-            <a:endParaRPr lang="zh-TW"/>
-          </a:p>
-        </c:txPr>
-        <c:crossAx val="802705168"/>
-        <c:crosses val="autoZero"/>
-        <c:crossBetween val="midCat"/>
-        <c:majorUnit val="30"/>
-        <c:minorUnit val="20"/>
-      </c:valAx>
-      <c:valAx>
-        <c:axId val="802705168"/>
-        <c:scaling>
-          <c:orientation val="minMax"/>
-          <c:max val="1.9"/>
-          <c:min val="1.4"/>
-        </c:scaling>
-        <c:delete val="0"/>
-        <c:axPos val="l"/>
-        <c:numFmt formatCode="General" sourceLinked="1"/>
-        <c:majorTickMark val="none"/>
-        <c:minorTickMark val="none"/>
-        <c:tickLblPos val="high"/>
-        <c:spPr>
-          <a:noFill/>
-          <a:ln>
-            <a:noFill/>
-          </a:ln>
-          <a:effectLst/>
-        </c:spPr>
-        <c:txPr>
-          <a:bodyPr rot="-60000000" spcFirstLastPara="1" vertOverflow="ellipsis" vert="horz" wrap="square" anchor="ctr" anchorCtr="1"/>
-          <a:lstStyle/>
-          <a:p>
-            <a:pPr>
-              <a:defRPr sz="1000" b="1" i="0" u="none" strike="noStrike" kern="1200" baseline="0">
-                <a:solidFill>
-                  <a:schemeClr val="tx1">
-                    <a:lumMod val="65000"/>
-                    <a:lumOff val="35000"/>
-                  </a:schemeClr>
-                </a:solidFill>
-                <a:latin typeface="微軟正黑體" panose="020B0604030504040204" pitchFamily="34" charset="-120"/>
-                <a:ea typeface="微軟正黑體" panose="020B0604030504040204" pitchFamily="34" charset="-120"/>
-                <a:cs typeface="+mn-cs"/>
-              </a:defRPr>
-            </a:pPr>
-            <a:endParaRPr lang="zh-TW"/>
-          </a:p>
-        </c:txPr>
-        <c:crossAx val="802708496"/>
-        <c:crosses val="autoZero"/>
-        <c:crossBetween val="midCat"/>
-      </c:valAx>
-      <c:spPr>
-        <a:noFill/>
-        <a:ln>
-          <a:noFill/>
-        </a:ln>
-        <a:effectLst/>
-      </c:spPr>
-    </c:plotArea>
-    <c:plotVisOnly val="1"/>
-    <c:dispBlanksAs val="gap"/>
-    <c:extLst>
-      <c:ext xmlns:c16r3="http://schemas.microsoft.com/office/drawing/2017/03/chart" uri="{56B9EC1D-385E-4148-901F-78D8002777C0}">
-        <c16r3:dataDisplayOptions16>
-          <c16r3:dispNaAsBlank val="1"/>
-        </c16r3:dataDisplayOptions16>
-      </c:ext>
-    </c:extLst>
-    <c:showDLblsOverMax val="0"/>
-  </c:chart>
-  <c:spPr>
-    <a:noFill/>
-    <a:ln>
-      <a:solidFill>
-        <a:schemeClr val="tx1"/>
-      </a:solidFill>
-    </a:ln>
-    <a:effectLst/>
-  </c:spPr>
-  <c:txPr>
-    <a:bodyPr/>
-    <a:lstStyle/>
-    <a:p>
-      <a:pPr>
-        <a:defRPr/>
-      </a:pPr>
-      <a:endParaRPr lang="zh-TW"/>
-    </a:p>
-  </c:txPr>
-  <c:externalData r:id="rId3">
-    <c:autoUpdate val="0"/>
-  </c:externalData>
-</c:chartSpace>
-</file>
-
-<file path=ppt/charts/colors1.xml><?xml version="1.0" encoding="utf-8"?>
-<cs:colorStyle xmlns:cs="http://schemas.microsoft.com/office/drawing/2012/chartStyle" xmlns:a="http://schemas.openxmlformats.org/drawingml/2006/main" meth="cycle" id="10">
-  <a:schemeClr val="accent1"/>
-  <a:schemeClr val="accent2"/>
-  <a:schemeClr val="accent3"/>
-  <a:schemeClr val="accent4"/>
-  <a:schemeClr val="accent5"/>
-  <a:schemeClr val="accent6"/>
-  <cs:variation/>
-  <cs:variation>
-    <a:lumMod val="60000"/>
-  </cs:variation>
-  <cs:variation>
-    <a:lumMod val="80000"/>
-    <a:lumOff val="20000"/>
-  </cs:variation>
-  <cs:variation>
-    <a:lumMod val="80000"/>
-  </cs:variation>
-  <cs:variation>
-    <a:lumMod val="60000"/>
-    <a:lumOff val="40000"/>
-  </cs:variation>
-  <cs:variation>
-    <a:lumMod val="50000"/>
-  </cs:variation>
-  <cs:variation>
-    <a:lumMod val="70000"/>
-    <a:lumOff val="30000"/>
-  </cs:variation>
-  <cs:variation>
-    <a:lumMod val="70000"/>
-  </cs:variation>
-  <cs:variation>
-    <a:lumMod val="50000"/>
-    <a:lumOff val="50000"/>
-  </cs:variation>
-</cs:colorStyle>
-</file>
-
-<file path=ppt/charts/style1.xml><?xml version="1.0" encoding="utf-8"?>
-<cs:chartStyle xmlns:cs="http://schemas.microsoft.com/office/drawing/2012/chartStyle" xmlns:a="http://schemas.openxmlformats.org/drawingml/2006/main" id="201">
-  <cs:axisTitle>
-    <cs:lnRef idx="0"/>
-    <cs:fillRef idx="0"/>
-    <cs:effectRef idx="0"/>
-    <cs:fontRef idx="minor">
-      <a:schemeClr val="tx1">
-        <a:lumMod val="65000"/>
-        <a:lumOff val="35000"/>
-      </a:schemeClr>
-    </cs:fontRef>
-    <cs:defRPr sz="1000" kern="1200"/>
-  </cs:axisTitle>
-  <cs:categoryAxis>
-    <cs:lnRef idx="0"/>
-    <cs:fillRef idx="0"/>
-    <cs:effectRef idx="0"/>
-    <cs:fontRef idx="minor">
-      <a:schemeClr val="tx1">
-        <a:lumMod val="65000"/>
-        <a:lumOff val="35000"/>
-      </a:schemeClr>
-    </cs:fontRef>
-    <cs:spPr>
-      <a:ln w="9525" cap="flat" cmpd="sng" algn="ctr">
-        <a:solidFill>
-          <a:schemeClr val="tx1">
-            <a:lumMod val="15000"/>
-            <a:lumOff val="85000"/>
-          </a:schemeClr>
-        </a:solidFill>
-        <a:round/>
-      </a:ln>
-    </cs:spPr>
-    <cs:defRPr sz="900" kern="1200"/>
-  </cs:categoryAxis>
-  <cs:chartArea mods="allowNoFillOverride allowNoLineOverride">
-    <cs:lnRef idx="0"/>
-    <cs:fillRef idx="0"/>
-    <cs:effectRef idx="0"/>
-    <cs:fontRef idx="minor">
-      <a:schemeClr val="tx1"/>
-    </cs:fontRef>
-    <cs:spPr>
-      <a:solidFill>
-        <a:schemeClr val="bg1"/>
-      </a:solidFill>
-      <a:ln w="9525" cap="flat" cmpd="sng" algn="ctr">
-        <a:solidFill>
-          <a:schemeClr val="tx1">
-            <a:lumMod val="15000"/>
-            <a:lumOff val="85000"/>
-          </a:schemeClr>
-        </a:solidFill>
-        <a:round/>
-      </a:ln>
-    </cs:spPr>
-    <cs:defRPr sz="1000" kern="1200"/>
-  </cs:chartArea>
-  <cs:dataLabel>
-    <cs:lnRef idx="0"/>
-    <cs:fillRef idx="0"/>
-    <cs:effectRef idx="0"/>
-    <cs:fontRef idx="minor">
-      <a:schemeClr val="tx1">
-        <a:lumMod val="75000"/>
-        <a:lumOff val="25000"/>
-      </a:schemeClr>
-    </cs:fontRef>
-    <cs:defRPr sz="900" kern="1200"/>
-  </cs:dataLabel>
-  <cs:dataLabelCallout>
-    <cs:lnRef idx="0"/>
-    <cs:fillRef idx="0"/>
-    <cs:effectRef idx="0"/>
-    <cs:fontRef idx="minor">
-      <a:schemeClr val="dk1">
-        <a:lumMod val="65000"/>
-        <a:lumOff val="35000"/>
-      </a:schemeClr>
-    </cs:fontRef>
-    <cs:spPr>
-      <a:solidFill>
-        <a:schemeClr val="lt1"/>
-      </a:solidFill>
-      <a:ln>
-        <a:solidFill>
-          <a:schemeClr val="dk1">
-            <a:lumMod val="25000"/>
-            <a:lumOff val="75000"/>
-          </a:schemeClr>
-        </a:solidFill>
-      </a:ln>
-    </cs:spPr>
-    <cs:defRPr sz="900" kern="1200"/>
-    <cs:bodyPr rot="0" spcFirstLastPara="1" vertOverflow="clip" horzOverflow="clip" vert="horz" wrap="square" lIns="36576" tIns="18288" rIns="36576" bIns="18288" anchor="ctr" anchorCtr="1">
-      <a:spAutoFit/>
-    </cs:bodyPr>
-  </cs:dataLabelCallout>
-  <cs:dataPoint>
-    <cs:lnRef idx="0"/>
-    <cs:fillRef idx="1">
-      <cs:styleClr val="auto"/>
-    </cs:fillRef>
-    <cs:effectRef idx="0"/>
-    <cs:fontRef idx="minor">
-      <a:schemeClr val="tx1"/>
-    </cs:fontRef>
-  </cs:dataPoint>
-  <cs:dataPoint3D>
-    <cs:lnRef idx="0"/>
-    <cs:fillRef idx="1">
-      <cs:styleClr val="auto"/>
-    </cs:fillRef>
-    <cs:effectRef idx="0"/>
-    <cs:fontRef idx="minor">
-      <a:schemeClr val="tx1"/>
-    </cs:fontRef>
-  </cs:dataPoint3D>
-  <cs:dataPointLine>
-    <cs:lnRef idx="0">
-      <cs:styleClr val="auto"/>
-    </cs:lnRef>
-    <cs:fillRef idx="1"/>
-    <cs:effectRef idx="0"/>
-    <cs:fontRef idx="minor">
-      <a:schemeClr val="tx1"/>
-    </cs:fontRef>
-    <cs:spPr>
-      <a:ln w="28575" cap="rnd">
-        <a:solidFill>
-          <a:schemeClr val="phClr"/>
-        </a:solidFill>
-        <a:round/>
-      </a:ln>
-    </cs:spPr>
-  </cs:dataPointLine>
-  <cs:dataPointMarker>
-    <cs:lnRef idx="0">
-      <cs:styleClr val="auto"/>
-    </cs:lnRef>
-    <cs:fillRef idx="1">
-      <cs:styleClr val="auto"/>
-    </cs:fillRef>
-    <cs:effectRef idx="0"/>
-    <cs:fontRef idx="minor">
-      <a:schemeClr val="tx1"/>
-    </cs:fontRef>
-    <cs:spPr>
-      <a:ln w="9525">
-        <a:solidFill>
-          <a:schemeClr val="phClr"/>
-        </a:solidFill>
-      </a:ln>
-    </cs:spPr>
-  </cs:dataPointMarker>
-  <cs:dataPointMarkerLayout symbol="circle" size="5"/>
-  <cs:dataPointWireframe>
-    <cs:lnRef idx="0">
-      <cs:styleClr val="auto"/>
-    </cs:lnRef>
-    <cs:fillRef idx="1"/>
-    <cs:effectRef idx="0"/>
-    <cs:fontRef idx="minor">
-      <a:schemeClr val="tx1"/>
-    </cs:fontRef>
-    <cs:spPr>
-      <a:ln w="9525" cap="rnd">
-        <a:solidFill>
-          <a:schemeClr val="phClr"/>
-        </a:solidFill>
-        <a:round/>
-      </a:ln>
-    </cs:spPr>
-  </cs:dataPointWireframe>
-  <cs:dataTable>
-    <cs:lnRef idx="0"/>
-    <cs:fillRef idx="0"/>
-    <cs:effectRef idx="0"/>
-    <cs:fontRef idx="minor">
-      <a:schemeClr val="tx1">
-        <a:lumMod val="65000"/>
-        <a:lumOff val="35000"/>
-      </a:schemeClr>
-    </cs:fontRef>
-    <cs:spPr>
-      <a:noFill/>
-      <a:ln w="9525" cap="flat" cmpd="sng" algn="ctr">
-        <a:solidFill>
-          <a:schemeClr val="tx1">
-            <a:lumMod val="15000"/>
-            <a:lumOff val="85000"/>
-          </a:schemeClr>
-        </a:solidFill>
-        <a:round/>
-      </a:ln>
-    </cs:spPr>
-    <cs:defRPr sz="900" kern="1200"/>
-  </cs:dataTable>
-  <cs:downBar>
-    <cs:lnRef idx="0"/>
-    <cs:fillRef idx="0"/>
-    <cs:effectRef idx="0"/>
-    <cs:fontRef idx="minor">
-      <a:schemeClr val="dk1"/>
-    </cs:fontRef>
-    <cs:spPr>
-      <a:solidFill>
-        <a:schemeClr val="dk1">
-          <a:lumMod val="65000"/>
-          <a:lumOff val="35000"/>
-        </a:schemeClr>
-      </a:solidFill>
-      <a:ln w="9525">
-        <a:solidFill>
-          <a:schemeClr val="tx1">
-            <a:lumMod val="65000"/>
-            <a:lumOff val="35000"/>
-          </a:schemeClr>
-        </a:solidFill>
-      </a:ln>
-    </cs:spPr>
-  </cs:downBar>
-  <cs:dropLine>
-    <cs:lnRef idx="0"/>
-    <cs:fillRef idx="0"/>
-    <cs:effectRef idx="0"/>
-    <cs:fontRef idx="minor">
-      <a:schemeClr val="tx1"/>
-    </cs:fontRef>
-    <cs:spPr>
-      <a:ln w="9525" cap="flat" cmpd="sng" algn="ctr">
-        <a:solidFill>
-          <a:schemeClr val="tx1">
-            <a:lumMod val="35000"/>
-            <a:lumOff val="65000"/>
-          </a:schemeClr>
-        </a:solidFill>
-        <a:round/>
-      </a:ln>
-    </cs:spPr>
-  </cs:dropLine>
-  <cs:errorBar>
-    <cs:lnRef idx="0"/>
-    <cs:fillRef idx="0"/>
-    <cs:effectRef idx="0"/>
-    <cs:fontRef idx="minor">
-      <a:schemeClr val="tx1"/>
-    </cs:fontRef>
-    <cs:spPr>
-      <a:ln w="9525" cap="flat" cmpd="sng" algn="ctr">
-        <a:solidFill>
-          <a:schemeClr val="tx1">
-            <a:lumMod val="65000"/>
-            <a:lumOff val="35000"/>
-          </a:schemeClr>
-        </a:solidFill>
-        <a:round/>
-      </a:ln>
-    </cs:spPr>
-  </cs:errorBar>
-  <cs:floor>
-    <cs:lnRef idx="0"/>
-    <cs:fillRef idx="0"/>
-    <cs:effectRef idx="0"/>
-    <cs:fontRef idx="minor">
-      <a:schemeClr val="tx1"/>
-    </cs:fontRef>
-    <cs:spPr>
-      <a:noFill/>
-      <a:ln>
-        <a:noFill/>
-      </a:ln>
-    </cs:spPr>
-  </cs:floor>
-  <cs:gridlineMajor>
-    <cs:lnRef idx="0"/>
-    <cs:fillRef idx="0"/>
-    <cs:effectRef idx="0"/>
-    <cs:fontRef idx="minor">
-      <a:schemeClr val="tx1"/>
-    </cs:fontRef>
-    <cs:spPr>
-      <a:ln w="9525" cap="flat" cmpd="sng" algn="ctr">
-        <a:solidFill>
-          <a:schemeClr val="tx1">
-            <a:lumMod val="15000"/>
-            <a:lumOff val="85000"/>
-          </a:schemeClr>
-        </a:solidFill>
-        <a:round/>
-      </a:ln>
-    </cs:spPr>
-  </cs:gridlineMajor>
-  <cs:gridlineMinor>
-    <cs:lnRef idx="0"/>
-    <cs:fillRef idx="0"/>
-    <cs:effectRef idx="0"/>
-    <cs:fontRef idx="minor">
-      <a:schemeClr val="tx1"/>
-    </cs:fontRef>
-    <cs:spPr>
-      <a:ln w="9525" cap="flat" cmpd="sng" algn="ctr">
-        <a:solidFill>
-          <a:schemeClr val="tx1">
-            <a:lumMod val="5000"/>
-            <a:lumOff val="95000"/>
-          </a:schemeClr>
-        </a:solidFill>
-        <a:round/>
-      </a:ln>
-    </cs:spPr>
-  </cs:gridlineMinor>
-  <cs:hiLoLine>
-    <cs:lnRef idx="0"/>
-    <cs:fillRef idx="0"/>
-    <cs:effectRef idx="0"/>
-    <cs:fontRef idx="minor">
-      <a:schemeClr val="tx1"/>
-    </cs:fontRef>
-    <cs:spPr>
-      <a:ln w="9525" cap="flat" cmpd="sng" algn="ctr">
-        <a:solidFill>
-          <a:schemeClr val="tx1">
-            <a:lumMod val="75000"/>
-            <a:lumOff val="25000"/>
-          </a:schemeClr>
-        </a:solidFill>
-        <a:round/>
-      </a:ln>
-    </cs:spPr>
-  </cs:hiLoLine>
-  <cs:leaderLine>
-    <cs:lnRef idx="0"/>
-    <cs:fillRef idx="0"/>
-    <cs:effectRef idx="0"/>
-    <cs:fontRef idx="minor">
-      <a:schemeClr val="tx1"/>
-    </cs:fontRef>
-    <cs:spPr>
-      <a:ln w="9525" cap="flat" cmpd="sng" algn="ctr">
-        <a:solidFill>
-          <a:schemeClr val="tx1">
-            <a:lumMod val="35000"/>
-            <a:lumOff val="65000"/>
-          </a:schemeClr>
-        </a:solidFill>
-        <a:round/>
-      </a:ln>
-    </cs:spPr>
-  </cs:leaderLine>
-  <cs:legend>
-    <cs:lnRef idx="0"/>
-    <cs:fillRef idx="0"/>
-    <cs:effectRef idx="0"/>
-    <cs:fontRef idx="minor">
-      <a:schemeClr val="tx1">
-        <a:lumMod val="65000"/>
-        <a:lumOff val="35000"/>
-      </a:schemeClr>
-    </cs:fontRef>
-    <cs:defRPr sz="900" kern="1200"/>
-  </cs:legend>
-  <cs:plotArea mods="allowNoFillOverride allowNoLineOverride">
-    <cs:lnRef idx="0"/>
-    <cs:fillRef idx="0"/>
-    <cs:effectRef idx="0"/>
-    <cs:fontRef idx="minor">
-      <a:schemeClr val="tx1"/>
-    </cs:fontRef>
-  </cs:plotArea>
-  <cs:plotArea3D mods="allowNoFillOverride allowNoLineOverride">
-    <cs:lnRef idx="0"/>
-    <cs:fillRef idx="0"/>
-    <cs:effectRef idx="0"/>
-    <cs:fontRef idx="minor">
-      <a:schemeClr val="tx1"/>
-    </cs:fontRef>
-  </cs:plotArea3D>
-  <cs:seriesAxis>
-    <cs:lnRef idx="0"/>
-    <cs:fillRef idx="0"/>
-    <cs:effectRef idx="0"/>
-    <cs:fontRef idx="minor">
-      <a:schemeClr val="tx1">
-        <a:lumMod val="65000"/>
-        <a:lumOff val="35000"/>
-      </a:schemeClr>
-    </cs:fontRef>
-    <cs:defRPr sz="900" kern="1200"/>
-  </cs:seriesAxis>
-  <cs:seriesLine>
-    <cs:lnRef idx="0"/>
-    <cs:fillRef idx="0"/>
-    <cs:effectRef idx="0"/>
-    <cs:fontRef idx="minor">
-      <a:schemeClr val="tx1"/>
-    </cs:fontRef>
-    <cs:spPr>
-      <a:ln w="9525" cap="flat" cmpd="sng" algn="ctr">
-        <a:solidFill>
-          <a:schemeClr val="tx1">
-            <a:lumMod val="35000"/>
-            <a:lumOff val="65000"/>
-          </a:schemeClr>
-        </a:solidFill>
-        <a:round/>
-      </a:ln>
-    </cs:spPr>
-  </cs:seriesLine>
-  <cs:title>
-    <cs:lnRef idx="0"/>
-    <cs:fillRef idx="0"/>
-    <cs:effectRef idx="0"/>
-    <cs:fontRef idx="minor">
-      <a:schemeClr val="tx1">
-        <a:lumMod val="65000"/>
-        <a:lumOff val="35000"/>
-      </a:schemeClr>
-    </cs:fontRef>
-    <cs:defRPr sz="1400" b="0" kern="1200" spc="0" baseline="0"/>
-  </cs:title>
-  <cs:trendline>
-    <cs:lnRef idx="0">
-      <cs:styleClr val="auto"/>
-    </cs:lnRef>
-    <cs:fillRef idx="0"/>
-    <cs:effectRef idx="0"/>
-    <cs:fontRef idx="minor">
-      <a:schemeClr val="tx1"/>
-    </cs:fontRef>
-    <cs:spPr>
-      <a:ln w="19050" cap="rnd">
-        <a:solidFill>
-          <a:schemeClr val="phClr"/>
-        </a:solidFill>
-        <a:prstDash val="sysDot"/>
-      </a:ln>
-    </cs:spPr>
-  </cs:trendline>
-  <cs:trendlineLabel>
-    <cs:lnRef idx="0"/>
-    <cs:fillRef idx="0"/>
-    <cs:effectRef idx="0"/>
-    <cs:fontRef idx="minor">
-      <a:schemeClr val="tx1">
-        <a:lumMod val="65000"/>
-        <a:lumOff val="35000"/>
-      </a:schemeClr>
-    </cs:fontRef>
-    <cs:defRPr sz="900" kern="1200"/>
-  </cs:trendlineLabel>
-  <cs:upBar>
-    <cs:lnRef idx="0"/>
-    <cs:fillRef idx="0"/>
-    <cs:effectRef idx="0"/>
-    <cs:fontRef idx="minor">
-      <a:schemeClr val="dk1"/>
-    </cs:fontRef>
-    <cs:spPr>
-      <a:solidFill>
-        <a:schemeClr val="lt1"/>
-      </a:solidFill>
-      <a:ln w="9525">
-        <a:solidFill>
-          <a:schemeClr val="tx1">
-            <a:lumMod val="15000"/>
-            <a:lumOff val="85000"/>
-          </a:schemeClr>
-        </a:solidFill>
-      </a:ln>
-    </cs:spPr>
-  </cs:upBar>
-  <cs:valueAxis>
-    <cs:lnRef idx="0"/>
-    <cs:fillRef idx="0"/>
-    <cs:effectRef idx="0"/>
-    <cs:fontRef idx="minor">
-      <a:schemeClr val="tx1">
-        <a:lumMod val="65000"/>
-        <a:lumOff val="35000"/>
-      </a:schemeClr>
-    </cs:fontRef>
-    <cs:defRPr sz="900" kern="1200"/>
-  </cs:valueAxis>
-  <cs:wall>
-    <cs:lnRef idx="0"/>
-    <cs:fillRef idx="0"/>
-    <cs:effectRef idx="0"/>
-    <cs:fontRef idx="minor">
-      <a:schemeClr val="tx1"/>
-    </cs:fontRef>
-    <cs:spPr>
-      <a:noFill/>
-      <a:ln>
-        <a:noFill/>
-      </a:ln>
-    </cs:spPr>
-  </cs:wall>
-</cs:chartStyle>
-</file>
-
 <file path=ppt/handoutMasters/handoutMaster1.xml><?xml version="1.0" encoding="utf-8"?>
 <p:handoutMaster xmlns:a="http://schemas.openxmlformats.org/drawingml/2006/main" xmlns:r="http://schemas.openxmlformats.org/officeDocument/2006/relationships" xmlns:p="http://schemas.openxmlformats.org/presentationml/2006/main">
   <p:cSld>
@@ -4655,7 +3489,7 @@
           <a:p>
             <a:fld id="{388997FB-EFBE-4ED6-A43F-DDA1512FD57C}" type="datetimeFigureOut">
               <a:rPr lang="zh-TW" altLang="en-US" smtClean="0"/>
-              <a:t>2025/12/18</a:t>
+              <a:t>2025/12/19</a:t>
             </a:fld>
             <a:endParaRPr lang="zh-TW" altLang="en-US"/>
           </a:p>
@@ -4818,7 +3652,7 @@
           <a:p>
             <a:fld id="{388997FB-EFBE-4ED6-A43F-DDA1512FD57C}" type="datetimeFigureOut">
               <a:rPr lang="zh-TW" altLang="en-US" smtClean="0"/>
-              <a:t>2025/12/18</a:t>
+              <a:t>2025/12/19</a:t>
             </a:fld>
             <a:endParaRPr lang="zh-TW" altLang="en-US"/>
           </a:p>
@@ -5058,7 +3892,7 @@
           <a:p>
             <a:fld id="{388997FB-EFBE-4ED6-A43F-DDA1512FD57C}" type="datetimeFigureOut">
               <a:rPr lang="zh-TW" altLang="en-US" smtClean="0"/>
-              <a:t>2025/12/18</a:t>
+              <a:t>2025/12/19</a:t>
             </a:fld>
             <a:endParaRPr lang="zh-TW" altLang="en-US"/>
           </a:p>
@@ -5338,7 +4172,7 @@
           <a:p>
             <a:fld id="{388997FB-EFBE-4ED6-A43F-DDA1512FD57C}" type="datetimeFigureOut">
               <a:rPr lang="zh-TW" altLang="en-US" smtClean="0"/>
-              <a:t>2025/12/18</a:t>
+              <a:t>2025/12/19</a:t>
             </a:fld>
             <a:endParaRPr lang="zh-TW" altLang="en-US"/>
           </a:p>
@@ -5752,7 +4586,7 @@
           <a:p>
             <a:fld id="{388997FB-EFBE-4ED6-A43F-DDA1512FD57C}" type="datetimeFigureOut">
               <a:rPr lang="zh-TW" altLang="en-US" smtClean="0"/>
-              <a:t>2025/12/18</a:t>
+              <a:t>2025/12/19</a:t>
             </a:fld>
             <a:endParaRPr lang="zh-TW" altLang="en-US"/>
           </a:p>
@@ -5864,7 +4698,7 @@
           <a:p>
             <a:fld id="{388997FB-EFBE-4ED6-A43F-DDA1512FD57C}" type="datetimeFigureOut">
               <a:rPr lang="zh-TW" altLang="en-US" smtClean="0"/>
-              <a:t>2025/12/18</a:t>
+              <a:t>2025/12/19</a:t>
             </a:fld>
             <a:endParaRPr lang="zh-TW" altLang="en-US"/>
           </a:p>
@@ -5954,7 +4788,7 @@
           <a:p>
             <a:fld id="{388997FB-EFBE-4ED6-A43F-DDA1512FD57C}" type="datetimeFigureOut">
               <a:rPr lang="zh-TW" altLang="en-US" smtClean="0"/>
-              <a:t>2025/12/18</a:t>
+              <a:t>2025/12/19</a:t>
             </a:fld>
             <a:endParaRPr lang="zh-TW" altLang="en-US"/>
           </a:p>
@@ -6375,7 +5209,7 @@
           <a:p>
             <a:fld id="{388997FB-EFBE-4ED6-A43F-DDA1512FD57C}" type="datetimeFigureOut">
               <a:rPr lang="zh-TW" altLang="en-US" smtClean="0"/>
-              <a:t>2025/12/18</a:t>
+              <a:t>2025/12/19</a:t>
             </a:fld>
             <a:endParaRPr lang="zh-TW" altLang="en-US"/>
           </a:p>
@@ -6622,7 +5456,7 @@
           <a:p>
             <a:fld id="{388997FB-EFBE-4ED6-A43F-DDA1512FD57C}" type="datetimeFigureOut">
               <a:rPr lang="zh-TW" altLang="en-US" smtClean="0"/>
-              <a:t>2025/12/18</a:t>
+              <a:t>2025/12/19</a:t>
             </a:fld>
             <a:endParaRPr lang="zh-TW" altLang="en-US"/>
           </a:p>
@@ -6785,7 +5619,7 @@
           <a:p>
             <a:fld id="{388997FB-EFBE-4ED6-A43F-DDA1512FD57C}" type="datetimeFigureOut">
               <a:rPr lang="zh-TW" altLang="en-US" smtClean="0"/>
-              <a:t>2025/12/18</a:t>
+              <a:t>2025/12/19</a:t>
             </a:fld>
             <a:endParaRPr lang="zh-TW" altLang="en-US"/>
           </a:p>
@@ -6958,7 +5792,7 @@
           <a:p>
             <a:fld id="{388997FB-EFBE-4ED6-A43F-DDA1512FD57C}" type="datetimeFigureOut">
               <a:rPr lang="zh-TW" altLang="en-US" smtClean="0"/>
-              <a:t>2025/12/18</a:t>
+              <a:t>2025/12/19</a:t>
             </a:fld>
             <a:endParaRPr lang="zh-TW" altLang="en-US"/>
           </a:p>
@@ -9342,7 +8176,7 @@
           <a:p>
             <a:fld id="{79EFF09E-4EA0-4518-A9E8-449DE34F8B74}" type="datetimeFigureOut">
               <a:rPr lang="zh-TW" altLang="en-US" smtClean="0"/>
-              <a:t>2025/12/18</a:t>
+              <a:t>2025/12/19</a:t>
             </a:fld>
             <a:endParaRPr lang="zh-TW" altLang="en-US"/>
           </a:p>
@@ -9505,7 +8339,7 @@
           <a:p>
             <a:fld id="{79EFF09E-4EA0-4518-A9E8-449DE34F8B74}" type="datetimeFigureOut">
               <a:rPr lang="zh-TW" altLang="en-US" smtClean="0"/>
-              <a:t>2025/12/18</a:t>
+              <a:t>2025/12/19</a:t>
             </a:fld>
             <a:endParaRPr lang="zh-TW" altLang="en-US"/>
           </a:p>
@@ -9745,7 +8579,7 @@
           <a:p>
             <a:fld id="{79EFF09E-4EA0-4518-A9E8-449DE34F8B74}" type="datetimeFigureOut">
               <a:rPr lang="zh-TW" altLang="en-US" smtClean="0"/>
-              <a:t>2025/12/18</a:t>
+              <a:t>2025/12/19</a:t>
             </a:fld>
             <a:endParaRPr lang="zh-TW" altLang="en-US"/>
           </a:p>
@@ -10025,7 +8859,7 @@
           <a:p>
             <a:fld id="{79EFF09E-4EA0-4518-A9E8-449DE34F8B74}" type="datetimeFigureOut">
               <a:rPr lang="zh-TW" altLang="en-US" smtClean="0"/>
-              <a:t>2025/12/18</a:t>
+              <a:t>2025/12/19</a:t>
             </a:fld>
             <a:endParaRPr lang="zh-TW" altLang="en-US"/>
           </a:p>
@@ -10439,7 +9273,7 @@
           <a:p>
             <a:fld id="{79EFF09E-4EA0-4518-A9E8-449DE34F8B74}" type="datetimeFigureOut">
               <a:rPr lang="zh-TW" altLang="en-US" smtClean="0"/>
-              <a:t>2025/12/18</a:t>
+              <a:t>2025/12/19</a:t>
             </a:fld>
             <a:endParaRPr lang="zh-TW" altLang="en-US"/>
           </a:p>
@@ -10935,7 +9769,7 @@
           <a:p>
             <a:fld id="{79EFF09E-4EA0-4518-A9E8-449DE34F8B74}" type="datetimeFigureOut">
               <a:rPr lang="zh-TW" altLang="en-US" smtClean="0"/>
-              <a:t>2025/12/18</a:t>
+              <a:t>2025/12/19</a:t>
             </a:fld>
             <a:endParaRPr lang="zh-TW" altLang="en-US"/>
           </a:p>
@@ -11025,7 +9859,7 @@
           <a:p>
             <a:fld id="{79EFF09E-4EA0-4518-A9E8-449DE34F8B74}" type="datetimeFigureOut">
               <a:rPr lang="zh-TW" altLang="en-US" smtClean="0"/>
-              <a:t>2025/12/18</a:t>
+              <a:t>2025/12/19</a:t>
             </a:fld>
             <a:endParaRPr lang="zh-TW" altLang="en-US"/>
           </a:p>
@@ -11295,7 +10129,7 @@
           <a:p>
             <a:fld id="{79EFF09E-4EA0-4518-A9E8-449DE34F8B74}" type="datetimeFigureOut">
               <a:rPr lang="zh-TW" altLang="en-US" smtClean="0"/>
-              <a:t>2025/12/18</a:t>
+              <a:t>2025/12/19</a:t>
             </a:fld>
             <a:endParaRPr lang="zh-TW" altLang="en-US"/>
           </a:p>
@@ -11542,7 +10376,7 @@
           <a:p>
             <a:fld id="{79EFF09E-4EA0-4518-A9E8-449DE34F8B74}" type="datetimeFigureOut">
               <a:rPr lang="zh-TW" altLang="en-US" smtClean="0"/>
-              <a:t>2025/12/18</a:t>
+              <a:t>2025/12/19</a:t>
             </a:fld>
             <a:endParaRPr lang="zh-TW" altLang="en-US"/>
           </a:p>
@@ -11705,7 +10539,7 @@
           <a:p>
             <a:fld id="{79EFF09E-4EA0-4518-A9E8-449DE34F8B74}" type="datetimeFigureOut">
               <a:rPr lang="zh-TW" altLang="en-US" smtClean="0"/>
-              <a:t>2025/12/18</a:t>
+              <a:t>2025/12/19</a:t>
             </a:fld>
             <a:endParaRPr lang="zh-TW" altLang="en-US"/>
           </a:p>
@@ -11878,7 +10712,7 @@
           <a:p>
             <a:fld id="{79EFF09E-4EA0-4518-A9E8-449DE34F8B74}" type="datetimeFigureOut">
               <a:rPr lang="zh-TW" altLang="en-US" smtClean="0"/>
-              <a:t>2025/12/18</a:t>
+              <a:t>2025/12/19</a:t>
             </a:fld>
             <a:endParaRPr lang="zh-TW" altLang="en-US"/>
           </a:p>
@@ -19529,7 +18363,7 @@
           <a:p>
             <a:fld id="{388997FB-EFBE-4ED6-A43F-DDA1512FD57C}" type="datetimeFigureOut">
               <a:rPr lang="zh-TW" altLang="en-US" smtClean="0"/>
-              <a:t>2025/12/18</a:t>
+              <a:t>2025/12/19</a:t>
             </a:fld>
             <a:endParaRPr lang="zh-TW" altLang="en-US"/>
           </a:p>
@@ -21421,7 +20255,7 @@
           <a:p>
             <a:fld id="{79EFF09E-4EA0-4518-A9E8-449DE34F8B74}" type="datetimeFigureOut">
               <a:rPr lang="zh-TW" altLang="en-US" smtClean="0"/>
-              <a:t>2025/12/18</a:t>
+              <a:t>2025/12/19</a:t>
             </a:fld>
             <a:endParaRPr lang="zh-TW" altLang="en-US"/>
           </a:p>
@@ -26286,10 +25120,10 @@
       </p:sp>
       <p:pic>
         <p:nvPicPr>
-          <p:cNvPr id="5" name="圖片 4">
+          <p:cNvPr id="6" name="圖片 5">
             <a:extLst>
               <a:ext uri="{FF2B5EF4-FFF2-40B4-BE49-F238E27FC236}">
-                <a16:creationId xmlns:a16="http://schemas.microsoft.com/office/drawing/2014/main" id="{35E3523A-8EE1-4A15-BA01-07D41F3C2DC7}"/>
+                <a16:creationId xmlns:a16="http://schemas.microsoft.com/office/drawing/2014/main" id="{622D67C8-B625-4C24-B7C0-25DA8301D1FA}"/>
               </a:ext>
             </a:extLst>
           </p:cNvPr>
@@ -26312,8 +25146,8 @@
         </p:blipFill>
         <p:spPr>
           <a:xfrm>
-            <a:off x="0" y="3789039"/>
-            <a:ext cx="9144000" cy="3068961"/>
+            <a:off x="0" y="3212975"/>
+            <a:ext cx="9144000" cy="3645025"/>
           </a:xfrm>
           <a:prstGeom prst="rect">
             <a:avLst/>
@@ -26668,68 +25502,6 @@
           </a:p>
           <a:p>
             <a:pPr lvl="1"/>
-            <a:r>
-              <a:rPr lang="zh-TW" altLang="en-US" sz="1600" dirty="0">
-                <a:latin typeface="+mj-ea"/>
-                <a:ea typeface="+mj-ea"/>
-              </a:rPr>
-              <a:t>台灣明年</a:t>
-            </a:r>
-            <a:r>
-              <a:rPr lang="en-US" altLang="zh-TW" sz="1600" dirty="0">
-                <a:latin typeface="+mj-ea"/>
-                <a:ea typeface="+mj-ea"/>
-              </a:rPr>
-              <a:t>GDP</a:t>
-            </a:r>
-            <a:r>
-              <a:rPr lang="zh-TW" altLang="en-US" sz="1600" dirty="0">
-                <a:latin typeface="+mj-ea"/>
-                <a:ea typeface="+mj-ea"/>
-              </a:rPr>
-              <a:t>預估：</a:t>
-            </a:r>
-            <a:r>
-              <a:rPr lang="en-US" altLang="zh-TW" sz="1600" dirty="0">
-                <a:latin typeface="+mj-ea"/>
-                <a:ea typeface="+mj-ea"/>
-              </a:rPr>
-              <a:t>+2.68%</a:t>
-            </a:r>
-          </a:p>
-          <a:p>
-            <a:pPr lvl="1"/>
-            <a:r>
-              <a:rPr lang="zh-TW" altLang="en-US" sz="1600" dirty="0">
-                <a:latin typeface="+mj-ea"/>
-                <a:ea typeface="+mj-ea"/>
-              </a:rPr>
-              <a:t>台灣明年</a:t>
-            </a:r>
-            <a:r>
-              <a:rPr lang="en-US" altLang="zh-TW" sz="1600" dirty="0">
-                <a:latin typeface="+mj-ea"/>
-                <a:ea typeface="+mj-ea"/>
-              </a:rPr>
-              <a:t>CPI</a:t>
-            </a:r>
-            <a:r>
-              <a:rPr lang="zh-TW" altLang="en-US" sz="1600" dirty="0">
-                <a:latin typeface="+mj-ea"/>
-                <a:ea typeface="+mj-ea"/>
-              </a:rPr>
-              <a:t>預估：</a:t>
-            </a:r>
-            <a:r>
-              <a:rPr lang="en-US" altLang="zh-TW" sz="1600" dirty="0">
-                <a:latin typeface="+mj-ea"/>
-                <a:ea typeface="+mj-ea"/>
-              </a:rPr>
-              <a:t>+1.66%</a:t>
-            </a:r>
-          </a:p>
-          <a:p>
-            <a:pPr lvl="1"/>
             <a:endParaRPr lang="en-US" altLang="zh-TW" sz="1600" dirty="0">
               <a:latin typeface="+mj-ea"/>
               <a:ea typeface="+mj-ea"/>
@@ -26785,82 +25557,6 @@
             </a:endParaRPr>
           </a:p>
           <a:p>
-            <a:pPr lvl="1"/>
-            <a:r>
-              <a:rPr lang="zh-TW" altLang="en-US" sz="1600" dirty="0">
-                <a:latin typeface="+mj-ea"/>
-                <a:ea typeface="+mj-ea"/>
-              </a:rPr>
-              <a:t>台債各年期利率：</a:t>
-            </a:r>
-            <a:r>
-              <a:rPr lang="en-US" altLang="zh-TW" sz="1600" dirty="0">
-                <a:latin typeface="+mj-ea"/>
-                <a:ea typeface="+mj-ea"/>
-              </a:rPr>
-              <a:t>10y 1.249%; 20y 1.355%;</a:t>
-            </a:r>
-            <a:r>
-              <a:rPr lang="zh-TW" altLang="en-US" sz="1600" dirty="0">
-                <a:latin typeface="+mj-ea"/>
-                <a:ea typeface="+mj-ea"/>
-              </a:rPr>
-              <a:t> </a:t>
-            </a:r>
-            <a:r>
-              <a:rPr lang="en-US" altLang="zh-TW" sz="1600" dirty="0">
-                <a:latin typeface="+mj-ea"/>
-                <a:ea typeface="+mj-ea"/>
-              </a:rPr>
-              <a:t>30y</a:t>
-            </a:r>
-            <a:r>
-              <a:rPr lang="zh-TW" altLang="en-US" sz="1600" dirty="0">
-                <a:latin typeface="+mj-ea"/>
-                <a:ea typeface="+mj-ea"/>
-              </a:rPr>
-              <a:t> </a:t>
-            </a:r>
-            <a:r>
-              <a:rPr lang="en-US" altLang="zh-TW" sz="1600" dirty="0">
-                <a:latin typeface="+mj-ea"/>
-                <a:ea typeface="+mj-ea"/>
-              </a:rPr>
-              <a:t>1.47%</a:t>
-            </a:r>
-          </a:p>
-          <a:p>
-            <a:pPr lvl="1"/>
-            <a:r>
-              <a:rPr lang="zh-TW" altLang="en-US" sz="1600" dirty="0">
-                <a:latin typeface="+mj-ea"/>
-                <a:ea typeface="+mj-ea"/>
-              </a:rPr>
-              <a:t>證券商</a:t>
-            </a:r>
-            <a:r>
-              <a:rPr lang="en-US" altLang="zh-TW" sz="1600" dirty="0">
-                <a:latin typeface="+mj-ea"/>
-                <a:ea typeface="+mj-ea"/>
-              </a:rPr>
-              <a:t>RP</a:t>
-            </a:r>
-            <a:r>
-              <a:rPr lang="zh-TW" altLang="en-US" sz="1600" dirty="0">
-                <a:latin typeface="+mj-ea"/>
-                <a:ea typeface="+mj-ea"/>
-              </a:rPr>
-              <a:t>利率：</a:t>
-            </a:r>
-            <a:r>
-              <a:rPr lang="en-US" altLang="zh-TW" sz="1600" dirty="0">
-                <a:latin typeface="+mj-ea"/>
-                <a:ea typeface="+mj-ea"/>
-              </a:rPr>
-              <a:t>1.05%~1.20%</a:t>
-            </a:r>
-          </a:p>
-          <a:p>
             <a:pPr marL="0" indent="0">
               <a:buNone/>
             </a:pPr>
@@ -26877,36 +25573,6 @@
           </a:p>
         </p:txBody>
       </p:sp>
-      <p:graphicFrame>
-        <p:nvGraphicFramePr>
-          <p:cNvPr id="9" name="圖表 8">
-            <a:extLst>
-              <a:ext uri="{FF2B5EF4-FFF2-40B4-BE49-F238E27FC236}">
-                <a16:creationId xmlns:a16="http://schemas.microsoft.com/office/drawing/2014/main" id="{09727376-029C-4B3F-997B-BC273A92DC9C}"/>
-              </a:ext>
-            </a:extLst>
-          </p:cNvPr>
-          <p:cNvGraphicFramePr>
-            <a:graphicFrameLocks noGrp="1"/>
-          </p:cNvGraphicFramePr>
-          <p:nvPr>
-            <p:extLst>
-              <p:ext uri="{D42A27DB-BD31-4B8C-83A1-F6EECF244321}">
-                <p14:modId xmlns:p14="http://schemas.microsoft.com/office/powerpoint/2010/main" val="1423195418"/>
-              </p:ext>
-            </p:extLst>
-          </p:nvPr>
-        </p:nvGraphicFramePr>
-        <p:xfrm>
-          <a:off x="1187624" y="3717032"/>
-          <a:ext cx="6408712" cy="2520280"/>
-        </p:xfrm>
-        <a:graphic>
-          <a:graphicData uri="http://schemas.openxmlformats.org/drawingml/2006/chart">
-            <c:chart xmlns:c="http://schemas.openxmlformats.org/drawingml/2006/chart" xmlns:r="http://schemas.openxmlformats.org/officeDocument/2006/relationships" r:id="rId2"/>
-          </a:graphicData>
-        </a:graphic>
-      </p:graphicFrame>
       <p:sp>
         <p:nvSpPr>
           <p:cNvPr id="10" name="內容版面配置區 2">
@@ -27137,6 +25803,99 @@
           </a:p>
         </p:txBody>
       </p:sp>
+      <p:grpSp>
+        <p:nvGrpSpPr>
+          <p:cNvPr id="13" name="群組 12">
+            <a:extLst>
+              <a:ext uri="{FF2B5EF4-FFF2-40B4-BE49-F238E27FC236}">
+                <a16:creationId xmlns:a16="http://schemas.microsoft.com/office/drawing/2014/main" id="{A4CE7F15-53F7-46D6-B097-10BF64E311E9}"/>
+              </a:ext>
+            </a:extLst>
+          </p:cNvPr>
+          <p:cNvGrpSpPr/>
+          <p:nvPr/>
+        </p:nvGrpSpPr>
+        <p:grpSpPr>
+          <a:xfrm>
+            <a:off x="755576" y="2492896"/>
+            <a:ext cx="6991350" cy="3657947"/>
+            <a:chOff x="818059" y="2420888"/>
+            <a:chExt cx="6991350" cy="3657947"/>
+          </a:xfrm>
+        </p:grpSpPr>
+        <p:pic>
+          <p:nvPicPr>
+            <p:cNvPr id="5" name="圖片 4">
+              <a:extLst>
+                <a:ext uri="{FF2B5EF4-FFF2-40B4-BE49-F238E27FC236}">
+                  <a16:creationId xmlns:a16="http://schemas.microsoft.com/office/drawing/2014/main" id="{1FCBBC56-E04A-4E20-8C5A-0CBA30E33723}"/>
+                </a:ext>
+              </a:extLst>
+            </p:cNvPr>
+            <p:cNvPicPr>
+              <a:picLocks noChangeAspect="1"/>
+            </p:cNvPicPr>
+            <p:nvPr/>
+          </p:nvPicPr>
+          <p:blipFill>
+            <a:blip r:embed="rId2">
+              <a:extLst>
+                <a:ext uri="{28A0092B-C50C-407E-A947-70E740481C1C}">
+                  <a14:useLocalDpi xmlns:a14="http://schemas.microsoft.com/office/drawing/2010/main" val="0"/>
+                </a:ext>
+              </a:extLst>
+            </a:blip>
+            <a:stretch>
+              <a:fillRect/>
+            </a:stretch>
+          </p:blipFill>
+          <p:spPr>
+            <a:xfrm>
+              <a:off x="827584" y="2420888"/>
+              <a:ext cx="6981825" cy="3095625"/>
+            </a:xfrm>
+            <a:prstGeom prst="rect">
+              <a:avLst/>
+            </a:prstGeom>
+          </p:spPr>
+        </p:pic>
+        <p:pic>
+          <p:nvPicPr>
+            <p:cNvPr id="7" name="圖片 6">
+              <a:extLst>
+                <a:ext uri="{FF2B5EF4-FFF2-40B4-BE49-F238E27FC236}">
+                  <a16:creationId xmlns:a16="http://schemas.microsoft.com/office/drawing/2014/main" id="{76524831-5133-4CA7-9DDC-3A28D720FCC2}"/>
+                </a:ext>
+              </a:extLst>
+            </p:cNvPr>
+            <p:cNvPicPr>
+              <a:picLocks noChangeAspect="1"/>
+            </p:cNvPicPr>
+            <p:nvPr/>
+          </p:nvPicPr>
+          <p:blipFill>
+            <a:blip r:embed="rId3">
+              <a:extLst>
+                <a:ext uri="{28A0092B-C50C-407E-A947-70E740481C1C}">
+                  <a14:useLocalDpi xmlns:a14="http://schemas.microsoft.com/office/drawing/2010/main" val="0"/>
+                </a:ext>
+              </a:extLst>
+            </a:blip>
+            <a:stretch>
+              <a:fillRect/>
+            </a:stretch>
+          </p:blipFill>
+          <p:spPr>
+            <a:xfrm>
+              <a:off x="818059" y="5507335"/>
+              <a:ext cx="6991350" cy="571500"/>
+            </a:xfrm>
+            <a:prstGeom prst="rect">
+              <a:avLst/>
+            </a:prstGeom>
+          </p:spPr>
+        </p:pic>
+      </p:grpSp>
     </p:spTree>
     <p:extLst>
       <p:ext uri="{BB962C8B-B14F-4D97-AF65-F5344CB8AC3E}">

--- a/6m18m flatten.pptx
+++ b/6m18m flatten.pptx
@@ -15,14 +15,15 @@
     <p:sldMasterId id="2147483725" r:id="rId11"/>
   </p:sldMasterIdLst>
   <p:notesMasterIdLst>
-    <p:notesMasterId r:id="rId14"/>
+    <p:notesMasterId r:id="rId15"/>
   </p:notesMasterIdLst>
   <p:handoutMasterIdLst>
-    <p:handoutMasterId r:id="rId15"/>
+    <p:handoutMasterId r:id="rId16"/>
   </p:handoutMasterIdLst>
   <p:sldIdLst>
     <p:sldId id="3949" r:id="rId12"/>
     <p:sldId id="3951" r:id="rId13"/>
+    <p:sldId id="3952" r:id="rId14"/>
   </p:sldIdLst>
   <p:sldSz cx="9144000" cy="6858000" type="screen4x3"/>
   <p:notesSz cx="6797675" cy="9926638"/>
@@ -158,6 +159,7 @@
           <p14:sldIdLst>
             <p14:sldId id="3949"/>
             <p14:sldId id="3951"/>
+            <p14:sldId id="3952"/>
           </p14:sldIdLst>
         </p14:section>
       </p14:sectionLst>
@@ -25900,6 +25902,151 @@
     <p:extLst>
       <p:ext uri="{BB962C8B-B14F-4D97-AF65-F5344CB8AC3E}">
         <p14:creationId xmlns:p14="http://schemas.microsoft.com/office/powerpoint/2010/main" val="2842179200"/>
+      </p:ext>
+    </p:extLst>
+  </p:cSld>
+  <p:clrMapOvr>
+    <a:masterClrMapping/>
+  </p:clrMapOvr>
+</p:sld>
+</file>
+
+<file path=ppt/slides/slide3.xml><?xml version="1.0" encoding="utf-8"?>
+<p:sld xmlns:a="http://schemas.openxmlformats.org/drawingml/2006/main" xmlns:r="http://schemas.openxmlformats.org/officeDocument/2006/relationships" xmlns:p="http://schemas.openxmlformats.org/presentationml/2006/main">
+  <p:cSld>
+    <p:spTree>
+      <p:nvGrpSpPr>
+        <p:cNvPr id="1" name=""/>
+        <p:cNvGrpSpPr/>
+        <p:nvPr/>
+      </p:nvGrpSpPr>
+      <p:grpSpPr>
+        <a:xfrm>
+          <a:off x="0" y="0"/>
+          <a:ext cx="0" cy="0"/>
+          <a:chOff x="0" y="0"/>
+          <a:chExt cx="0" cy="0"/>
+        </a:xfrm>
+      </p:grpSpPr>
+      <p:sp>
+        <p:nvSpPr>
+          <p:cNvPr id="2" name="標題 1">
+            <a:extLst>
+              <a:ext uri="{FF2B5EF4-FFF2-40B4-BE49-F238E27FC236}">
+                <a16:creationId xmlns:a16="http://schemas.microsoft.com/office/drawing/2014/main" id="{0105EFC9-357D-4B37-86EA-323CC09442F4}"/>
+              </a:ext>
+            </a:extLst>
+          </p:cNvPr>
+          <p:cNvSpPr>
+            <a:spLocks noGrp="1"/>
+          </p:cNvSpPr>
+          <p:nvPr>
+            <p:ph type="title"/>
+          </p:nvPr>
+        </p:nvSpPr>
+        <p:spPr/>
+        <p:txBody>
+          <a:bodyPr/>
+          <a:lstStyle/>
+          <a:p>
+            <a:endParaRPr lang="zh-TW" altLang="en-US"/>
+          </a:p>
+        </p:txBody>
+      </p:sp>
+      <p:sp>
+        <p:nvSpPr>
+          <p:cNvPr id="3" name="內容版面配置區 2">
+            <a:extLst>
+              <a:ext uri="{FF2B5EF4-FFF2-40B4-BE49-F238E27FC236}">
+                <a16:creationId xmlns:a16="http://schemas.microsoft.com/office/drawing/2014/main" id="{FD227981-EF09-4107-8910-1C272ED90790}"/>
+              </a:ext>
+            </a:extLst>
+          </p:cNvPr>
+          <p:cNvSpPr>
+            <a:spLocks noGrp="1"/>
+          </p:cNvSpPr>
+          <p:nvPr>
+            <p:ph idx="1"/>
+          </p:nvPr>
+        </p:nvSpPr>
+        <p:spPr>
+          <a:xfrm>
+            <a:off x="1179315" y="1549399"/>
+            <a:ext cx="8075612" cy="4929188"/>
+          </a:xfrm>
+        </p:spPr>
+        <p:txBody>
+          <a:bodyPr/>
+          <a:lstStyle/>
+          <a:p>
+            <a:endParaRPr lang="zh-TW" altLang="en-US"/>
+          </a:p>
+        </p:txBody>
+      </p:sp>
+      <p:pic>
+        <p:nvPicPr>
+          <p:cNvPr id="1026" name="圖片 1">
+            <a:extLst>
+              <a:ext uri="{FF2B5EF4-FFF2-40B4-BE49-F238E27FC236}">
+                <a16:creationId xmlns:a16="http://schemas.microsoft.com/office/drawing/2014/main" id="{F9C98A82-C260-45C9-B5CC-911B8B8C1EE0}"/>
+              </a:ext>
+            </a:extLst>
+          </p:cNvPr>
+          <p:cNvPicPr>
+            <a:picLocks noChangeAspect="1" noChangeArrowheads="1"/>
+          </p:cNvPicPr>
+          <p:nvPr/>
+        </p:nvPicPr>
+        <p:blipFill>
+          <a:blip r:embed="rId2">
+            <a:extLst>
+              <a:ext uri="{28A0092B-C50C-407E-A947-70E740481C1C}">
+                <a14:useLocalDpi xmlns:a14="http://schemas.microsoft.com/office/drawing/2010/main" val="0"/>
+              </a:ext>
+            </a:extLst>
+          </a:blip>
+          <a:srcRect/>
+          <a:stretch>
+            <a:fillRect/>
+          </a:stretch>
+        </p:blipFill>
+        <p:spPr bwMode="auto">
+          <a:xfrm>
+            <a:off x="539552" y="357187"/>
+            <a:ext cx="7629525" cy="6143625"/>
+          </a:xfrm>
+          <a:prstGeom prst="rect">
+            <a:avLst/>
+          </a:prstGeom>
+          <a:noFill/>
+          <a:ln>
+            <a:noFill/>
+          </a:ln>
+          <a:extLst>
+            <a:ext uri="{909E8E84-426E-40DD-AFC4-6F175D3DCCD1}">
+              <a14:hiddenFill xmlns:a14="http://schemas.microsoft.com/office/drawing/2010/main">
+                <a:solidFill>
+                  <a:srgbClr val="FFFFFF"/>
+                </a:solidFill>
+              </a14:hiddenFill>
+            </a:ext>
+            <a:ext uri="{91240B29-F687-4F45-9708-019B960494DF}">
+              <a14:hiddenLine xmlns:a14="http://schemas.microsoft.com/office/drawing/2010/main" w="9525">
+                <a:solidFill>
+                  <a:srgbClr val="000000"/>
+                </a:solidFill>
+                <a:miter lim="800000"/>
+                <a:headEnd/>
+                <a:tailEnd/>
+              </a14:hiddenLine>
+            </a:ext>
+          </a:extLst>
+        </p:spPr>
+      </p:pic>
+    </p:spTree>
+    <p:extLst>
+      <p:ext uri="{BB962C8B-B14F-4D97-AF65-F5344CB8AC3E}">
+        <p14:creationId xmlns:p14="http://schemas.microsoft.com/office/powerpoint/2010/main" val="2676241941"/>
       </p:ext>
     </p:extLst>
   </p:cSld>

--- a/6m18m flatten.pptx
+++ b/6m18m flatten.pptx
@@ -25062,7 +25062,7 @@
                 <a:latin typeface="+mj-ea"/>
                 <a:ea typeface="+mj-ea"/>
               </a:rPr>
-              <a:t>3.61%</a:t>
+              <a:t>3.58%</a:t>
             </a:r>
           </a:p>
           <a:p>
@@ -25086,7 +25086,7 @@
                 <a:latin typeface="+mj-ea"/>
                 <a:ea typeface="+mj-ea"/>
               </a:rPr>
-              <a:t>3.35%</a:t>
+              <a:t>3.32%</a:t>
             </a:r>
           </a:p>
           <a:p>

--- a/6m18m flatten.pptx
+++ b/6m18m flatten.pptx
@@ -3,30 +3,28 @@
 <p:presentation xmlns:a="http://schemas.openxmlformats.org/drawingml/2006/main" xmlns:r="http://schemas.openxmlformats.org/officeDocument/2006/relationships" xmlns:p="http://schemas.openxmlformats.org/presentationml/2006/main" showSpecialPlsOnTitleSld="0">
   <p:sldMasterIdLst>
     <p:sldMasterId id="2147483648" r:id="rId1"/>
-    <p:sldMasterId id="2147483660" r:id="rId2"/>
-    <p:sldMasterId id="2147483672" r:id="rId3"/>
-    <p:sldMasterId id="2147483684" r:id="rId4"/>
-    <p:sldMasterId id="2147483696" r:id="rId5"/>
-    <p:sldMasterId id="2147483708" r:id="rId6"/>
-    <p:sldMasterId id="2147483709" r:id="rId7"/>
-    <p:sldMasterId id="2147483722" r:id="rId8"/>
-    <p:sldMasterId id="2147483723" r:id="rId9"/>
-    <p:sldMasterId id="2147483724" r:id="rId10"/>
-    <p:sldMasterId id="2147483725" r:id="rId11"/>
+    <p:sldMasterId id="2147483660" r:id="rId3"/>
+    <p:sldMasterId id="2147483672" r:id="rId4"/>
+    <p:sldMasterId id="2147483684" r:id="rId5"/>
+    <p:sldMasterId id="2147483696" r:id="rId6"/>
+    <p:sldMasterId id="2147483708" r:id="rId7"/>
+    <p:sldMasterId id="2147483709" r:id="rId8"/>
+    <p:sldMasterId id="2147483722" r:id="rId9"/>
+    <p:sldMasterId id="2147483723" r:id="rId10"/>
+    <p:sldMasterId id="2147483724" r:id="rId11"/>
+    <p:sldMasterId id="2147483725" r:id="rId12"/>
   </p:sldMasterIdLst>
   <p:notesMasterIdLst>
-    <p:notesMasterId r:id="rId15"/>
+    <p:notesMasterId r:id="rId14"/>
   </p:notesMasterIdLst>
   <p:handoutMasterIdLst>
-    <p:handoutMasterId r:id="rId16"/>
+    <p:handoutMasterId r:id="rId15"/>
   </p:handoutMasterIdLst>
   <p:sldIdLst>
-    <p:sldId id="3949" r:id="rId12"/>
-    <p:sldId id="3951" r:id="rId13"/>
-    <p:sldId id="3952" r:id="rId14"/>
+    <p:sldId id="3949" r:id="rId13"/>
   </p:sldIdLst>
   <p:sldSz cx="9144000" cy="6858000" type="screen4x3"/>
-  <p:notesSz cx="6797675" cy="9926638"/>
+  <p:notesSz cx="6797675" cy="9926320"/>
   <p:defaultTextStyle>
     <a:defPPr>
       <a:defRPr lang="zh-TW"/>
@@ -158,39 +156,9 @@
         <p14:section name="預設章節" id="{42AA3BAE-0B5A-4CF3-9EE5-B8ACC2ADE216}">
           <p14:sldIdLst>
             <p14:sldId id="3949"/>
-            <p14:sldId id="3951"/>
-            <p14:sldId id="3952"/>
           </p14:sldIdLst>
         </p14:section>
       </p14:sectionLst>
-    </p:ext>
-    <p:ext uri="{EFAFB233-063F-42B5-8137-9DF3F51BA10A}">
-      <p15:sldGuideLst xmlns:p15="http://schemas.microsoft.com/office/powerpoint/2012/main">
-        <p15:guide id="1" orient="horz" pos="2146">
-          <p15:clr>
-            <a:srgbClr val="A4A3A4"/>
-          </p15:clr>
-        </p15:guide>
-        <p15:guide id="2" pos="2840">
-          <p15:clr>
-            <a:srgbClr val="A4A3A4"/>
-          </p15:clr>
-        </p15:guide>
-      </p15:sldGuideLst>
-    </p:ext>
-    <p:ext uri="{2D200454-40CA-4A62-9FC3-DE9A4176ACB9}">
-      <p15:notesGuideLst xmlns:p15="http://schemas.microsoft.com/office/powerpoint/2012/main">
-        <p15:guide id="1" orient="horz" pos="3105">
-          <p15:clr>
-            <a:srgbClr val="A4A3A4"/>
-          </p15:clr>
-        </p15:guide>
-        <p15:guide id="2" pos="2111">
-          <p15:clr>
-            <a:srgbClr val="A4A3A4"/>
-          </p15:clr>
-        </p15:guide>
-      </p15:notesGuideLst>
     </p:ext>
   </p:extLst>
 </p:presentation>
@@ -393,18 +361,12 @@
             </a:pPr>
             <a:fld id="{EA90D26C-E35A-450B-90C7-84C2B9602168}" type="slidenum">
               <a:rPr lang="en-US" altLang="zh-TW"/>
-              <a:t>‹#›</a:t>
             </a:fld>
             <a:endParaRPr lang="en-US" altLang="zh-TW"/>
           </a:p>
         </p:txBody>
       </p:sp>
     </p:spTree>
-    <p:extLst>
-      <p:ext uri="{BB962C8B-B14F-4D97-AF65-F5344CB8AC3E}">
-        <p14:creationId xmlns:p14="http://schemas.microsoft.com/office/powerpoint/2010/main" val="1"/>
-      </p:ext>
-    </p:extLst>
   </p:cSld>
   <p:clrMap bg1="lt1" tx1="dk1" bg2="lt2" tx2="dk2" accent1="accent1" accent2="accent2" accent3="accent3" accent4="accent4" accent5="accent5" accent6="accent6" hlink="hlink" folHlink="folHlink"/>
 </p:handoutMaster>
@@ -580,6 +542,7 @@
               <a:rPr lang="zh-TW" altLang="en-US" noProof="0"/>
               <a:t>按一下以編輯母片</a:t>
             </a:r>
+            <a:endParaRPr lang="zh-TW" altLang="en-US" noProof="0"/>
           </a:p>
           <a:p>
             <a:pPr lvl="1"/>
@@ -587,6 +550,7 @@
               <a:rPr lang="zh-TW" altLang="en-US" noProof="0"/>
               <a:t>第二層</a:t>
             </a:r>
+            <a:endParaRPr lang="zh-TW" altLang="en-US" noProof="0"/>
           </a:p>
           <a:p>
             <a:pPr lvl="2"/>
@@ -594,6 +558,7 @@
               <a:rPr lang="zh-TW" altLang="en-US" noProof="0"/>
               <a:t>第三層</a:t>
             </a:r>
+            <a:endParaRPr lang="zh-TW" altLang="en-US" noProof="0"/>
           </a:p>
           <a:p>
             <a:pPr lvl="3"/>
@@ -601,6 +566,7 @@
               <a:rPr lang="zh-TW" altLang="en-US" noProof="0"/>
               <a:t>第四層</a:t>
             </a:r>
+            <a:endParaRPr lang="zh-TW" altLang="en-US" noProof="0"/>
           </a:p>
           <a:p>
             <a:pPr lvl="4"/>
@@ -608,6 +574,7 @@
               <a:rPr lang="zh-TW" altLang="en-US" noProof="0"/>
               <a:t>第五層</a:t>
             </a:r>
+            <a:endParaRPr lang="zh-TW" altLang="en-US" noProof="0"/>
           </a:p>
         </p:txBody>
       </p:sp>
@@ -693,7 +660,6 @@
             </a:pPr>
             <a:fld id="{360372AD-F29F-4D0F-B513-7219CBDC5F6C}" type="slidenum">
               <a:rPr lang="en-US" altLang="zh-TW"/>
-              <a:t>‹#›</a:t>
             </a:fld>
             <a:endParaRPr lang="en-US" altLang="zh-TW"/>
           </a:p>
@@ -868,6 +834,7 @@
               <a:rPr lang="zh-TW" altLang="en-US"/>
               <a:t>按一下以編輯母片標題樣式</a:t>
             </a:r>
+            <a:endParaRPr lang="zh-TW" altLang="en-US"/>
           </a:p>
         </p:txBody>
       </p:sp>
@@ -932,6 +899,7 @@
               <a:rPr lang="zh-TW" altLang="en-US"/>
               <a:t>按一下以編輯母片副標題樣式</a:t>
             </a:r>
+            <a:endParaRPr lang="zh-TW" altLang="en-US"/>
           </a:p>
         </p:txBody>
       </p:sp>
@@ -959,7 +927,6 @@
             </a:pPr>
             <a:fld id="{35A91DC3-1E7A-4B25-8F56-B5B9998B32DD}" type="slidenum">
               <a:rPr lang="zh-TW" altLang="en-US"/>
-              <a:t>‹#›</a:t>
             </a:fld>
             <a:endParaRPr lang="en-US" altLang="zh-TW"/>
           </a:p>
@@ -1009,6 +976,7 @@
               <a:rPr lang="zh-TW" altLang="en-US"/>
               <a:t>按一下以編輯母片標題樣式</a:t>
             </a:r>
+            <a:endParaRPr lang="zh-TW" altLang="en-US"/>
           </a:p>
         </p:txBody>
       </p:sp>
@@ -1032,6 +1000,7 @@
               <a:rPr lang="zh-TW" altLang="en-US"/>
               <a:t>按一下以編輯母片文字樣式</a:t>
             </a:r>
+            <a:endParaRPr lang="zh-TW" altLang="en-US"/>
           </a:p>
           <a:p>
             <a:pPr lvl="1"/>
@@ -1039,6 +1008,7 @@
               <a:rPr lang="zh-TW" altLang="en-US"/>
               <a:t>第二層</a:t>
             </a:r>
+            <a:endParaRPr lang="zh-TW" altLang="en-US"/>
           </a:p>
           <a:p>
             <a:pPr lvl="2"/>
@@ -1046,6 +1016,7 @@
               <a:rPr lang="zh-TW" altLang="en-US"/>
               <a:t>第三層</a:t>
             </a:r>
+            <a:endParaRPr lang="zh-TW" altLang="en-US"/>
           </a:p>
           <a:p>
             <a:pPr lvl="3"/>
@@ -1053,6 +1024,7 @@
               <a:rPr lang="zh-TW" altLang="en-US"/>
               <a:t>第四層</a:t>
             </a:r>
+            <a:endParaRPr lang="zh-TW" altLang="en-US"/>
           </a:p>
           <a:p>
             <a:pPr lvl="4"/>
@@ -1060,6 +1032,7 @@
               <a:rPr lang="zh-TW" altLang="en-US"/>
               <a:t>第五層</a:t>
             </a:r>
+            <a:endParaRPr lang="zh-TW" altLang="en-US"/>
           </a:p>
         </p:txBody>
       </p:sp>
@@ -1087,7 +1060,6 @@
             </a:pPr>
             <a:fld id="{EDC0AC26-B1DC-4AE7-A939-642DE9D4B085}" type="slidenum">
               <a:rPr lang="zh-TW" altLang="en-US"/>
-              <a:t>‹#›</a:t>
             </a:fld>
             <a:endParaRPr lang="en-US" altLang="zh-TW"/>
           </a:p>
@@ -1142,6 +1114,7 @@
               <a:rPr lang="zh-TW" altLang="en-US"/>
               <a:t>按一下以編輯母片標題樣式</a:t>
             </a:r>
+            <a:endParaRPr lang="zh-TW" altLang="en-US"/>
           </a:p>
         </p:txBody>
       </p:sp>
@@ -1170,6 +1143,7 @@
               <a:rPr lang="zh-TW" altLang="en-US"/>
               <a:t>按一下以編輯母片文字樣式</a:t>
             </a:r>
+            <a:endParaRPr lang="zh-TW" altLang="en-US"/>
           </a:p>
           <a:p>
             <a:pPr lvl="1"/>
@@ -1177,6 +1151,7 @@
               <a:rPr lang="zh-TW" altLang="en-US"/>
               <a:t>第二層</a:t>
             </a:r>
+            <a:endParaRPr lang="zh-TW" altLang="en-US"/>
           </a:p>
           <a:p>
             <a:pPr lvl="2"/>
@@ -1184,6 +1159,7 @@
               <a:rPr lang="zh-TW" altLang="en-US"/>
               <a:t>第三層</a:t>
             </a:r>
+            <a:endParaRPr lang="zh-TW" altLang="en-US"/>
           </a:p>
           <a:p>
             <a:pPr lvl="3"/>
@@ -1191,6 +1167,7 @@
               <a:rPr lang="zh-TW" altLang="en-US"/>
               <a:t>第四層</a:t>
             </a:r>
+            <a:endParaRPr lang="zh-TW" altLang="en-US"/>
           </a:p>
           <a:p>
             <a:pPr lvl="4"/>
@@ -1198,6 +1175,7 @@
               <a:rPr lang="zh-TW" altLang="en-US"/>
               <a:t>第五層</a:t>
             </a:r>
+            <a:endParaRPr lang="zh-TW" altLang="en-US"/>
           </a:p>
         </p:txBody>
       </p:sp>
@@ -1225,7 +1203,6 @@
             </a:pPr>
             <a:fld id="{5BBDB87F-1281-41B6-A636-95C78B523A08}" type="slidenum">
               <a:rPr lang="zh-TW" altLang="en-US"/>
-              <a:t>‹#›</a:t>
             </a:fld>
             <a:endParaRPr lang="en-US" altLang="zh-TW"/>
           </a:p>
@@ -1280,6 +1257,7 @@
               <a:rPr lang="zh-TW" altLang="en-US"/>
               <a:t>按一下以編輯母片標題樣式</a:t>
             </a:r>
+            <a:endParaRPr lang="zh-TW" altLang="en-US"/>
           </a:p>
         </p:txBody>
       </p:sp>
@@ -1344,6 +1322,7 @@
               <a:rPr lang="zh-TW" altLang="en-US"/>
               <a:t>按一下以編輯母片副標題樣式</a:t>
             </a:r>
+            <a:endParaRPr lang="zh-TW" altLang="en-US"/>
           </a:p>
         </p:txBody>
       </p:sp>
@@ -1372,7 +1351,6 @@
                   <a:srgbClr val="000000"/>
                 </a:solidFill>
               </a:rPr>
-              <a:t>‹#›</a:t>
             </a:fld>
             <a:endParaRPr lang="en-US" altLang="zh-TW">
               <a:solidFill>
@@ -1426,6 +1404,7 @@
               <a:rPr lang="zh-TW" altLang="en-US"/>
               <a:t>按一下以編輯母片標題樣式</a:t>
             </a:r>
+            <a:endParaRPr lang="zh-TW" altLang="en-US"/>
           </a:p>
         </p:txBody>
       </p:sp>
@@ -1449,6 +1428,7 @@
               <a:rPr lang="zh-TW" altLang="en-US"/>
               <a:t>按一下以編輯母片文字樣式</a:t>
             </a:r>
+            <a:endParaRPr lang="zh-TW" altLang="en-US"/>
           </a:p>
           <a:p>
             <a:pPr lvl="1"/>
@@ -1456,6 +1436,7 @@
               <a:rPr lang="zh-TW" altLang="en-US"/>
               <a:t>第二層</a:t>
             </a:r>
+            <a:endParaRPr lang="zh-TW" altLang="en-US"/>
           </a:p>
           <a:p>
             <a:pPr lvl="2"/>
@@ -1463,6 +1444,7 @@
               <a:rPr lang="zh-TW" altLang="en-US"/>
               <a:t>第三層</a:t>
             </a:r>
+            <a:endParaRPr lang="zh-TW" altLang="en-US"/>
           </a:p>
           <a:p>
             <a:pPr lvl="3"/>
@@ -1470,6 +1452,7 @@
               <a:rPr lang="zh-TW" altLang="en-US"/>
               <a:t>第四層</a:t>
             </a:r>
+            <a:endParaRPr lang="zh-TW" altLang="en-US"/>
           </a:p>
           <a:p>
             <a:pPr lvl="4"/>
@@ -1477,6 +1460,7 @@
               <a:rPr lang="zh-TW" altLang="en-US"/>
               <a:t>第五層</a:t>
             </a:r>
+            <a:endParaRPr lang="zh-TW" altLang="en-US"/>
           </a:p>
         </p:txBody>
       </p:sp>
@@ -1505,7 +1489,6 @@
                   <a:srgbClr val="000000"/>
                 </a:solidFill>
               </a:rPr>
-              <a:t>‹#›</a:t>
             </a:fld>
             <a:endParaRPr lang="en-US" altLang="zh-TW">
               <a:solidFill>
@@ -1568,6 +1551,7 @@
               <a:rPr lang="zh-TW" altLang="en-US"/>
               <a:t>按一下以編輯母片標題樣式</a:t>
             </a:r>
+            <a:endParaRPr lang="zh-TW" altLang="en-US"/>
           </a:p>
         </p:txBody>
       </p:sp>
@@ -1633,6 +1617,7 @@
               <a:rPr lang="zh-TW" altLang="en-US"/>
               <a:t>按一下以編輯母片文字樣式</a:t>
             </a:r>
+            <a:endParaRPr lang="zh-TW" altLang="en-US"/>
           </a:p>
         </p:txBody>
       </p:sp>
@@ -1661,7 +1646,6 @@
                   <a:srgbClr val="000000"/>
                 </a:solidFill>
               </a:rPr>
-              <a:t>‹#›</a:t>
             </a:fld>
             <a:endParaRPr lang="en-US" altLang="zh-TW">
               <a:solidFill>
@@ -1715,6 +1699,7 @@
               <a:rPr lang="zh-TW" altLang="en-US" dirty="0"/>
               <a:t>按一下以編輯母片標題樣式</a:t>
             </a:r>
+            <a:endParaRPr lang="zh-TW" altLang="en-US" dirty="0"/>
           </a:p>
         </p:txBody>
       </p:sp>
@@ -1771,6 +1756,7 @@
               <a:rPr lang="zh-TW" altLang="en-US"/>
               <a:t>按一下以編輯母片文字樣式</a:t>
             </a:r>
+            <a:endParaRPr lang="zh-TW" altLang="en-US"/>
           </a:p>
           <a:p>
             <a:pPr lvl="1"/>
@@ -1778,6 +1764,7 @@
               <a:rPr lang="zh-TW" altLang="en-US"/>
               <a:t>第二層</a:t>
             </a:r>
+            <a:endParaRPr lang="zh-TW" altLang="en-US"/>
           </a:p>
           <a:p>
             <a:pPr lvl="2"/>
@@ -1785,6 +1772,7 @@
               <a:rPr lang="zh-TW" altLang="en-US"/>
               <a:t>第三層</a:t>
             </a:r>
+            <a:endParaRPr lang="zh-TW" altLang="en-US"/>
           </a:p>
           <a:p>
             <a:pPr lvl="3"/>
@@ -1792,6 +1780,7 @@
               <a:rPr lang="zh-TW" altLang="en-US"/>
               <a:t>第四層</a:t>
             </a:r>
+            <a:endParaRPr lang="zh-TW" altLang="en-US"/>
           </a:p>
           <a:p>
             <a:pPr lvl="4"/>
@@ -1799,6 +1788,7 @@
               <a:rPr lang="zh-TW" altLang="en-US"/>
               <a:t>第五層</a:t>
             </a:r>
+            <a:endParaRPr lang="zh-TW" altLang="en-US"/>
           </a:p>
         </p:txBody>
       </p:sp>
@@ -1855,6 +1845,7 @@
               <a:rPr lang="zh-TW" altLang="en-US" dirty="0"/>
               <a:t>按一下以編輯母片文字樣式</a:t>
             </a:r>
+            <a:endParaRPr lang="zh-TW" altLang="en-US" dirty="0"/>
           </a:p>
           <a:p>
             <a:pPr lvl="1"/>
@@ -1862,6 +1853,7 @@
               <a:rPr lang="zh-TW" altLang="en-US" dirty="0"/>
               <a:t>第二層</a:t>
             </a:r>
+            <a:endParaRPr lang="zh-TW" altLang="en-US" dirty="0"/>
           </a:p>
           <a:p>
             <a:pPr lvl="2"/>
@@ -1869,6 +1861,7 @@
               <a:rPr lang="zh-TW" altLang="en-US" dirty="0"/>
               <a:t>第三層</a:t>
             </a:r>
+            <a:endParaRPr lang="zh-TW" altLang="en-US" dirty="0"/>
           </a:p>
           <a:p>
             <a:pPr lvl="3"/>
@@ -1876,6 +1869,7 @@
               <a:rPr lang="zh-TW" altLang="en-US" dirty="0"/>
               <a:t>第四層</a:t>
             </a:r>
+            <a:endParaRPr lang="zh-TW" altLang="en-US" dirty="0"/>
           </a:p>
           <a:p>
             <a:pPr lvl="4"/>
@@ -1883,6 +1877,7 @@
               <a:rPr lang="zh-TW" altLang="en-US" dirty="0"/>
               <a:t>第五層</a:t>
             </a:r>
+            <a:endParaRPr lang="zh-TW" altLang="en-US" dirty="0"/>
           </a:p>
         </p:txBody>
       </p:sp>
@@ -1911,7 +1906,6 @@
                   <a:srgbClr val="000000"/>
                 </a:solidFill>
               </a:rPr>
-              <a:t>‹#›</a:t>
             </a:fld>
             <a:endParaRPr lang="en-US" altLang="zh-TW" dirty="0">
               <a:solidFill>
@@ -1974,6 +1968,7 @@
               <a:rPr lang="zh-TW" altLang="en-US"/>
               <a:t>按一下以編輯母片標題樣式</a:t>
             </a:r>
+            <a:endParaRPr lang="zh-TW" altLang="en-US"/>
           </a:p>
         </p:txBody>
       </p:sp>
@@ -2039,6 +2034,7 @@
               <a:rPr lang="zh-TW" altLang="en-US"/>
               <a:t>按一下以編輯母片文字樣式</a:t>
             </a:r>
+            <a:endParaRPr lang="zh-TW" altLang="en-US"/>
           </a:p>
         </p:txBody>
       </p:sp>
@@ -2095,6 +2091,7 @@
               <a:rPr lang="zh-TW" altLang="en-US"/>
               <a:t>按一下以編輯母片文字樣式</a:t>
             </a:r>
+            <a:endParaRPr lang="zh-TW" altLang="en-US"/>
           </a:p>
           <a:p>
             <a:pPr lvl="1"/>
@@ -2102,6 +2099,7 @@
               <a:rPr lang="zh-TW" altLang="en-US"/>
               <a:t>第二層</a:t>
             </a:r>
+            <a:endParaRPr lang="zh-TW" altLang="en-US"/>
           </a:p>
           <a:p>
             <a:pPr lvl="2"/>
@@ -2109,6 +2107,7 @@
               <a:rPr lang="zh-TW" altLang="en-US"/>
               <a:t>第三層</a:t>
             </a:r>
+            <a:endParaRPr lang="zh-TW" altLang="en-US"/>
           </a:p>
           <a:p>
             <a:pPr lvl="3"/>
@@ -2116,6 +2115,7 @@
               <a:rPr lang="zh-TW" altLang="en-US"/>
               <a:t>第四層</a:t>
             </a:r>
+            <a:endParaRPr lang="zh-TW" altLang="en-US"/>
           </a:p>
           <a:p>
             <a:pPr lvl="4"/>
@@ -2123,6 +2123,7 @@
               <a:rPr lang="zh-TW" altLang="en-US"/>
               <a:t>第五層</a:t>
             </a:r>
+            <a:endParaRPr lang="zh-TW" altLang="en-US"/>
           </a:p>
         </p:txBody>
       </p:sp>
@@ -2188,6 +2189,7 @@
               <a:rPr lang="zh-TW" altLang="en-US"/>
               <a:t>按一下以編輯母片文字樣式</a:t>
             </a:r>
+            <a:endParaRPr lang="zh-TW" altLang="en-US"/>
           </a:p>
         </p:txBody>
       </p:sp>
@@ -2244,6 +2246,7 @@
               <a:rPr lang="zh-TW" altLang="en-US"/>
               <a:t>按一下以編輯母片文字樣式</a:t>
             </a:r>
+            <a:endParaRPr lang="zh-TW" altLang="en-US"/>
           </a:p>
           <a:p>
             <a:pPr lvl="1"/>
@@ -2251,6 +2254,7 @@
               <a:rPr lang="zh-TW" altLang="en-US"/>
               <a:t>第二層</a:t>
             </a:r>
+            <a:endParaRPr lang="zh-TW" altLang="en-US"/>
           </a:p>
           <a:p>
             <a:pPr lvl="2"/>
@@ -2258,6 +2262,7 @@
               <a:rPr lang="zh-TW" altLang="en-US"/>
               <a:t>第三層</a:t>
             </a:r>
+            <a:endParaRPr lang="zh-TW" altLang="en-US"/>
           </a:p>
           <a:p>
             <a:pPr lvl="3"/>
@@ -2265,6 +2270,7 @@
               <a:rPr lang="zh-TW" altLang="en-US"/>
               <a:t>第四層</a:t>
             </a:r>
+            <a:endParaRPr lang="zh-TW" altLang="en-US"/>
           </a:p>
           <a:p>
             <a:pPr lvl="4"/>
@@ -2272,6 +2278,7 @@
               <a:rPr lang="zh-TW" altLang="en-US"/>
               <a:t>第五層</a:t>
             </a:r>
+            <a:endParaRPr lang="zh-TW" altLang="en-US"/>
           </a:p>
         </p:txBody>
       </p:sp>
@@ -2300,7 +2307,6 @@
                   <a:srgbClr val="000000"/>
                 </a:solidFill>
               </a:rPr>
-              <a:t>‹#›</a:t>
             </a:fld>
             <a:endParaRPr lang="en-US" altLang="zh-TW">
               <a:solidFill>
@@ -2354,6 +2360,7 @@
               <a:rPr lang="zh-TW" altLang="en-US"/>
               <a:t>按一下以編輯母片標題樣式</a:t>
             </a:r>
+            <a:endParaRPr lang="zh-TW" altLang="en-US"/>
           </a:p>
         </p:txBody>
       </p:sp>
@@ -2382,7 +2389,6 @@
                   <a:srgbClr val="000000"/>
                 </a:solidFill>
               </a:rPr>
-              <a:t>‹#›</a:t>
             </a:fld>
             <a:endParaRPr lang="en-US" altLang="zh-TW">
               <a:solidFill>
@@ -2442,7 +2448,6 @@
                   <a:srgbClr val="000000"/>
                 </a:solidFill>
               </a:rPr>
-              <a:t>‹#›</a:t>
             </a:fld>
             <a:endParaRPr lang="en-US" altLang="zh-TW">
               <a:solidFill>
@@ -2505,6 +2510,7 @@
               <a:rPr lang="zh-TW" altLang="en-US"/>
               <a:t>按一下以編輯母片標題樣式</a:t>
             </a:r>
+            <a:endParaRPr lang="zh-TW" altLang="en-US"/>
           </a:p>
         </p:txBody>
       </p:sp>
@@ -2561,6 +2567,7 @@
               <a:rPr lang="zh-TW" altLang="en-US" dirty="0"/>
               <a:t>按一下以編輯母片文字樣式</a:t>
             </a:r>
+            <a:endParaRPr lang="zh-TW" altLang="en-US" dirty="0"/>
           </a:p>
           <a:p>
             <a:pPr lvl="1"/>
@@ -2568,6 +2575,7 @@
               <a:rPr lang="zh-TW" altLang="en-US" dirty="0"/>
               <a:t>第二層</a:t>
             </a:r>
+            <a:endParaRPr lang="zh-TW" altLang="en-US" dirty="0"/>
           </a:p>
           <a:p>
             <a:pPr lvl="2"/>
@@ -2575,6 +2583,7 @@
               <a:rPr lang="zh-TW" altLang="en-US" dirty="0"/>
               <a:t>第三層</a:t>
             </a:r>
+            <a:endParaRPr lang="zh-TW" altLang="en-US" dirty="0"/>
           </a:p>
           <a:p>
             <a:pPr lvl="3"/>
@@ -2582,6 +2591,7 @@
               <a:rPr lang="zh-TW" altLang="en-US" dirty="0"/>
               <a:t>第四層</a:t>
             </a:r>
+            <a:endParaRPr lang="zh-TW" altLang="en-US" dirty="0"/>
           </a:p>
           <a:p>
             <a:pPr lvl="4"/>
@@ -2589,6 +2599,7 @@
               <a:rPr lang="zh-TW" altLang="en-US" dirty="0"/>
               <a:t>第五層</a:t>
             </a:r>
+            <a:endParaRPr lang="zh-TW" altLang="en-US" dirty="0"/>
           </a:p>
         </p:txBody>
       </p:sp>
@@ -2654,6 +2665,7 @@
               <a:rPr lang="zh-TW" altLang="en-US"/>
               <a:t>按一下以編輯母片文字樣式</a:t>
             </a:r>
+            <a:endParaRPr lang="zh-TW" altLang="en-US"/>
           </a:p>
         </p:txBody>
       </p:sp>
@@ -2682,7 +2694,6 @@
                   <a:srgbClr val="000000"/>
                 </a:solidFill>
               </a:rPr>
-              <a:t>‹#›</a:t>
             </a:fld>
             <a:endParaRPr lang="en-US" altLang="zh-TW">
               <a:solidFill>
@@ -2736,6 +2747,7 @@
               <a:rPr lang="zh-TW" altLang="en-US"/>
               <a:t>按一下以編輯母片標題樣式</a:t>
             </a:r>
+            <a:endParaRPr lang="zh-TW" altLang="en-US"/>
           </a:p>
         </p:txBody>
       </p:sp>
@@ -2759,6 +2771,7 @@
               <a:rPr lang="zh-TW" altLang="en-US"/>
               <a:t>按一下以編輯母片文字樣式</a:t>
             </a:r>
+            <a:endParaRPr lang="zh-TW" altLang="en-US"/>
           </a:p>
           <a:p>
             <a:pPr lvl="1"/>
@@ -2766,6 +2779,7 @@
               <a:rPr lang="zh-TW" altLang="en-US"/>
               <a:t>第二層</a:t>
             </a:r>
+            <a:endParaRPr lang="zh-TW" altLang="en-US"/>
           </a:p>
           <a:p>
             <a:pPr lvl="2"/>
@@ -2773,6 +2787,7 @@
               <a:rPr lang="zh-TW" altLang="en-US"/>
               <a:t>第三層</a:t>
             </a:r>
+            <a:endParaRPr lang="zh-TW" altLang="en-US"/>
           </a:p>
           <a:p>
             <a:pPr lvl="3"/>
@@ -2780,6 +2795,7 @@
               <a:rPr lang="zh-TW" altLang="en-US"/>
               <a:t>第四層</a:t>
             </a:r>
+            <a:endParaRPr lang="zh-TW" altLang="en-US"/>
           </a:p>
           <a:p>
             <a:pPr lvl="4"/>
@@ -2787,6 +2803,7 @@
               <a:rPr lang="zh-TW" altLang="en-US"/>
               <a:t>第五層</a:t>
             </a:r>
+            <a:endParaRPr lang="zh-TW" altLang="en-US"/>
           </a:p>
         </p:txBody>
       </p:sp>
@@ -2814,7 +2831,6 @@
             </a:pPr>
             <a:fld id="{13824797-BBCB-46D5-B74F-32D725404A6B}" type="slidenum">
               <a:rPr lang="zh-TW" altLang="en-US"/>
-              <a:t>‹#›</a:t>
             </a:fld>
             <a:endParaRPr lang="en-US" altLang="zh-TW"/>
           </a:p>
@@ -2968,6 +2984,7 @@
               <a:rPr lang="zh-TW" altLang="en-US"/>
               <a:t>按一下以編輯母片文字樣式</a:t>
             </a:r>
+            <a:endParaRPr lang="zh-TW" altLang="en-US"/>
           </a:p>
         </p:txBody>
       </p:sp>
@@ -2996,7 +3013,6 @@
                   <a:srgbClr val="000000"/>
                 </a:solidFill>
               </a:rPr>
-              <a:t>‹#›</a:t>
             </a:fld>
             <a:endParaRPr lang="en-US" altLang="zh-TW">
               <a:solidFill>
@@ -3025,6 +3041,7 @@
               <a:rPr lang="zh-TW" altLang="en-US"/>
               <a:t>按一下以編輯母片標題樣式</a:t>
             </a:r>
+            <a:endParaRPr lang="zh-TW" altLang="en-US"/>
           </a:p>
         </p:txBody>
       </p:sp>
@@ -3072,6 +3089,7 @@
               <a:rPr lang="zh-TW" altLang="en-US"/>
               <a:t>按一下以編輯母片標題樣式</a:t>
             </a:r>
+            <a:endParaRPr lang="zh-TW" altLang="en-US"/>
           </a:p>
         </p:txBody>
       </p:sp>
@@ -3095,6 +3113,7 @@
               <a:rPr lang="zh-TW" altLang="en-US"/>
               <a:t>按一下以編輯母片文字樣式</a:t>
             </a:r>
+            <a:endParaRPr lang="zh-TW" altLang="en-US"/>
           </a:p>
           <a:p>
             <a:pPr lvl="1"/>
@@ -3102,6 +3121,7 @@
               <a:rPr lang="zh-TW" altLang="en-US"/>
               <a:t>第二層</a:t>
             </a:r>
+            <a:endParaRPr lang="zh-TW" altLang="en-US"/>
           </a:p>
           <a:p>
             <a:pPr lvl="2"/>
@@ -3109,6 +3129,7 @@
               <a:rPr lang="zh-TW" altLang="en-US"/>
               <a:t>第三層</a:t>
             </a:r>
+            <a:endParaRPr lang="zh-TW" altLang="en-US"/>
           </a:p>
           <a:p>
             <a:pPr lvl="3"/>
@@ -3116,6 +3137,7 @@
               <a:rPr lang="zh-TW" altLang="en-US"/>
               <a:t>第四層</a:t>
             </a:r>
+            <a:endParaRPr lang="zh-TW" altLang="en-US"/>
           </a:p>
           <a:p>
             <a:pPr lvl="4"/>
@@ -3123,6 +3145,7 @@
               <a:rPr lang="zh-TW" altLang="en-US"/>
               <a:t>第五層</a:t>
             </a:r>
+            <a:endParaRPr lang="zh-TW" altLang="en-US"/>
           </a:p>
         </p:txBody>
       </p:sp>
@@ -3151,7 +3174,6 @@
                   <a:srgbClr val="000000"/>
                 </a:solidFill>
               </a:rPr>
-              <a:t>‹#›</a:t>
             </a:fld>
             <a:endParaRPr lang="en-US" altLang="zh-TW">
               <a:solidFill>
@@ -3210,6 +3232,7 @@
               <a:rPr lang="zh-TW" altLang="en-US"/>
               <a:t>按一下以編輯母片標題樣式</a:t>
             </a:r>
+            <a:endParaRPr lang="zh-TW" altLang="en-US"/>
           </a:p>
         </p:txBody>
       </p:sp>
@@ -3238,6 +3261,7 @@
               <a:rPr lang="zh-TW" altLang="en-US"/>
               <a:t>按一下以編輯母片文字樣式</a:t>
             </a:r>
+            <a:endParaRPr lang="zh-TW" altLang="en-US"/>
           </a:p>
           <a:p>
             <a:pPr lvl="1"/>
@@ -3245,6 +3269,7 @@
               <a:rPr lang="zh-TW" altLang="en-US"/>
               <a:t>第二層</a:t>
             </a:r>
+            <a:endParaRPr lang="zh-TW" altLang="en-US"/>
           </a:p>
           <a:p>
             <a:pPr lvl="2"/>
@@ -3252,6 +3277,7 @@
               <a:rPr lang="zh-TW" altLang="en-US"/>
               <a:t>第三層</a:t>
             </a:r>
+            <a:endParaRPr lang="zh-TW" altLang="en-US"/>
           </a:p>
           <a:p>
             <a:pPr lvl="3"/>
@@ -3259,6 +3285,7 @@
               <a:rPr lang="zh-TW" altLang="en-US"/>
               <a:t>第四層</a:t>
             </a:r>
+            <a:endParaRPr lang="zh-TW" altLang="en-US"/>
           </a:p>
           <a:p>
             <a:pPr lvl="4"/>
@@ -3266,6 +3293,7 @@
               <a:rPr lang="zh-TW" altLang="en-US"/>
               <a:t>第五層</a:t>
             </a:r>
+            <a:endParaRPr lang="zh-TW" altLang="en-US"/>
           </a:p>
         </p:txBody>
       </p:sp>
@@ -3294,7 +3322,6 @@
                   <a:srgbClr val="000000"/>
                 </a:solidFill>
               </a:rPr>
-              <a:t>‹#›</a:t>
             </a:fld>
             <a:endParaRPr lang="en-US" altLang="zh-TW">
               <a:solidFill>
@@ -3353,6 +3380,7 @@
               <a:rPr lang="zh-TW" altLang="en-US"/>
               <a:t>按一下以編輯母片標題樣式</a:t>
             </a:r>
+            <a:endParaRPr lang="zh-TW" altLang="en-US"/>
           </a:p>
         </p:txBody>
       </p:sp>
@@ -3471,6 +3499,7 @@
               <a:rPr lang="zh-TW" altLang="en-US"/>
               <a:t>按一下以編輯母片副標題樣式</a:t>
             </a:r>
+            <a:endParaRPr lang="zh-TW" altLang="en-US"/>
           </a:p>
         </p:txBody>
       </p:sp>
@@ -3491,7 +3520,6 @@
           <a:p>
             <a:fld id="{388997FB-EFBE-4ED6-A43F-DDA1512FD57C}" type="datetimeFigureOut">
               <a:rPr lang="zh-TW" altLang="en-US" smtClean="0"/>
-              <a:t>2025/12/19</a:t>
             </a:fld>
             <a:endParaRPr lang="zh-TW" altLang="en-US"/>
           </a:p>
@@ -3533,7 +3561,6 @@
           <a:p>
             <a:fld id="{13C0E97A-62D1-41C7-936F-199E295F9AB2}" type="slidenum">
               <a:rPr lang="zh-TW" altLang="en-US" smtClean="0"/>
-              <a:t>‹#›</a:t>
             </a:fld>
             <a:endParaRPr lang="zh-TW" altLang="en-US"/>
           </a:p>
@@ -3583,6 +3610,7 @@
               <a:rPr lang="zh-TW" altLang="en-US"/>
               <a:t>按一下以編輯母片標題樣式</a:t>
             </a:r>
+            <a:endParaRPr lang="zh-TW" altLang="en-US"/>
           </a:p>
         </p:txBody>
       </p:sp>
@@ -3606,6 +3634,7 @@
               <a:rPr lang="zh-TW" altLang="en-US"/>
               <a:t>按一下以編輯母片文字樣式</a:t>
             </a:r>
+            <a:endParaRPr lang="zh-TW" altLang="en-US"/>
           </a:p>
           <a:p>
             <a:pPr lvl="1"/>
@@ -3613,6 +3642,7 @@
               <a:rPr lang="zh-TW" altLang="en-US"/>
               <a:t>第二層</a:t>
             </a:r>
+            <a:endParaRPr lang="zh-TW" altLang="en-US"/>
           </a:p>
           <a:p>
             <a:pPr lvl="2"/>
@@ -3620,6 +3650,7 @@
               <a:rPr lang="zh-TW" altLang="en-US"/>
               <a:t>第三層</a:t>
             </a:r>
+            <a:endParaRPr lang="zh-TW" altLang="en-US"/>
           </a:p>
           <a:p>
             <a:pPr lvl="3"/>
@@ -3627,6 +3658,7 @@
               <a:rPr lang="zh-TW" altLang="en-US"/>
               <a:t>第四層</a:t>
             </a:r>
+            <a:endParaRPr lang="zh-TW" altLang="en-US"/>
           </a:p>
           <a:p>
             <a:pPr lvl="4"/>
@@ -3634,6 +3666,7 @@
               <a:rPr lang="zh-TW" altLang="en-US"/>
               <a:t>第五層</a:t>
             </a:r>
+            <a:endParaRPr lang="zh-TW" altLang="en-US"/>
           </a:p>
         </p:txBody>
       </p:sp>
@@ -3654,7 +3687,6 @@
           <a:p>
             <a:fld id="{388997FB-EFBE-4ED6-A43F-DDA1512FD57C}" type="datetimeFigureOut">
               <a:rPr lang="zh-TW" altLang="en-US" smtClean="0"/>
-              <a:t>2025/12/19</a:t>
             </a:fld>
             <a:endParaRPr lang="zh-TW" altLang="en-US"/>
           </a:p>
@@ -3696,7 +3728,6 @@
           <a:p>
             <a:fld id="{13C0E97A-62D1-41C7-936F-199E295F9AB2}" type="slidenum">
               <a:rPr lang="zh-TW" altLang="en-US" smtClean="0"/>
-              <a:t>‹#›</a:t>
             </a:fld>
             <a:endParaRPr lang="zh-TW" altLang="en-US"/>
           </a:p>
@@ -3755,6 +3786,7 @@
               <a:rPr lang="zh-TW" altLang="en-US"/>
               <a:t>按一下以編輯母片標題樣式</a:t>
             </a:r>
+            <a:endParaRPr lang="zh-TW" altLang="en-US"/>
           </a:p>
         </p:txBody>
       </p:sp>
@@ -3874,6 +3906,7 @@
               <a:rPr lang="zh-TW" altLang="en-US"/>
               <a:t>按一下以編輯母片文字樣式</a:t>
             </a:r>
+            <a:endParaRPr lang="zh-TW" altLang="en-US"/>
           </a:p>
         </p:txBody>
       </p:sp>
@@ -3894,7 +3927,6 @@
           <a:p>
             <a:fld id="{388997FB-EFBE-4ED6-A43F-DDA1512FD57C}" type="datetimeFigureOut">
               <a:rPr lang="zh-TW" altLang="en-US" smtClean="0"/>
-              <a:t>2025/12/19</a:t>
             </a:fld>
             <a:endParaRPr lang="zh-TW" altLang="en-US"/>
           </a:p>
@@ -3936,7 +3968,6 @@
           <a:p>
             <a:fld id="{13C0E97A-62D1-41C7-936F-199E295F9AB2}" type="slidenum">
               <a:rPr lang="zh-TW" altLang="en-US" smtClean="0"/>
-              <a:t>‹#›</a:t>
             </a:fld>
             <a:endParaRPr lang="zh-TW" altLang="en-US"/>
           </a:p>
@@ -3986,6 +4017,7 @@
               <a:rPr lang="zh-TW" altLang="en-US"/>
               <a:t>按一下以編輯母片標題樣式</a:t>
             </a:r>
+            <a:endParaRPr lang="zh-TW" altLang="en-US"/>
           </a:p>
         </p:txBody>
       </p:sp>
@@ -4042,6 +4074,7 @@
               <a:rPr lang="zh-TW" altLang="en-US"/>
               <a:t>按一下以編輯母片文字樣式</a:t>
             </a:r>
+            <a:endParaRPr lang="zh-TW" altLang="en-US"/>
           </a:p>
           <a:p>
             <a:pPr lvl="1"/>
@@ -4049,6 +4082,7 @@
               <a:rPr lang="zh-TW" altLang="en-US"/>
               <a:t>第二層</a:t>
             </a:r>
+            <a:endParaRPr lang="zh-TW" altLang="en-US"/>
           </a:p>
           <a:p>
             <a:pPr lvl="2"/>
@@ -4056,6 +4090,7 @@
               <a:rPr lang="zh-TW" altLang="en-US"/>
               <a:t>第三層</a:t>
             </a:r>
+            <a:endParaRPr lang="zh-TW" altLang="en-US"/>
           </a:p>
           <a:p>
             <a:pPr lvl="3"/>
@@ -4063,6 +4098,7 @@
               <a:rPr lang="zh-TW" altLang="en-US"/>
               <a:t>第四層</a:t>
             </a:r>
+            <a:endParaRPr lang="zh-TW" altLang="en-US"/>
           </a:p>
           <a:p>
             <a:pPr lvl="4"/>
@@ -4070,6 +4106,7 @@
               <a:rPr lang="zh-TW" altLang="en-US"/>
               <a:t>第五層</a:t>
             </a:r>
+            <a:endParaRPr lang="zh-TW" altLang="en-US"/>
           </a:p>
         </p:txBody>
       </p:sp>
@@ -4126,6 +4163,7 @@
               <a:rPr lang="zh-TW" altLang="en-US"/>
               <a:t>按一下以編輯母片文字樣式</a:t>
             </a:r>
+            <a:endParaRPr lang="zh-TW" altLang="en-US"/>
           </a:p>
           <a:p>
             <a:pPr lvl="1"/>
@@ -4133,6 +4171,7 @@
               <a:rPr lang="zh-TW" altLang="en-US"/>
               <a:t>第二層</a:t>
             </a:r>
+            <a:endParaRPr lang="zh-TW" altLang="en-US"/>
           </a:p>
           <a:p>
             <a:pPr lvl="2"/>
@@ -4140,6 +4179,7 @@
               <a:rPr lang="zh-TW" altLang="en-US"/>
               <a:t>第三層</a:t>
             </a:r>
+            <a:endParaRPr lang="zh-TW" altLang="en-US"/>
           </a:p>
           <a:p>
             <a:pPr lvl="3"/>
@@ -4147,6 +4187,7 @@
               <a:rPr lang="zh-TW" altLang="en-US"/>
               <a:t>第四層</a:t>
             </a:r>
+            <a:endParaRPr lang="zh-TW" altLang="en-US"/>
           </a:p>
           <a:p>
             <a:pPr lvl="4"/>
@@ -4154,6 +4195,7 @@
               <a:rPr lang="zh-TW" altLang="en-US"/>
               <a:t>第五層</a:t>
             </a:r>
+            <a:endParaRPr lang="zh-TW" altLang="en-US"/>
           </a:p>
         </p:txBody>
       </p:sp>
@@ -4174,7 +4216,6 @@
           <a:p>
             <a:fld id="{388997FB-EFBE-4ED6-A43F-DDA1512FD57C}" type="datetimeFigureOut">
               <a:rPr lang="zh-TW" altLang="en-US" smtClean="0"/>
-              <a:t>2025/12/19</a:t>
             </a:fld>
             <a:endParaRPr lang="zh-TW" altLang="en-US"/>
           </a:p>
@@ -4216,7 +4257,6 @@
           <a:p>
             <a:fld id="{13C0E97A-62D1-41C7-936F-199E295F9AB2}" type="slidenum">
               <a:rPr lang="zh-TW" altLang="en-US" smtClean="0"/>
-              <a:t>‹#›</a:t>
             </a:fld>
             <a:endParaRPr lang="zh-TW" altLang="en-US"/>
           </a:p>
@@ -4270,6 +4310,7 @@
               <a:rPr lang="zh-TW" altLang="en-US"/>
               <a:t>按一下以編輯母片標題樣式</a:t>
             </a:r>
+            <a:endParaRPr lang="zh-TW" altLang="en-US"/>
           </a:p>
         </p:txBody>
       </p:sp>
@@ -4335,6 +4376,7 @@
               <a:rPr lang="zh-TW" altLang="en-US"/>
               <a:t>按一下以編輯母片文字樣式</a:t>
             </a:r>
+            <a:endParaRPr lang="zh-TW" altLang="en-US"/>
           </a:p>
         </p:txBody>
       </p:sp>
@@ -4391,6 +4433,7 @@
               <a:rPr lang="zh-TW" altLang="en-US"/>
               <a:t>按一下以編輯母片文字樣式</a:t>
             </a:r>
+            <a:endParaRPr lang="zh-TW" altLang="en-US"/>
           </a:p>
           <a:p>
             <a:pPr lvl="1"/>
@@ -4398,6 +4441,7 @@
               <a:rPr lang="zh-TW" altLang="en-US"/>
               <a:t>第二層</a:t>
             </a:r>
+            <a:endParaRPr lang="zh-TW" altLang="en-US"/>
           </a:p>
           <a:p>
             <a:pPr lvl="2"/>
@@ -4405,6 +4449,7 @@
               <a:rPr lang="zh-TW" altLang="en-US"/>
               <a:t>第三層</a:t>
             </a:r>
+            <a:endParaRPr lang="zh-TW" altLang="en-US"/>
           </a:p>
           <a:p>
             <a:pPr lvl="3"/>
@@ -4412,6 +4457,7 @@
               <a:rPr lang="zh-TW" altLang="en-US"/>
               <a:t>第四層</a:t>
             </a:r>
+            <a:endParaRPr lang="zh-TW" altLang="en-US"/>
           </a:p>
           <a:p>
             <a:pPr lvl="4"/>
@@ -4419,6 +4465,7 @@
               <a:rPr lang="zh-TW" altLang="en-US"/>
               <a:t>第五層</a:t>
             </a:r>
+            <a:endParaRPr lang="zh-TW" altLang="en-US"/>
           </a:p>
         </p:txBody>
       </p:sp>
@@ -4484,6 +4531,7 @@
               <a:rPr lang="zh-TW" altLang="en-US"/>
               <a:t>按一下以編輯母片文字樣式</a:t>
             </a:r>
+            <a:endParaRPr lang="zh-TW" altLang="en-US"/>
           </a:p>
         </p:txBody>
       </p:sp>
@@ -4540,6 +4588,7 @@
               <a:rPr lang="zh-TW" altLang="en-US"/>
               <a:t>按一下以編輯母片文字樣式</a:t>
             </a:r>
+            <a:endParaRPr lang="zh-TW" altLang="en-US"/>
           </a:p>
           <a:p>
             <a:pPr lvl="1"/>
@@ -4547,6 +4596,7 @@
               <a:rPr lang="zh-TW" altLang="en-US"/>
               <a:t>第二層</a:t>
             </a:r>
+            <a:endParaRPr lang="zh-TW" altLang="en-US"/>
           </a:p>
           <a:p>
             <a:pPr lvl="2"/>
@@ -4554,6 +4604,7 @@
               <a:rPr lang="zh-TW" altLang="en-US"/>
               <a:t>第三層</a:t>
             </a:r>
+            <a:endParaRPr lang="zh-TW" altLang="en-US"/>
           </a:p>
           <a:p>
             <a:pPr lvl="3"/>
@@ -4561,6 +4612,7 @@
               <a:rPr lang="zh-TW" altLang="en-US"/>
               <a:t>第四層</a:t>
             </a:r>
+            <a:endParaRPr lang="zh-TW" altLang="en-US"/>
           </a:p>
           <a:p>
             <a:pPr lvl="4"/>
@@ -4568,6 +4620,7 @@
               <a:rPr lang="zh-TW" altLang="en-US"/>
               <a:t>第五層</a:t>
             </a:r>
+            <a:endParaRPr lang="zh-TW" altLang="en-US"/>
           </a:p>
         </p:txBody>
       </p:sp>
@@ -4588,7 +4641,6 @@
           <a:p>
             <a:fld id="{388997FB-EFBE-4ED6-A43F-DDA1512FD57C}" type="datetimeFigureOut">
               <a:rPr lang="zh-TW" altLang="en-US" smtClean="0"/>
-              <a:t>2025/12/19</a:t>
             </a:fld>
             <a:endParaRPr lang="zh-TW" altLang="en-US"/>
           </a:p>
@@ -4630,7 +4682,6 @@
           <a:p>
             <a:fld id="{13C0E97A-62D1-41C7-936F-199E295F9AB2}" type="slidenum">
               <a:rPr lang="zh-TW" altLang="en-US" smtClean="0"/>
-              <a:t>‹#›</a:t>
             </a:fld>
             <a:endParaRPr lang="zh-TW" altLang="en-US"/>
           </a:p>
@@ -4680,6 +4731,7 @@
               <a:rPr lang="zh-TW" altLang="en-US"/>
               <a:t>按一下以編輯母片標題樣式</a:t>
             </a:r>
+            <a:endParaRPr lang="zh-TW" altLang="en-US"/>
           </a:p>
         </p:txBody>
       </p:sp>
@@ -4700,7 +4752,6 @@
           <a:p>
             <a:fld id="{388997FB-EFBE-4ED6-A43F-DDA1512FD57C}" type="datetimeFigureOut">
               <a:rPr lang="zh-TW" altLang="en-US" smtClean="0"/>
-              <a:t>2025/12/19</a:t>
             </a:fld>
             <a:endParaRPr lang="zh-TW" altLang="en-US"/>
           </a:p>
@@ -4742,7 +4793,6 @@
           <a:p>
             <a:fld id="{13C0E97A-62D1-41C7-936F-199E295F9AB2}" type="slidenum">
               <a:rPr lang="zh-TW" altLang="en-US" smtClean="0"/>
-              <a:t>‹#›</a:t>
             </a:fld>
             <a:endParaRPr lang="zh-TW" altLang="en-US"/>
           </a:p>
@@ -4790,7 +4840,6 @@
           <a:p>
             <a:fld id="{388997FB-EFBE-4ED6-A43F-DDA1512FD57C}" type="datetimeFigureOut">
               <a:rPr lang="zh-TW" altLang="en-US" smtClean="0"/>
-              <a:t>2025/12/19</a:t>
             </a:fld>
             <a:endParaRPr lang="zh-TW" altLang="en-US"/>
           </a:p>
@@ -4832,7 +4881,6 @@
           <a:p>
             <a:fld id="{13C0E97A-62D1-41C7-936F-199E295F9AB2}" type="slidenum">
               <a:rPr lang="zh-TW" altLang="en-US" smtClean="0"/>
-              <a:t>‹#›</a:t>
             </a:fld>
             <a:endParaRPr lang="zh-TW" altLang="en-US"/>
           </a:p>
@@ -4891,6 +4939,7 @@
               <a:rPr lang="zh-TW" altLang="en-US"/>
               <a:t>按一下以編輯母片標題樣式</a:t>
             </a:r>
+            <a:endParaRPr lang="zh-TW" altLang="en-US"/>
           </a:p>
         </p:txBody>
       </p:sp>
@@ -4956,6 +5005,7 @@
               <a:rPr lang="zh-TW" altLang="en-US"/>
               <a:t>按一下以編輯母片文字樣式</a:t>
             </a:r>
+            <a:endParaRPr lang="zh-TW" altLang="en-US"/>
           </a:p>
         </p:txBody>
       </p:sp>
@@ -4983,7 +5033,6 @@
             </a:pPr>
             <a:fld id="{B13CE306-2D5A-4AB4-AC5D-5D21E1944430}" type="slidenum">
               <a:rPr lang="zh-TW" altLang="en-US"/>
-              <a:t>‹#›</a:t>
             </a:fld>
             <a:endParaRPr lang="en-US" altLang="zh-TW"/>
           </a:p>
@@ -5042,6 +5091,7 @@
               <a:rPr lang="zh-TW" altLang="en-US"/>
               <a:t>按一下以編輯母片標題樣式</a:t>
             </a:r>
+            <a:endParaRPr lang="zh-TW" altLang="en-US"/>
           </a:p>
         </p:txBody>
       </p:sp>
@@ -5098,6 +5148,7 @@
               <a:rPr lang="zh-TW" altLang="en-US"/>
               <a:t>按一下以編輯母片文字樣式</a:t>
             </a:r>
+            <a:endParaRPr lang="zh-TW" altLang="en-US"/>
           </a:p>
           <a:p>
             <a:pPr lvl="1"/>
@@ -5105,6 +5156,7 @@
               <a:rPr lang="zh-TW" altLang="en-US"/>
               <a:t>第二層</a:t>
             </a:r>
+            <a:endParaRPr lang="zh-TW" altLang="en-US"/>
           </a:p>
           <a:p>
             <a:pPr lvl="2"/>
@@ -5112,6 +5164,7 @@
               <a:rPr lang="zh-TW" altLang="en-US"/>
               <a:t>第三層</a:t>
             </a:r>
+            <a:endParaRPr lang="zh-TW" altLang="en-US"/>
           </a:p>
           <a:p>
             <a:pPr lvl="3"/>
@@ -5119,6 +5172,7 @@
               <a:rPr lang="zh-TW" altLang="en-US"/>
               <a:t>第四層</a:t>
             </a:r>
+            <a:endParaRPr lang="zh-TW" altLang="en-US"/>
           </a:p>
           <a:p>
             <a:pPr lvl="4"/>
@@ -5126,6 +5180,7 @@
               <a:rPr lang="zh-TW" altLang="en-US"/>
               <a:t>第五層</a:t>
             </a:r>
+            <a:endParaRPr lang="zh-TW" altLang="en-US"/>
           </a:p>
         </p:txBody>
       </p:sp>
@@ -5191,6 +5246,7 @@
               <a:rPr lang="zh-TW" altLang="en-US"/>
               <a:t>按一下以編輯母片文字樣式</a:t>
             </a:r>
+            <a:endParaRPr lang="zh-TW" altLang="en-US"/>
           </a:p>
         </p:txBody>
       </p:sp>
@@ -5211,7 +5267,6 @@
           <a:p>
             <a:fld id="{388997FB-EFBE-4ED6-A43F-DDA1512FD57C}" type="datetimeFigureOut">
               <a:rPr lang="zh-TW" altLang="en-US" smtClean="0"/>
-              <a:t>2025/12/19</a:t>
             </a:fld>
             <a:endParaRPr lang="zh-TW" altLang="en-US"/>
           </a:p>
@@ -5253,7 +5308,6 @@
           <a:p>
             <a:fld id="{13C0E97A-62D1-41C7-936F-199E295F9AB2}" type="slidenum">
               <a:rPr lang="zh-TW" altLang="en-US" smtClean="0"/>
-              <a:t>‹#›</a:t>
             </a:fld>
             <a:endParaRPr lang="zh-TW" altLang="en-US"/>
           </a:p>
@@ -5312,6 +5366,7 @@
               <a:rPr lang="zh-TW" altLang="en-US"/>
               <a:t>按一下以編輯母片標題樣式</a:t>
             </a:r>
+            <a:endParaRPr lang="zh-TW" altLang="en-US"/>
           </a:p>
         </p:txBody>
       </p:sp>
@@ -5438,6 +5493,7 @@
               <a:rPr lang="zh-TW" altLang="en-US"/>
               <a:t>按一下以編輯母片文字樣式</a:t>
             </a:r>
+            <a:endParaRPr lang="zh-TW" altLang="en-US"/>
           </a:p>
         </p:txBody>
       </p:sp>
@@ -5458,7 +5514,6 @@
           <a:p>
             <a:fld id="{388997FB-EFBE-4ED6-A43F-DDA1512FD57C}" type="datetimeFigureOut">
               <a:rPr lang="zh-TW" altLang="en-US" smtClean="0"/>
-              <a:t>2025/12/19</a:t>
             </a:fld>
             <a:endParaRPr lang="zh-TW" altLang="en-US"/>
           </a:p>
@@ -5500,7 +5555,6 @@
           <a:p>
             <a:fld id="{13C0E97A-62D1-41C7-936F-199E295F9AB2}" type="slidenum">
               <a:rPr lang="zh-TW" altLang="en-US" smtClean="0"/>
-              <a:t>‹#›</a:t>
             </a:fld>
             <a:endParaRPr lang="zh-TW" altLang="en-US"/>
           </a:p>
@@ -5550,6 +5604,7 @@
               <a:rPr lang="zh-TW" altLang="en-US"/>
               <a:t>按一下以編輯母片標題樣式</a:t>
             </a:r>
+            <a:endParaRPr lang="zh-TW" altLang="en-US"/>
           </a:p>
         </p:txBody>
       </p:sp>
@@ -5573,6 +5628,7 @@
               <a:rPr lang="zh-TW" altLang="en-US"/>
               <a:t>按一下以編輯母片文字樣式</a:t>
             </a:r>
+            <a:endParaRPr lang="zh-TW" altLang="en-US"/>
           </a:p>
           <a:p>
             <a:pPr lvl="1"/>
@@ -5580,6 +5636,7 @@
               <a:rPr lang="zh-TW" altLang="en-US"/>
               <a:t>第二層</a:t>
             </a:r>
+            <a:endParaRPr lang="zh-TW" altLang="en-US"/>
           </a:p>
           <a:p>
             <a:pPr lvl="2"/>
@@ -5587,6 +5644,7 @@
               <a:rPr lang="zh-TW" altLang="en-US"/>
               <a:t>第三層</a:t>
             </a:r>
+            <a:endParaRPr lang="zh-TW" altLang="en-US"/>
           </a:p>
           <a:p>
             <a:pPr lvl="3"/>
@@ -5594,6 +5652,7 @@
               <a:rPr lang="zh-TW" altLang="en-US"/>
               <a:t>第四層</a:t>
             </a:r>
+            <a:endParaRPr lang="zh-TW" altLang="en-US"/>
           </a:p>
           <a:p>
             <a:pPr lvl="4"/>
@@ -5601,6 +5660,7 @@
               <a:rPr lang="zh-TW" altLang="en-US"/>
               <a:t>第五層</a:t>
             </a:r>
+            <a:endParaRPr lang="zh-TW" altLang="en-US"/>
           </a:p>
         </p:txBody>
       </p:sp>
@@ -5621,7 +5681,6 @@
           <a:p>
             <a:fld id="{388997FB-EFBE-4ED6-A43F-DDA1512FD57C}" type="datetimeFigureOut">
               <a:rPr lang="zh-TW" altLang="en-US" smtClean="0"/>
-              <a:t>2025/12/19</a:t>
             </a:fld>
             <a:endParaRPr lang="zh-TW" altLang="en-US"/>
           </a:p>
@@ -5663,7 +5722,6 @@
           <a:p>
             <a:fld id="{13C0E97A-62D1-41C7-936F-199E295F9AB2}" type="slidenum">
               <a:rPr lang="zh-TW" altLang="en-US" smtClean="0"/>
-              <a:t>‹#›</a:t>
             </a:fld>
             <a:endParaRPr lang="zh-TW" altLang="en-US"/>
           </a:p>
@@ -5718,6 +5776,7 @@
               <a:rPr lang="zh-TW" altLang="en-US"/>
               <a:t>按一下以編輯母片標題樣式</a:t>
             </a:r>
+            <a:endParaRPr lang="zh-TW" altLang="en-US"/>
           </a:p>
         </p:txBody>
       </p:sp>
@@ -5746,6 +5805,7 @@
               <a:rPr lang="zh-TW" altLang="en-US"/>
               <a:t>按一下以編輯母片文字樣式</a:t>
             </a:r>
+            <a:endParaRPr lang="zh-TW" altLang="en-US"/>
           </a:p>
           <a:p>
             <a:pPr lvl="1"/>
@@ -5753,6 +5813,7 @@
               <a:rPr lang="zh-TW" altLang="en-US"/>
               <a:t>第二層</a:t>
             </a:r>
+            <a:endParaRPr lang="zh-TW" altLang="en-US"/>
           </a:p>
           <a:p>
             <a:pPr lvl="2"/>
@@ -5760,6 +5821,7 @@
               <a:rPr lang="zh-TW" altLang="en-US"/>
               <a:t>第三層</a:t>
             </a:r>
+            <a:endParaRPr lang="zh-TW" altLang="en-US"/>
           </a:p>
           <a:p>
             <a:pPr lvl="3"/>
@@ -5767,6 +5829,7 @@
               <a:rPr lang="zh-TW" altLang="en-US"/>
               <a:t>第四層</a:t>
             </a:r>
+            <a:endParaRPr lang="zh-TW" altLang="en-US"/>
           </a:p>
           <a:p>
             <a:pPr lvl="4"/>
@@ -5774,6 +5837,7 @@
               <a:rPr lang="zh-TW" altLang="en-US"/>
               <a:t>第五層</a:t>
             </a:r>
+            <a:endParaRPr lang="zh-TW" altLang="en-US"/>
           </a:p>
         </p:txBody>
       </p:sp>
@@ -5794,7 +5858,6 @@
           <a:p>
             <a:fld id="{388997FB-EFBE-4ED6-A43F-DDA1512FD57C}" type="datetimeFigureOut">
               <a:rPr lang="zh-TW" altLang="en-US" smtClean="0"/>
-              <a:t>2025/12/19</a:t>
             </a:fld>
             <a:endParaRPr lang="zh-TW" altLang="en-US"/>
           </a:p>
@@ -5836,7 +5899,6 @@
           <a:p>
             <a:fld id="{13C0E97A-62D1-41C7-936F-199E295F9AB2}" type="slidenum">
               <a:rPr lang="zh-TW" altLang="en-US" smtClean="0"/>
-              <a:t>‹#›</a:t>
             </a:fld>
             <a:endParaRPr lang="zh-TW" altLang="en-US"/>
           </a:p>
@@ -5891,6 +5953,7 @@
               <a:rPr lang="zh-TW" altLang="en-US"/>
               <a:t>按一下以編輯母片標題樣式</a:t>
             </a:r>
+            <a:endParaRPr lang="zh-TW" altLang="en-US"/>
           </a:p>
         </p:txBody>
       </p:sp>
@@ -5955,6 +6018,7 @@
               <a:rPr lang="zh-TW" altLang="en-US"/>
               <a:t>按一下以編輯母片副標題樣式</a:t>
             </a:r>
+            <a:endParaRPr lang="zh-TW" altLang="en-US"/>
           </a:p>
         </p:txBody>
       </p:sp>
@@ -5986,7 +6050,6 @@
                   <a:srgbClr val="000000"/>
                 </a:solidFill>
               </a:rPr>
-              <a:t>‹#›</a:t>
             </a:fld>
             <a:endParaRPr lang="en-US" altLang="zh-TW">
               <a:solidFill>
@@ -6040,6 +6103,7 @@
               <a:rPr lang="zh-TW" altLang="en-US"/>
               <a:t>按一下以編輯母片標題樣式</a:t>
             </a:r>
+            <a:endParaRPr lang="zh-TW" altLang="en-US"/>
           </a:p>
         </p:txBody>
       </p:sp>
@@ -6063,6 +6127,7 @@
               <a:rPr lang="zh-TW" altLang="en-US"/>
               <a:t>按一下以編輯母片文字樣式</a:t>
             </a:r>
+            <a:endParaRPr lang="zh-TW" altLang="en-US"/>
           </a:p>
           <a:p>
             <a:pPr lvl="1"/>
@@ -6070,6 +6135,7 @@
               <a:rPr lang="zh-TW" altLang="en-US"/>
               <a:t>第二層</a:t>
             </a:r>
+            <a:endParaRPr lang="zh-TW" altLang="en-US"/>
           </a:p>
           <a:p>
             <a:pPr lvl="2"/>
@@ -6077,6 +6143,7 @@
               <a:rPr lang="zh-TW" altLang="en-US"/>
               <a:t>第三層</a:t>
             </a:r>
+            <a:endParaRPr lang="zh-TW" altLang="en-US"/>
           </a:p>
           <a:p>
             <a:pPr lvl="3"/>
@@ -6084,6 +6151,7 @@
               <a:rPr lang="zh-TW" altLang="en-US"/>
               <a:t>第四層</a:t>
             </a:r>
+            <a:endParaRPr lang="zh-TW" altLang="en-US"/>
           </a:p>
           <a:p>
             <a:pPr lvl="4"/>
@@ -6091,6 +6159,7 @@
               <a:rPr lang="zh-TW" altLang="en-US"/>
               <a:t>第五層</a:t>
             </a:r>
+            <a:endParaRPr lang="zh-TW" altLang="en-US"/>
           </a:p>
         </p:txBody>
       </p:sp>
@@ -6122,7 +6191,6 @@
                   <a:srgbClr val="000000"/>
                 </a:solidFill>
               </a:rPr>
-              <a:t>‹#›</a:t>
             </a:fld>
             <a:endParaRPr lang="en-US" altLang="zh-TW">
               <a:solidFill>
@@ -6185,6 +6253,7 @@
               <a:rPr lang="zh-TW" altLang="en-US"/>
               <a:t>按一下以編輯母片標題樣式</a:t>
             </a:r>
+            <a:endParaRPr lang="zh-TW" altLang="en-US"/>
           </a:p>
         </p:txBody>
       </p:sp>
@@ -6250,6 +6319,7 @@
               <a:rPr lang="zh-TW" altLang="en-US"/>
               <a:t>按一下以編輯母片文字樣式</a:t>
             </a:r>
+            <a:endParaRPr lang="zh-TW" altLang="en-US"/>
           </a:p>
         </p:txBody>
       </p:sp>
@@ -6281,7 +6351,6 @@
                   <a:srgbClr val="000000"/>
                 </a:solidFill>
               </a:rPr>
-              <a:t>‹#›</a:t>
             </a:fld>
             <a:endParaRPr lang="en-US" altLang="zh-TW">
               <a:solidFill>
@@ -6335,6 +6404,7 @@
               <a:rPr lang="zh-TW" altLang="en-US"/>
               <a:t>按一下以編輯母片標題樣式</a:t>
             </a:r>
+            <a:endParaRPr lang="zh-TW" altLang="en-US"/>
           </a:p>
         </p:txBody>
       </p:sp>
@@ -6391,6 +6461,7 @@
               <a:rPr lang="zh-TW" altLang="en-US"/>
               <a:t>按一下以編輯母片文字樣式</a:t>
             </a:r>
+            <a:endParaRPr lang="zh-TW" altLang="en-US"/>
           </a:p>
           <a:p>
             <a:pPr lvl="1"/>
@@ -6398,6 +6469,7 @@
               <a:rPr lang="zh-TW" altLang="en-US"/>
               <a:t>第二層</a:t>
             </a:r>
+            <a:endParaRPr lang="zh-TW" altLang="en-US"/>
           </a:p>
           <a:p>
             <a:pPr lvl="2"/>
@@ -6405,6 +6477,7 @@
               <a:rPr lang="zh-TW" altLang="en-US"/>
               <a:t>第三層</a:t>
             </a:r>
+            <a:endParaRPr lang="zh-TW" altLang="en-US"/>
           </a:p>
           <a:p>
             <a:pPr lvl="3"/>
@@ -6412,6 +6485,7 @@
               <a:rPr lang="zh-TW" altLang="en-US"/>
               <a:t>第四層</a:t>
             </a:r>
+            <a:endParaRPr lang="zh-TW" altLang="en-US"/>
           </a:p>
           <a:p>
             <a:pPr lvl="4"/>
@@ -6419,6 +6493,7 @@
               <a:rPr lang="zh-TW" altLang="en-US"/>
               <a:t>第五層</a:t>
             </a:r>
+            <a:endParaRPr lang="zh-TW" altLang="en-US"/>
           </a:p>
         </p:txBody>
       </p:sp>
@@ -6475,6 +6550,7 @@
               <a:rPr lang="zh-TW" altLang="en-US"/>
               <a:t>按一下以編輯母片文字樣式</a:t>
             </a:r>
+            <a:endParaRPr lang="zh-TW" altLang="en-US"/>
           </a:p>
           <a:p>
             <a:pPr lvl="1"/>
@@ -6482,6 +6558,7 @@
               <a:rPr lang="zh-TW" altLang="en-US"/>
               <a:t>第二層</a:t>
             </a:r>
+            <a:endParaRPr lang="zh-TW" altLang="en-US"/>
           </a:p>
           <a:p>
             <a:pPr lvl="2"/>
@@ -6489,6 +6566,7 @@
               <a:rPr lang="zh-TW" altLang="en-US"/>
               <a:t>第三層</a:t>
             </a:r>
+            <a:endParaRPr lang="zh-TW" altLang="en-US"/>
           </a:p>
           <a:p>
             <a:pPr lvl="3"/>
@@ -6496,6 +6574,7 @@
               <a:rPr lang="zh-TW" altLang="en-US"/>
               <a:t>第四層</a:t>
             </a:r>
+            <a:endParaRPr lang="zh-TW" altLang="en-US"/>
           </a:p>
           <a:p>
             <a:pPr lvl="4"/>
@@ -6503,6 +6582,7 @@
               <a:rPr lang="zh-TW" altLang="en-US"/>
               <a:t>第五層</a:t>
             </a:r>
+            <a:endParaRPr lang="zh-TW" altLang="en-US"/>
           </a:p>
         </p:txBody>
       </p:sp>
@@ -6534,7 +6614,6 @@
                   <a:srgbClr val="000000"/>
                 </a:solidFill>
               </a:rPr>
-              <a:t>‹#›</a:t>
             </a:fld>
             <a:endParaRPr lang="en-US" altLang="zh-TW">
               <a:solidFill>
@@ -6597,6 +6676,7 @@
               <a:rPr lang="zh-TW" altLang="en-US"/>
               <a:t>按一下以編輯母片標題樣式</a:t>
             </a:r>
+            <a:endParaRPr lang="zh-TW" altLang="en-US"/>
           </a:p>
         </p:txBody>
       </p:sp>
@@ -6662,6 +6742,7 @@
               <a:rPr lang="zh-TW" altLang="en-US"/>
               <a:t>按一下以編輯母片文字樣式</a:t>
             </a:r>
+            <a:endParaRPr lang="zh-TW" altLang="en-US"/>
           </a:p>
         </p:txBody>
       </p:sp>
@@ -6718,6 +6799,7 @@
               <a:rPr lang="zh-TW" altLang="en-US"/>
               <a:t>按一下以編輯母片文字樣式</a:t>
             </a:r>
+            <a:endParaRPr lang="zh-TW" altLang="en-US"/>
           </a:p>
           <a:p>
             <a:pPr lvl="1"/>
@@ -6725,6 +6807,7 @@
               <a:rPr lang="zh-TW" altLang="en-US"/>
               <a:t>第二層</a:t>
             </a:r>
+            <a:endParaRPr lang="zh-TW" altLang="en-US"/>
           </a:p>
           <a:p>
             <a:pPr lvl="2"/>
@@ -6732,6 +6815,7 @@
               <a:rPr lang="zh-TW" altLang="en-US"/>
               <a:t>第三層</a:t>
             </a:r>
+            <a:endParaRPr lang="zh-TW" altLang="en-US"/>
           </a:p>
           <a:p>
             <a:pPr lvl="3"/>
@@ -6739,6 +6823,7 @@
               <a:rPr lang="zh-TW" altLang="en-US"/>
               <a:t>第四層</a:t>
             </a:r>
+            <a:endParaRPr lang="zh-TW" altLang="en-US"/>
           </a:p>
           <a:p>
             <a:pPr lvl="4"/>
@@ -6746,6 +6831,7 @@
               <a:rPr lang="zh-TW" altLang="en-US"/>
               <a:t>第五層</a:t>
             </a:r>
+            <a:endParaRPr lang="zh-TW" altLang="en-US"/>
           </a:p>
         </p:txBody>
       </p:sp>
@@ -6811,6 +6897,7 @@
               <a:rPr lang="zh-TW" altLang="en-US"/>
               <a:t>按一下以編輯母片文字樣式</a:t>
             </a:r>
+            <a:endParaRPr lang="zh-TW" altLang="en-US"/>
           </a:p>
         </p:txBody>
       </p:sp>
@@ -6867,6 +6954,7 @@
               <a:rPr lang="zh-TW" altLang="en-US"/>
               <a:t>按一下以編輯母片文字樣式</a:t>
             </a:r>
+            <a:endParaRPr lang="zh-TW" altLang="en-US"/>
           </a:p>
           <a:p>
             <a:pPr lvl="1"/>
@@ -6874,6 +6962,7 @@
               <a:rPr lang="zh-TW" altLang="en-US"/>
               <a:t>第二層</a:t>
             </a:r>
+            <a:endParaRPr lang="zh-TW" altLang="en-US"/>
           </a:p>
           <a:p>
             <a:pPr lvl="2"/>
@@ -6881,6 +6970,7 @@
               <a:rPr lang="zh-TW" altLang="en-US"/>
               <a:t>第三層</a:t>
             </a:r>
+            <a:endParaRPr lang="zh-TW" altLang="en-US"/>
           </a:p>
           <a:p>
             <a:pPr lvl="3"/>
@@ -6888,6 +6978,7 @@
               <a:rPr lang="zh-TW" altLang="en-US"/>
               <a:t>第四層</a:t>
             </a:r>
+            <a:endParaRPr lang="zh-TW" altLang="en-US"/>
           </a:p>
           <a:p>
             <a:pPr lvl="4"/>
@@ -6895,6 +6986,7 @@
               <a:rPr lang="zh-TW" altLang="en-US"/>
               <a:t>第五層</a:t>
             </a:r>
+            <a:endParaRPr lang="zh-TW" altLang="en-US"/>
           </a:p>
         </p:txBody>
       </p:sp>
@@ -6926,7 +7018,6 @@
                   <a:srgbClr val="000000"/>
                 </a:solidFill>
               </a:rPr>
-              <a:t>‹#›</a:t>
             </a:fld>
             <a:endParaRPr lang="en-US" altLang="zh-TW">
               <a:solidFill>
@@ -6980,6 +7071,7 @@
               <a:rPr lang="zh-TW" altLang="en-US"/>
               <a:t>按一下以編輯母片標題樣式</a:t>
             </a:r>
+            <a:endParaRPr lang="zh-TW" altLang="en-US"/>
           </a:p>
         </p:txBody>
       </p:sp>
@@ -7011,7 +7103,6 @@
                   <a:srgbClr val="000000"/>
                 </a:solidFill>
               </a:rPr>
-              <a:t>‹#›</a:t>
             </a:fld>
             <a:endParaRPr lang="en-US" altLang="zh-TW">
               <a:solidFill>
@@ -7065,6 +7156,7 @@
               <a:rPr lang="zh-TW" altLang="en-US"/>
               <a:t>按一下以編輯母片標題樣式</a:t>
             </a:r>
+            <a:endParaRPr lang="zh-TW" altLang="en-US"/>
           </a:p>
         </p:txBody>
       </p:sp>
@@ -7121,6 +7213,7 @@
               <a:rPr lang="zh-TW" altLang="en-US"/>
               <a:t>按一下以編輯母片文字樣式</a:t>
             </a:r>
+            <a:endParaRPr lang="zh-TW" altLang="en-US"/>
           </a:p>
           <a:p>
             <a:pPr lvl="1"/>
@@ -7128,6 +7221,7 @@
               <a:rPr lang="zh-TW" altLang="en-US"/>
               <a:t>第二層</a:t>
             </a:r>
+            <a:endParaRPr lang="zh-TW" altLang="en-US"/>
           </a:p>
           <a:p>
             <a:pPr lvl="2"/>
@@ -7135,6 +7229,7 @@
               <a:rPr lang="zh-TW" altLang="en-US"/>
               <a:t>第三層</a:t>
             </a:r>
+            <a:endParaRPr lang="zh-TW" altLang="en-US"/>
           </a:p>
           <a:p>
             <a:pPr lvl="3"/>
@@ -7142,6 +7237,7 @@
               <a:rPr lang="zh-TW" altLang="en-US"/>
               <a:t>第四層</a:t>
             </a:r>
+            <a:endParaRPr lang="zh-TW" altLang="en-US"/>
           </a:p>
           <a:p>
             <a:pPr lvl="4"/>
@@ -7149,6 +7245,7 @@
               <a:rPr lang="zh-TW" altLang="en-US"/>
               <a:t>第五層</a:t>
             </a:r>
+            <a:endParaRPr lang="zh-TW" altLang="en-US"/>
           </a:p>
         </p:txBody>
       </p:sp>
@@ -7205,6 +7302,7 @@
               <a:rPr lang="zh-TW" altLang="en-US"/>
               <a:t>按一下以編輯母片文字樣式</a:t>
             </a:r>
+            <a:endParaRPr lang="zh-TW" altLang="en-US"/>
           </a:p>
           <a:p>
             <a:pPr lvl="1"/>
@@ -7212,6 +7310,7 @@
               <a:rPr lang="zh-TW" altLang="en-US"/>
               <a:t>第二層</a:t>
             </a:r>
+            <a:endParaRPr lang="zh-TW" altLang="en-US"/>
           </a:p>
           <a:p>
             <a:pPr lvl="2"/>
@@ -7219,6 +7318,7 @@
               <a:rPr lang="zh-TW" altLang="en-US"/>
               <a:t>第三層</a:t>
             </a:r>
+            <a:endParaRPr lang="zh-TW" altLang="en-US"/>
           </a:p>
           <a:p>
             <a:pPr lvl="3"/>
@@ -7226,6 +7326,7 @@
               <a:rPr lang="zh-TW" altLang="en-US"/>
               <a:t>第四層</a:t>
             </a:r>
+            <a:endParaRPr lang="zh-TW" altLang="en-US"/>
           </a:p>
           <a:p>
             <a:pPr lvl="4"/>
@@ -7233,6 +7334,7 @@
               <a:rPr lang="zh-TW" altLang="en-US"/>
               <a:t>第五層</a:t>
             </a:r>
+            <a:endParaRPr lang="zh-TW" altLang="en-US"/>
           </a:p>
         </p:txBody>
       </p:sp>
@@ -7260,7 +7362,6 @@
             </a:pPr>
             <a:fld id="{549D7BD4-4153-4232-9FDF-0A95D9B5C8DE}" type="slidenum">
               <a:rPr lang="zh-TW" altLang="en-US"/>
-              <a:t>‹#›</a:t>
             </a:fld>
             <a:endParaRPr lang="en-US" altLang="zh-TW"/>
           </a:p>
@@ -7319,7 +7420,6 @@
                   <a:srgbClr val="000000"/>
                 </a:solidFill>
               </a:rPr>
-              <a:t>‹#›</a:t>
             </a:fld>
             <a:endParaRPr lang="en-US" altLang="zh-TW">
               <a:solidFill>
@@ -7382,6 +7482,7 @@
               <a:rPr lang="zh-TW" altLang="en-US"/>
               <a:t>按一下以編輯母片標題樣式</a:t>
             </a:r>
+            <a:endParaRPr lang="zh-TW" altLang="en-US"/>
           </a:p>
         </p:txBody>
       </p:sp>
@@ -7447,6 +7548,7 @@
               <a:rPr lang="zh-TW" altLang="en-US"/>
               <a:t>按一下以編輯母片文字樣式</a:t>
             </a:r>
+            <a:endParaRPr lang="zh-TW" altLang="en-US"/>
           </a:p>
         </p:txBody>
       </p:sp>
@@ -7478,7 +7580,6 @@
                   <a:srgbClr val="000000"/>
                 </a:solidFill>
               </a:rPr>
-              <a:t>‹#›</a:t>
             </a:fld>
             <a:endParaRPr lang="en-US" altLang="zh-TW">
               <a:solidFill>
@@ -7541,6 +7642,7 @@
               <a:rPr lang="zh-TW" altLang="en-US"/>
               <a:t>按一下以編輯母片標題樣式</a:t>
             </a:r>
+            <a:endParaRPr lang="zh-TW" altLang="en-US"/>
           </a:p>
         </p:txBody>
       </p:sp>
@@ -7668,6 +7770,7 @@
               <a:rPr lang="zh-TW" altLang="en-US"/>
               <a:t>按一下以編輯母片文字樣式</a:t>
             </a:r>
+            <a:endParaRPr lang="zh-TW" altLang="en-US"/>
           </a:p>
         </p:txBody>
       </p:sp>
@@ -7699,7 +7802,6 @@
                   <a:srgbClr val="000000"/>
                 </a:solidFill>
               </a:rPr>
-              <a:t>‹#›</a:t>
             </a:fld>
             <a:endParaRPr lang="en-US" altLang="zh-TW">
               <a:solidFill>
@@ -7753,6 +7855,7 @@
               <a:rPr lang="zh-TW" altLang="en-US"/>
               <a:t>按一下以編輯母片標題樣式</a:t>
             </a:r>
+            <a:endParaRPr lang="zh-TW" altLang="en-US"/>
           </a:p>
         </p:txBody>
       </p:sp>
@@ -7776,6 +7879,7 @@
               <a:rPr lang="zh-TW" altLang="en-US"/>
               <a:t>按一下以編輯母片文字樣式</a:t>
             </a:r>
+            <a:endParaRPr lang="zh-TW" altLang="en-US"/>
           </a:p>
           <a:p>
             <a:pPr lvl="1"/>
@@ -7783,6 +7887,7 @@
               <a:rPr lang="zh-TW" altLang="en-US"/>
               <a:t>第二層</a:t>
             </a:r>
+            <a:endParaRPr lang="zh-TW" altLang="en-US"/>
           </a:p>
           <a:p>
             <a:pPr lvl="2"/>
@@ -7790,6 +7895,7 @@
               <a:rPr lang="zh-TW" altLang="en-US"/>
               <a:t>第三層</a:t>
             </a:r>
+            <a:endParaRPr lang="zh-TW" altLang="en-US"/>
           </a:p>
           <a:p>
             <a:pPr lvl="3"/>
@@ -7797,6 +7903,7 @@
               <a:rPr lang="zh-TW" altLang="en-US"/>
               <a:t>第四層</a:t>
             </a:r>
+            <a:endParaRPr lang="zh-TW" altLang="en-US"/>
           </a:p>
           <a:p>
             <a:pPr lvl="4"/>
@@ -7804,6 +7911,7 @@
               <a:rPr lang="zh-TW" altLang="en-US"/>
               <a:t>第五層</a:t>
             </a:r>
+            <a:endParaRPr lang="zh-TW" altLang="en-US"/>
           </a:p>
         </p:txBody>
       </p:sp>
@@ -7835,7 +7943,6 @@
                   <a:srgbClr val="000000"/>
                 </a:solidFill>
               </a:rPr>
-              <a:t>‹#›</a:t>
             </a:fld>
             <a:endParaRPr lang="en-US" altLang="zh-TW">
               <a:solidFill>
@@ -7894,6 +8001,7 @@
               <a:rPr lang="zh-TW" altLang="en-US"/>
               <a:t>按一下以編輯母片標題樣式</a:t>
             </a:r>
+            <a:endParaRPr lang="zh-TW" altLang="en-US"/>
           </a:p>
         </p:txBody>
       </p:sp>
@@ -7922,6 +8030,7 @@
               <a:rPr lang="zh-TW" altLang="en-US"/>
               <a:t>按一下以編輯母片文字樣式</a:t>
             </a:r>
+            <a:endParaRPr lang="zh-TW" altLang="en-US"/>
           </a:p>
           <a:p>
             <a:pPr lvl="1"/>
@@ -7929,6 +8038,7 @@
               <a:rPr lang="zh-TW" altLang="en-US"/>
               <a:t>第二層</a:t>
             </a:r>
+            <a:endParaRPr lang="zh-TW" altLang="en-US"/>
           </a:p>
           <a:p>
             <a:pPr lvl="2"/>
@@ -7936,6 +8046,7 @@
               <a:rPr lang="zh-TW" altLang="en-US"/>
               <a:t>第三層</a:t>
             </a:r>
+            <a:endParaRPr lang="zh-TW" altLang="en-US"/>
           </a:p>
           <a:p>
             <a:pPr lvl="3"/>
@@ -7943,6 +8054,7 @@
               <a:rPr lang="zh-TW" altLang="en-US"/>
               <a:t>第四層</a:t>
             </a:r>
+            <a:endParaRPr lang="zh-TW" altLang="en-US"/>
           </a:p>
           <a:p>
             <a:pPr lvl="4"/>
@@ -7950,6 +8062,7 @@
               <a:rPr lang="zh-TW" altLang="en-US"/>
               <a:t>第五層</a:t>
             </a:r>
+            <a:endParaRPr lang="zh-TW" altLang="en-US"/>
           </a:p>
         </p:txBody>
       </p:sp>
@@ -7981,7 +8094,6 @@
                   <a:srgbClr val="000000"/>
                 </a:solidFill>
               </a:rPr>
-              <a:t>‹#›</a:t>
             </a:fld>
             <a:endParaRPr lang="en-US" altLang="zh-TW">
               <a:solidFill>
@@ -8040,6 +8152,7 @@
               <a:rPr lang="zh-TW" altLang="en-US"/>
               <a:t>按一下以編輯母片標題樣式</a:t>
             </a:r>
+            <a:endParaRPr lang="zh-TW" altLang="en-US"/>
           </a:p>
         </p:txBody>
       </p:sp>
@@ -8158,6 +8271,7 @@
               <a:rPr lang="zh-TW" altLang="en-US"/>
               <a:t>按一下以編輯母片副標題樣式</a:t>
             </a:r>
+            <a:endParaRPr lang="zh-TW" altLang="en-US"/>
           </a:p>
         </p:txBody>
       </p:sp>
@@ -8178,7 +8292,6 @@
           <a:p>
             <a:fld id="{79EFF09E-4EA0-4518-A9E8-449DE34F8B74}" type="datetimeFigureOut">
               <a:rPr lang="zh-TW" altLang="en-US" smtClean="0"/>
-              <a:t>2025/12/19</a:t>
             </a:fld>
             <a:endParaRPr lang="zh-TW" altLang="en-US"/>
           </a:p>
@@ -8220,7 +8333,6 @@
           <a:p>
             <a:fld id="{9C4C9021-A16D-4E5C-A421-A5275F523D45}" type="slidenum">
               <a:rPr lang="zh-TW" altLang="en-US" smtClean="0"/>
-              <a:t>‹#›</a:t>
             </a:fld>
             <a:endParaRPr lang="zh-TW" altLang="en-US"/>
           </a:p>
@@ -8270,6 +8382,7 @@
               <a:rPr lang="zh-TW" altLang="en-US"/>
               <a:t>按一下以編輯母片標題樣式</a:t>
             </a:r>
+            <a:endParaRPr lang="zh-TW" altLang="en-US"/>
           </a:p>
         </p:txBody>
       </p:sp>
@@ -8293,6 +8406,7 @@
               <a:rPr lang="zh-TW" altLang="en-US"/>
               <a:t>按一下以編輯母片文字樣式</a:t>
             </a:r>
+            <a:endParaRPr lang="zh-TW" altLang="en-US"/>
           </a:p>
           <a:p>
             <a:pPr lvl="1"/>
@@ -8300,6 +8414,7 @@
               <a:rPr lang="zh-TW" altLang="en-US"/>
               <a:t>第二層</a:t>
             </a:r>
+            <a:endParaRPr lang="zh-TW" altLang="en-US"/>
           </a:p>
           <a:p>
             <a:pPr lvl="2"/>
@@ -8307,6 +8422,7 @@
               <a:rPr lang="zh-TW" altLang="en-US"/>
               <a:t>第三層</a:t>
             </a:r>
+            <a:endParaRPr lang="zh-TW" altLang="en-US"/>
           </a:p>
           <a:p>
             <a:pPr lvl="3"/>
@@ -8314,6 +8430,7 @@
               <a:rPr lang="zh-TW" altLang="en-US"/>
               <a:t>第四層</a:t>
             </a:r>
+            <a:endParaRPr lang="zh-TW" altLang="en-US"/>
           </a:p>
           <a:p>
             <a:pPr lvl="4"/>
@@ -8321,6 +8438,7 @@
               <a:rPr lang="zh-TW" altLang="en-US"/>
               <a:t>第五層</a:t>
             </a:r>
+            <a:endParaRPr lang="zh-TW" altLang="en-US"/>
           </a:p>
         </p:txBody>
       </p:sp>
@@ -8341,7 +8459,6 @@
           <a:p>
             <a:fld id="{79EFF09E-4EA0-4518-A9E8-449DE34F8B74}" type="datetimeFigureOut">
               <a:rPr lang="zh-TW" altLang="en-US" smtClean="0"/>
-              <a:t>2025/12/19</a:t>
             </a:fld>
             <a:endParaRPr lang="zh-TW" altLang="en-US"/>
           </a:p>
@@ -8383,7 +8500,6 @@
           <a:p>
             <a:fld id="{9C4C9021-A16D-4E5C-A421-A5275F523D45}" type="slidenum">
               <a:rPr lang="zh-TW" altLang="en-US" smtClean="0"/>
-              <a:t>‹#›</a:t>
             </a:fld>
             <a:endParaRPr lang="zh-TW" altLang="en-US"/>
           </a:p>
@@ -8442,6 +8558,7 @@
               <a:rPr lang="zh-TW" altLang="en-US"/>
               <a:t>按一下以編輯母片標題樣式</a:t>
             </a:r>
+            <a:endParaRPr lang="zh-TW" altLang="en-US"/>
           </a:p>
         </p:txBody>
       </p:sp>
@@ -8561,6 +8678,7 @@
               <a:rPr lang="zh-TW" altLang="en-US"/>
               <a:t>按一下以編輯母片文字樣式</a:t>
             </a:r>
+            <a:endParaRPr lang="zh-TW" altLang="en-US"/>
           </a:p>
         </p:txBody>
       </p:sp>
@@ -8581,7 +8699,6 @@
           <a:p>
             <a:fld id="{79EFF09E-4EA0-4518-A9E8-449DE34F8B74}" type="datetimeFigureOut">
               <a:rPr lang="zh-TW" altLang="en-US" smtClean="0"/>
-              <a:t>2025/12/19</a:t>
             </a:fld>
             <a:endParaRPr lang="zh-TW" altLang="en-US"/>
           </a:p>
@@ -8623,7 +8740,6 @@
           <a:p>
             <a:fld id="{9C4C9021-A16D-4E5C-A421-A5275F523D45}" type="slidenum">
               <a:rPr lang="zh-TW" altLang="en-US" smtClean="0"/>
-              <a:t>‹#›</a:t>
             </a:fld>
             <a:endParaRPr lang="zh-TW" altLang="en-US"/>
           </a:p>
@@ -8673,6 +8789,7 @@
               <a:rPr lang="zh-TW" altLang="en-US"/>
               <a:t>按一下以編輯母片標題樣式</a:t>
             </a:r>
+            <a:endParaRPr lang="zh-TW" altLang="en-US"/>
           </a:p>
         </p:txBody>
       </p:sp>
@@ -8729,6 +8846,7 @@
               <a:rPr lang="zh-TW" altLang="en-US"/>
               <a:t>按一下以編輯母片文字樣式</a:t>
             </a:r>
+            <a:endParaRPr lang="zh-TW" altLang="en-US"/>
           </a:p>
           <a:p>
             <a:pPr lvl="1"/>
@@ -8736,6 +8854,7 @@
               <a:rPr lang="zh-TW" altLang="en-US"/>
               <a:t>第二層</a:t>
             </a:r>
+            <a:endParaRPr lang="zh-TW" altLang="en-US"/>
           </a:p>
           <a:p>
             <a:pPr lvl="2"/>
@@ -8743,6 +8862,7 @@
               <a:rPr lang="zh-TW" altLang="en-US"/>
               <a:t>第三層</a:t>
             </a:r>
+            <a:endParaRPr lang="zh-TW" altLang="en-US"/>
           </a:p>
           <a:p>
             <a:pPr lvl="3"/>
@@ -8750,6 +8870,7 @@
               <a:rPr lang="zh-TW" altLang="en-US"/>
               <a:t>第四層</a:t>
             </a:r>
+            <a:endParaRPr lang="zh-TW" altLang="en-US"/>
           </a:p>
           <a:p>
             <a:pPr lvl="4"/>
@@ -8757,6 +8878,7 @@
               <a:rPr lang="zh-TW" altLang="en-US"/>
               <a:t>第五層</a:t>
             </a:r>
+            <a:endParaRPr lang="zh-TW" altLang="en-US"/>
           </a:p>
         </p:txBody>
       </p:sp>
@@ -8813,6 +8935,7 @@
               <a:rPr lang="zh-TW" altLang="en-US"/>
               <a:t>按一下以編輯母片文字樣式</a:t>
             </a:r>
+            <a:endParaRPr lang="zh-TW" altLang="en-US"/>
           </a:p>
           <a:p>
             <a:pPr lvl="1"/>
@@ -8820,6 +8943,7 @@
               <a:rPr lang="zh-TW" altLang="en-US"/>
               <a:t>第二層</a:t>
             </a:r>
+            <a:endParaRPr lang="zh-TW" altLang="en-US"/>
           </a:p>
           <a:p>
             <a:pPr lvl="2"/>
@@ -8827,6 +8951,7 @@
               <a:rPr lang="zh-TW" altLang="en-US"/>
               <a:t>第三層</a:t>
             </a:r>
+            <a:endParaRPr lang="zh-TW" altLang="en-US"/>
           </a:p>
           <a:p>
             <a:pPr lvl="3"/>
@@ -8834,6 +8959,7 @@
               <a:rPr lang="zh-TW" altLang="en-US"/>
               <a:t>第四層</a:t>
             </a:r>
+            <a:endParaRPr lang="zh-TW" altLang="en-US"/>
           </a:p>
           <a:p>
             <a:pPr lvl="4"/>
@@ -8841,6 +8967,7 @@
               <a:rPr lang="zh-TW" altLang="en-US"/>
               <a:t>第五層</a:t>
             </a:r>
+            <a:endParaRPr lang="zh-TW" altLang="en-US"/>
           </a:p>
         </p:txBody>
       </p:sp>
@@ -8861,7 +8988,6 @@
           <a:p>
             <a:fld id="{79EFF09E-4EA0-4518-A9E8-449DE34F8B74}" type="datetimeFigureOut">
               <a:rPr lang="zh-TW" altLang="en-US" smtClean="0"/>
-              <a:t>2025/12/19</a:t>
             </a:fld>
             <a:endParaRPr lang="zh-TW" altLang="en-US"/>
           </a:p>
@@ -8903,7 +9029,6 @@
           <a:p>
             <a:fld id="{9C4C9021-A16D-4E5C-A421-A5275F523D45}" type="slidenum">
               <a:rPr lang="zh-TW" altLang="en-US" smtClean="0"/>
-              <a:t>‹#›</a:t>
             </a:fld>
             <a:endParaRPr lang="zh-TW" altLang="en-US"/>
           </a:p>
@@ -8957,6 +9082,7 @@
               <a:rPr lang="zh-TW" altLang="en-US"/>
               <a:t>按一下以編輯母片標題樣式</a:t>
             </a:r>
+            <a:endParaRPr lang="zh-TW" altLang="en-US"/>
           </a:p>
         </p:txBody>
       </p:sp>
@@ -9022,6 +9148,7 @@
               <a:rPr lang="zh-TW" altLang="en-US"/>
               <a:t>按一下以編輯母片文字樣式</a:t>
             </a:r>
+            <a:endParaRPr lang="zh-TW" altLang="en-US"/>
           </a:p>
         </p:txBody>
       </p:sp>
@@ -9078,6 +9205,7 @@
               <a:rPr lang="zh-TW" altLang="en-US"/>
               <a:t>按一下以編輯母片文字樣式</a:t>
             </a:r>
+            <a:endParaRPr lang="zh-TW" altLang="en-US"/>
           </a:p>
           <a:p>
             <a:pPr lvl="1"/>
@@ -9085,6 +9213,7 @@
               <a:rPr lang="zh-TW" altLang="en-US"/>
               <a:t>第二層</a:t>
             </a:r>
+            <a:endParaRPr lang="zh-TW" altLang="en-US"/>
           </a:p>
           <a:p>
             <a:pPr lvl="2"/>
@@ -9092,6 +9221,7 @@
               <a:rPr lang="zh-TW" altLang="en-US"/>
               <a:t>第三層</a:t>
             </a:r>
+            <a:endParaRPr lang="zh-TW" altLang="en-US"/>
           </a:p>
           <a:p>
             <a:pPr lvl="3"/>
@@ -9099,6 +9229,7 @@
               <a:rPr lang="zh-TW" altLang="en-US"/>
               <a:t>第四層</a:t>
             </a:r>
+            <a:endParaRPr lang="zh-TW" altLang="en-US"/>
           </a:p>
           <a:p>
             <a:pPr lvl="4"/>
@@ -9106,6 +9237,7 @@
               <a:rPr lang="zh-TW" altLang="en-US"/>
               <a:t>第五層</a:t>
             </a:r>
+            <a:endParaRPr lang="zh-TW" altLang="en-US"/>
           </a:p>
         </p:txBody>
       </p:sp>
@@ -9171,6 +9303,7 @@
               <a:rPr lang="zh-TW" altLang="en-US"/>
               <a:t>按一下以編輯母片文字樣式</a:t>
             </a:r>
+            <a:endParaRPr lang="zh-TW" altLang="en-US"/>
           </a:p>
         </p:txBody>
       </p:sp>
@@ -9227,6 +9360,7 @@
               <a:rPr lang="zh-TW" altLang="en-US"/>
               <a:t>按一下以編輯母片文字樣式</a:t>
             </a:r>
+            <a:endParaRPr lang="zh-TW" altLang="en-US"/>
           </a:p>
           <a:p>
             <a:pPr lvl="1"/>
@@ -9234,6 +9368,7 @@
               <a:rPr lang="zh-TW" altLang="en-US"/>
               <a:t>第二層</a:t>
             </a:r>
+            <a:endParaRPr lang="zh-TW" altLang="en-US"/>
           </a:p>
           <a:p>
             <a:pPr lvl="2"/>
@@ -9241,6 +9376,7 @@
               <a:rPr lang="zh-TW" altLang="en-US"/>
               <a:t>第三層</a:t>
             </a:r>
+            <a:endParaRPr lang="zh-TW" altLang="en-US"/>
           </a:p>
           <a:p>
             <a:pPr lvl="3"/>
@@ -9248,6 +9384,7 @@
               <a:rPr lang="zh-TW" altLang="en-US"/>
               <a:t>第四層</a:t>
             </a:r>
+            <a:endParaRPr lang="zh-TW" altLang="en-US"/>
           </a:p>
           <a:p>
             <a:pPr lvl="4"/>
@@ -9255,6 +9392,7 @@
               <a:rPr lang="zh-TW" altLang="en-US"/>
               <a:t>第五層</a:t>
             </a:r>
+            <a:endParaRPr lang="zh-TW" altLang="en-US"/>
           </a:p>
         </p:txBody>
       </p:sp>
@@ -9275,7 +9413,6 @@
           <a:p>
             <a:fld id="{79EFF09E-4EA0-4518-A9E8-449DE34F8B74}" type="datetimeFigureOut">
               <a:rPr lang="zh-TW" altLang="en-US" smtClean="0"/>
-              <a:t>2025/12/19</a:t>
             </a:fld>
             <a:endParaRPr lang="zh-TW" altLang="en-US"/>
           </a:p>
@@ -9317,7 +9454,6 @@
           <a:p>
             <a:fld id="{9C4C9021-A16D-4E5C-A421-A5275F523D45}" type="slidenum">
               <a:rPr lang="zh-TW" altLang="en-US" smtClean="0"/>
-              <a:t>‹#›</a:t>
             </a:fld>
             <a:endParaRPr lang="zh-TW" altLang="en-US"/>
           </a:p>
@@ -9376,6 +9512,7 @@
               <a:rPr lang="zh-TW" altLang="en-US"/>
               <a:t>按一下以編輯母片標題樣式</a:t>
             </a:r>
+            <a:endParaRPr lang="zh-TW" altLang="en-US"/>
           </a:p>
         </p:txBody>
       </p:sp>
@@ -9441,6 +9578,7 @@
               <a:rPr lang="zh-TW" altLang="en-US"/>
               <a:t>按一下以編輯母片文字樣式</a:t>
             </a:r>
+            <a:endParaRPr lang="zh-TW" altLang="en-US"/>
           </a:p>
         </p:txBody>
       </p:sp>
@@ -9497,6 +9635,7 @@
               <a:rPr lang="zh-TW" altLang="en-US"/>
               <a:t>按一下以編輯母片文字樣式</a:t>
             </a:r>
+            <a:endParaRPr lang="zh-TW" altLang="en-US"/>
           </a:p>
           <a:p>
             <a:pPr lvl="1"/>
@@ -9504,6 +9643,7 @@
               <a:rPr lang="zh-TW" altLang="en-US"/>
               <a:t>第二層</a:t>
             </a:r>
+            <a:endParaRPr lang="zh-TW" altLang="en-US"/>
           </a:p>
           <a:p>
             <a:pPr lvl="2"/>
@@ -9511,6 +9651,7 @@
               <a:rPr lang="zh-TW" altLang="en-US"/>
               <a:t>第三層</a:t>
             </a:r>
+            <a:endParaRPr lang="zh-TW" altLang="en-US"/>
           </a:p>
           <a:p>
             <a:pPr lvl="3"/>
@@ -9518,6 +9659,7 @@
               <a:rPr lang="zh-TW" altLang="en-US"/>
               <a:t>第四層</a:t>
             </a:r>
+            <a:endParaRPr lang="zh-TW" altLang="en-US"/>
           </a:p>
           <a:p>
             <a:pPr lvl="4"/>
@@ -9525,6 +9667,7 @@
               <a:rPr lang="zh-TW" altLang="en-US"/>
               <a:t>第五層</a:t>
             </a:r>
+            <a:endParaRPr lang="zh-TW" altLang="en-US"/>
           </a:p>
         </p:txBody>
       </p:sp>
@@ -9590,6 +9733,7 @@
               <a:rPr lang="zh-TW" altLang="en-US"/>
               <a:t>按一下以編輯母片文字樣式</a:t>
             </a:r>
+            <a:endParaRPr lang="zh-TW" altLang="en-US"/>
           </a:p>
         </p:txBody>
       </p:sp>
@@ -9646,6 +9790,7 @@
               <a:rPr lang="zh-TW" altLang="en-US"/>
               <a:t>按一下以編輯母片文字樣式</a:t>
             </a:r>
+            <a:endParaRPr lang="zh-TW" altLang="en-US"/>
           </a:p>
           <a:p>
             <a:pPr lvl="1"/>
@@ -9653,6 +9798,7 @@
               <a:rPr lang="zh-TW" altLang="en-US"/>
               <a:t>第二層</a:t>
             </a:r>
+            <a:endParaRPr lang="zh-TW" altLang="en-US"/>
           </a:p>
           <a:p>
             <a:pPr lvl="2"/>
@@ -9660,6 +9806,7 @@
               <a:rPr lang="zh-TW" altLang="en-US"/>
               <a:t>第三層</a:t>
             </a:r>
+            <a:endParaRPr lang="zh-TW" altLang="en-US"/>
           </a:p>
           <a:p>
             <a:pPr lvl="3"/>
@@ -9667,6 +9814,7 @@
               <a:rPr lang="zh-TW" altLang="en-US"/>
               <a:t>第四層</a:t>
             </a:r>
+            <a:endParaRPr lang="zh-TW" altLang="en-US"/>
           </a:p>
           <a:p>
             <a:pPr lvl="4"/>
@@ -9674,6 +9822,7 @@
               <a:rPr lang="zh-TW" altLang="en-US"/>
               <a:t>第五層</a:t>
             </a:r>
+            <a:endParaRPr lang="zh-TW" altLang="en-US"/>
           </a:p>
         </p:txBody>
       </p:sp>
@@ -9701,7 +9850,6 @@
             </a:pPr>
             <a:fld id="{56BE1F83-3BEF-49AC-ABC8-8C6E80176E9C}" type="slidenum">
               <a:rPr lang="zh-TW" altLang="en-US"/>
-              <a:t>‹#›</a:t>
             </a:fld>
             <a:endParaRPr lang="en-US" altLang="zh-TW"/>
           </a:p>
@@ -9751,6 +9899,7 @@
               <a:rPr lang="zh-TW" altLang="en-US"/>
               <a:t>按一下以編輯母片標題樣式</a:t>
             </a:r>
+            <a:endParaRPr lang="zh-TW" altLang="en-US"/>
           </a:p>
         </p:txBody>
       </p:sp>
@@ -9771,7 +9920,6 @@
           <a:p>
             <a:fld id="{79EFF09E-4EA0-4518-A9E8-449DE34F8B74}" type="datetimeFigureOut">
               <a:rPr lang="zh-TW" altLang="en-US" smtClean="0"/>
-              <a:t>2025/12/19</a:t>
             </a:fld>
             <a:endParaRPr lang="zh-TW" altLang="en-US"/>
           </a:p>
@@ -9813,7 +9961,6 @@
           <a:p>
             <a:fld id="{9C4C9021-A16D-4E5C-A421-A5275F523D45}" type="slidenum">
               <a:rPr lang="zh-TW" altLang="en-US" smtClean="0"/>
-              <a:t>‹#›</a:t>
             </a:fld>
             <a:endParaRPr lang="zh-TW" altLang="en-US"/>
           </a:p>
@@ -9861,7 +10008,6 @@
           <a:p>
             <a:fld id="{79EFF09E-4EA0-4518-A9E8-449DE34F8B74}" type="datetimeFigureOut">
               <a:rPr lang="zh-TW" altLang="en-US" smtClean="0"/>
-              <a:t>2025/12/19</a:t>
             </a:fld>
             <a:endParaRPr lang="zh-TW" altLang="en-US"/>
           </a:p>
@@ -9903,7 +10049,6 @@
           <a:p>
             <a:fld id="{9C4C9021-A16D-4E5C-A421-A5275F523D45}" type="slidenum">
               <a:rPr lang="zh-TW" altLang="en-US" smtClean="0"/>
-              <a:t>‹#›</a:t>
             </a:fld>
             <a:endParaRPr lang="zh-TW" altLang="en-US"/>
           </a:p>
@@ -9962,6 +10107,7 @@
               <a:rPr lang="zh-TW" altLang="en-US"/>
               <a:t>按一下以編輯母片標題樣式</a:t>
             </a:r>
+            <a:endParaRPr lang="zh-TW" altLang="en-US"/>
           </a:p>
         </p:txBody>
       </p:sp>
@@ -10018,6 +10164,7 @@
               <a:rPr lang="zh-TW" altLang="en-US"/>
               <a:t>按一下以編輯母片文字樣式</a:t>
             </a:r>
+            <a:endParaRPr lang="zh-TW" altLang="en-US"/>
           </a:p>
           <a:p>
             <a:pPr lvl="1"/>
@@ -10025,6 +10172,7 @@
               <a:rPr lang="zh-TW" altLang="en-US"/>
               <a:t>第二層</a:t>
             </a:r>
+            <a:endParaRPr lang="zh-TW" altLang="en-US"/>
           </a:p>
           <a:p>
             <a:pPr lvl="2"/>
@@ -10032,6 +10180,7 @@
               <a:rPr lang="zh-TW" altLang="en-US"/>
               <a:t>第三層</a:t>
             </a:r>
+            <a:endParaRPr lang="zh-TW" altLang="en-US"/>
           </a:p>
           <a:p>
             <a:pPr lvl="3"/>
@@ -10039,6 +10188,7 @@
               <a:rPr lang="zh-TW" altLang="en-US"/>
               <a:t>第四層</a:t>
             </a:r>
+            <a:endParaRPr lang="zh-TW" altLang="en-US"/>
           </a:p>
           <a:p>
             <a:pPr lvl="4"/>
@@ -10046,6 +10196,7 @@
               <a:rPr lang="zh-TW" altLang="en-US"/>
               <a:t>第五層</a:t>
             </a:r>
+            <a:endParaRPr lang="zh-TW" altLang="en-US"/>
           </a:p>
         </p:txBody>
       </p:sp>
@@ -10111,6 +10262,7 @@
               <a:rPr lang="zh-TW" altLang="en-US"/>
               <a:t>按一下以編輯母片文字樣式</a:t>
             </a:r>
+            <a:endParaRPr lang="zh-TW" altLang="en-US"/>
           </a:p>
         </p:txBody>
       </p:sp>
@@ -10131,7 +10283,6 @@
           <a:p>
             <a:fld id="{79EFF09E-4EA0-4518-A9E8-449DE34F8B74}" type="datetimeFigureOut">
               <a:rPr lang="zh-TW" altLang="en-US" smtClean="0"/>
-              <a:t>2025/12/19</a:t>
             </a:fld>
             <a:endParaRPr lang="zh-TW" altLang="en-US"/>
           </a:p>
@@ -10173,7 +10324,6 @@
           <a:p>
             <a:fld id="{9C4C9021-A16D-4E5C-A421-A5275F523D45}" type="slidenum">
               <a:rPr lang="zh-TW" altLang="en-US" smtClean="0"/>
-              <a:t>‹#›</a:t>
             </a:fld>
             <a:endParaRPr lang="zh-TW" altLang="en-US"/>
           </a:p>
@@ -10232,6 +10382,7 @@
               <a:rPr lang="zh-TW" altLang="en-US"/>
               <a:t>按一下以編輯母片標題樣式</a:t>
             </a:r>
+            <a:endParaRPr lang="zh-TW" altLang="en-US"/>
           </a:p>
         </p:txBody>
       </p:sp>
@@ -10358,6 +10509,7 @@
               <a:rPr lang="zh-TW" altLang="en-US"/>
               <a:t>按一下以編輯母片文字樣式</a:t>
             </a:r>
+            <a:endParaRPr lang="zh-TW" altLang="en-US"/>
           </a:p>
         </p:txBody>
       </p:sp>
@@ -10378,7 +10530,6 @@
           <a:p>
             <a:fld id="{79EFF09E-4EA0-4518-A9E8-449DE34F8B74}" type="datetimeFigureOut">
               <a:rPr lang="zh-TW" altLang="en-US" smtClean="0"/>
-              <a:t>2025/12/19</a:t>
             </a:fld>
             <a:endParaRPr lang="zh-TW" altLang="en-US"/>
           </a:p>
@@ -10420,7 +10571,6 @@
           <a:p>
             <a:fld id="{9C4C9021-A16D-4E5C-A421-A5275F523D45}" type="slidenum">
               <a:rPr lang="zh-TW" altLang="en-US" smtClean="0"/>
-              <a:t>‹#›</a:t>
             </a:fld>
             <a:endParaRPr lang="zh-TW" altLang="en-US"/>
           </a:p>
@@ -10470,6 +10620,7 @@
               <a:rPr lang="zh-TW" altLang="en-US"/>
               <a:t>按一下以編輯母片標題樣式</a:t>
             </a:r>
+            <a:endParaRPr lang="zh-TW" altLang="en-US"/>
           </a:p>
         </p:txBody>
       </p:sp>
@@ -10493,6 +10644,7 @@
               <a:rPr lang="zh-TW" altLang="en-US"/>
               <a:t>按一下以編輯母片文字樣式</a:t>
             </a:r>
+            <a:endParaRPr lang="zh-TW" altLang="en-US"/>
           </a:p>
           <a:p>
             <a:pPr lvl="1"/>
@@ -10500,6 +10652,7 @@
               <a:rPr lang="zh-TW" altLang="en-US"/>
               <a:t>第二層</a:t>
             </a:r>
+            <a:endParaRPr lang="zh-TW" altLang="en-US"/>
           </a:p>
           <a:p>
             <a:pPr lvl="2"/>
@@ -10507,6 +10660,7 @@
               <a:rPr lang="zh-TW" altLang="en-US"/>
               <a:t>第三層</a:t>
             </a:r>
+            <a:endParaRPr lang="zh-TW" altLang="en-US"/>
           </a:p>
           <a:p>
             <a:pPr lvl="3"/>
@@ -10514,6 +10668,7 @@
               <a:rPr lang="zh-TW" altLang="en-US"/>
               <a:t>第四層</a:t>
             </a:r>
+            <a:endParaRPr lang="zh-TW" altLang="en-US"/>
           </a:p>
           <a:p>
             <a:pPr lvl="4"/>
@@ -10521,6 +10676,7 @@
               <a:rPr lang="zh-TW" altLang="en-US"/>
               <a:t>第五層</a:t>
             </a:r>
+            <a:endParaRPr lang="zh-TW" altLang="en-US"/>
           </a:p>
         </p:txBody>
       </p:sp>
@@ -10541,7 +10697,6 @@
           <a:p>
             <a:fld id="{79EFF09E-4EA0-4518-A9E8-449DE34F8B74}" type="datetimeFigureOut">
               <a:rPr lang="zh-TW" altLang="en-US" smtClean="0"/>
-              <a:t>2025/12/19</a:t>
             </a:fld>
             <a:endParaRPr lang="zh-TW" altLang="en-US"/>
           </a:p>
@@ -10583,7 +10738,6 @@
           <a:p>
             <a:fld id="{9C4C9021-A16D-4E5C-A421-A5275F523D45}" type="slidenum">
               <a:rPr lang="zh-TW" altLang="en-US" smtClean="0"/>
-              <a:t>‹#›</a:t>
             </a:fld>
             <a:endParaRPr lang="zh-TW" altLang="en-US"/>
           </a:p>
@@ -10638,6 +10792,7 @@
               <a:rPr lang="zh-TW" altLang="en-US"/>
               <a:t>按一下以編輯母片標題樣式</a:t>
             </a:r>
+            <a:endParaRPr lang="zh-TW" altLang="en-US"/>
           </a:p>
         </p:txBody>
       </p:sp>
@@ -10666,6 +10821,7 @@
               <a:rPr lang="zh-TW" altLang="en-US"/>
               <a:t>按一下以編輯母片文字樣式</a:t>
             </a:r>
+            <a:endParaRPr lang="zh-TW" altLang="en-US"/>
           </a:p>
           <a:p>
             <a:pPr lvl="1"/>
@@ -10673,6 +10829,7 @@
               <a:rPr lang="zh-TW" altLang="en-US"/>
               <a:t>第二層</a:t>
             </a:r>
+            <a:endParaRPr lang="zh-TW" altLang="en-US"/>
           </a:p>
           <a:p>
             <a:pPr lvl="2"/>
@@ -10680,6 +10837,7 @@
               <a:rPr lang="zh-TW" altLang="en-US"/>
               <a:t>第三層</a:t>
             </a:r>
+            <a:endParaRPr lang="zh-TW" altLang="en-US"/>
           </a:p>
           <a:p>
             <a:pPr lvl="3"/>
@@ -10687,6 +10845,7 @@
               <a:rPr lang="zh-TW" altLang="en-US"/>
               <a:t>第四層</a:t>
             </a:r>
+            <a:endParaRPr lang="zh-TW" altLang="en-US"/>
           </a:p>
           <a:p>
             <a:pPr lvl="4"/>
@@ -10694,6 +10853,7 @@
               <a:rPr lang="zh-TW" altLang="en-US"/>
               <a:t>第五層</a:t>
             </a:r>
+            <a:endParaRPr lang="zh-TW" altLang="en-US"/>
           </a:p>
         </p:txBody>
       </p:sp>
@@ -10714,7 +10874,6 @@
           <a:p>
             <a:fld id="{79EFF09E-4EA0-4518-A9E8-449DE34F8B74}" type="datetimeFigureOut">
               <a:rPr lang="zh-TW" altLang="en-US" smtClean="0"/>
-              <a:t>2025/12/19</a:t>
             </a:fld>
             <a:endParaRPr lang="zh-TW" altLang="en-US"/>
           </a:p>
@@ -10756,7 +10915,6 @@
           <a:p>
             <a:fld id="{9C4C9021-A16D-4E5C-A421-A5275F523D45}" type="slidenum">
               <a:rPr lang="zh-TW" altLang="en-US" smtClean="0"/>
-              <a:t>‹#›</a:t>
             </a:fld>
             <a:endParaRPr lang="zh-TW" altLang="en-US"/>
           </a:p>
@@ -10811,6 +10969,7 @@
               <a:rPr lang="zh-TW" altLang="en-US"/>
               <a:t>按一下以編輯母片標題樣式</a:t>
             </a:r>
+            <a:endParaRPr lang="zh-TW" altLang="en-US"/>
           </a:p>
         </p:txBody>
       </p:sp>
@@ -10875,6 +11034,7 @@
               <a:rPr lang="zh-TW" altLang="en-US"/>
               <a:t>按一下以編輯母片副標題樣式</a:t>
             </a:r>
+            <a:endParaRPr lang="zh-TW" altLang="en-US"/>
           </a:p>
         </p:txBody>
       </p:sp>
@@ -10902,7 +11062,6 @@
             </a:pPr>
             <a:fld id="{339EB788-0AD9-4E98-A516-64653248E3DB}" type="slidenum">
               <a:rPr lang="en-US" altLang="zh-TW"/>
-              <a:t>‹#›</a:t>
             </a:fld>
             <a:endParaRPr lang="en-US" altLang="zh-TW"/>
           </a:p>
@@ -10963,6 +11122,7 @@
               <a:rPr lang="zh-TW" altLang="en-US" dirty="0"/>
               <a:t>按一下以編輯母片標題樣式</a:t>
             </a:r>
+            <a:endParaRPr lang="zh-TW" altLang="en-US" dirty="0"/>
           </a:p>
         </p:txBody>
       </p:sp>
@@ -11022,6 +11182,7 @@
               <a:rPr lang="zh-TW" altLang="en-US" dirty="0"/>
               <a:t>按一下以編輯母片文字樣式</a:t>
             </a:r>
+            <a:endParaRPr lang="zh-TW" altLang="en-US" dirty="0"/>
           </a:p>
           <a:p>
             <a:pPr lvl="1"/>
@@ -11029,6 +11190,7 @@
               <a:rPr lang="zh-TW" altLang="en-US" dirty="0"/>
               <a:t>第二層</a:t>
             </a:r>
+            <a:endParaRPr lang="zh-TW" altLang="en-US" dirty="0"/>
           </a:p>
           <a:p>
             <a:pPr lvl="2"/>
@@ -11036,6 +11198,7 @@
               <a:rPr lang="zh-TW" altLang="en-US" dirty="0"/>
               <a:t>第三層</a:t>
             </a:r>
+            <a:endParaRPr lang="zh-TW" altLang="en-US" dirty="0"/>
           </a:p>
           <a:p>
             <a:pPr lvl="3"/>
@@ -11043,6 +11206,7 @@
               <a:rPr lang="zh-TW" altLang="en-US" dirty="0"/>
               <a:t>第四層</a:t>
             </a:r>
+            <a:endParaRPr lang="zh-TW" altLang="en-US" dirty="0"/>
           </a:p>
           <a:p>
             <a:pPr lvl="4"/>
@@ -11050,6 +11214,7 @@
               <a:rPr lang="zh-TW" altLang="en-US" dirty="0"/>
               <a:t>第五層</a:t>
             </a:r>
+            <a:endParaRPr lang="zh-TW" altLang="en-US" dirty="0"/>
           </a:p>
         </p:txBody>
       </p:sp>
@@ -11077,7 +11242,6 @@
             </a:pPr>
             <a:fld id="{01992E49-B35D-4BA4-A4A1-D07A03DA5610}" type="slidenum">
               <a:rPr lang="en-US" altLang="zh-TW"/>
-              <a:t>‹#›</a:t>
             </a:fld>
             <a:endParaRPr lang="en-US" altLang="zh-TW"/>
           </a:p>
@@ -11136,6 +11300,7 @@
               <a:rPr lang="zh-TW" altLang="en-US"/>
               <a:t>按一下以編輯母片標題樣式</a:t>
             </a:r>
+            <a:endParaRPr lang="zh-TW" altLang="en-US"/>
           </a:p>
         </p:txBody>
       </p:sp>
@@ -11201,6 +11366,7 @@
               <a:rPr lang="zh-TW" altLang="en-US"/>
               <a:t>按一下以編輯母片文字樣式</a:t>
             </a:r>
+            <a:endParaRPr lang="zh-TW" altLang="en-US"/>
           </a:p>
         </p:txBody>
       </p:sp>
@@ -11228,7 +11394,6 @@
             </a:pPr>
             <a:fld id="{B7F7D15B-E003-4EB9-A608-239C444D5E90}" type="slidenum">
               <a:rPr lang="en-US" altLang="zh-TW"/>
-              <a:t>‹#›</a:t>
             </a:fld>
             <a:endParaRPr lang="en-US" altLang="zh-TW"/>
           </a:p>
@@ -11278,6 +11443,7 @@
               <a:rPr lang="zh-TW" altLang="en-US"/>
               <a:t>按一下以編輯母片標題樣式</a:t>
             </a:r>
+            <a:endParaRPr lang="zh-TW" altLang="en-US"/>
           </a:p>
         </p:txBody>
       </p:sp>
@@ -11334,6 +11500,7 @@
               <a:rPr lang="zh-TW" altLang="en-US"/>
               <a:t>按一下以編輯母片文字樣式</a:t>
             </a:r>
+            <a:endParaRPr lang="zh-TW" altLang="en-US"/>
           </a:p>
           <a:p>
             <a:pPr lvl="1"/>
@@ -11341,6 +11508,7 @@
               <a:rPr lang="zh-TW" altLang="en-US"/>
               <a:t>第二層</a:t>
             </a:r>
+            <a:endParaRPr lang="zh-TW" altLang="en-US"/>
           </a:p>
           <a:p>
             <a:pPr lvl="2"/>
@@ -11348,6 +11516,7 @@
               <a:rPr lang="zh-TW" altLang="en-US"/>
               <a:t>第三層</a:t>
             </a:r>
+            <a:endParaRPr lang="zh-TW" altLang="en-US"/>
           </a:p>
           <a:p>
             <a:pPr lvl="3"/>
@@ -11355,6 +11524,7 @@
               <a:rPr lang="zh-TW" altLang="en-US"/>
               <a:t>第四層</a:t>
             </a:r>
+            <a:endParaRPr lang="zh-TW" altLang="en-US"/>
           </a:p>
           <a:p>
             <a:pPr lvl="4"/>
@@ -11362,6 +11532,7 @@
               <a:rPr lang="zh-TW" altLang="en-US"/>
               <a:t>第五層</a:t>
             </a:r>
+            <a:endParaRPr lang="zh-TW" altLang="en-US"/>
           </a:p>
         </p:txBody>
       </p:sp>
@@ -11418,6 +11589,7 @@
               <a:rPr lang="zh-TW" altLang="en-US"/>
               <a:t>按一下以編輯母片文字樣式</a:t>
             </a:r>
+            <a:endParaRPr lang="zh-TW" altLang="en-US"/>
           </a:p>
           <a:p>
             <a:pPr lvl="1"/>
@@ -11425,6 +11597,7 @@
               <a:rPr lang="zh-TW" altLang="en-US"/>
               <a:t>第二層</a:t>
             </a:r>
+            <a:endParaRPr lang="zh-TW" altLang="en-US"/>
           </a:p>
           <a:p>
             <a:pPr lvl="2"/>
@@ -11432,6 +11605,7 @@
               <a:rPr lang="zh-TW" altLang="en-US"/>
               <a:t>第三層</a:t>
             </a:r>
+            <a:endParaRPr lang="zh-TW" altLang="en-US"/>
           </a:p>
           <a:p>
             <a:pPr lvl="3"/>
@@ -11439,6 +11613,7 @@
               <a:rPr lang="zh-TW" altLang="en-US"/>
               <a:t>第四層</a:t>
             </a:r>
+            <a:endParaRPr lang="zh-TW" altLang="en-US"/>
           </a:p>
           <a:p>
             <a:pPr lvl="4"/>
@@ -11446,6 +11621,7 @@
               <a:rPr lang="zh-TW" altLang="en-US"/>
               <a:t>第五層</a:t>
             </a:r>
+            <a:endParaRPr lang="zh-TW" altLang="en-US"/>
           </a:p>
         </p:txBody>
       </p:sp>
@@ -11473,7 +11649,6 @@
             </a:pPr>
             <a:fld id="{86BC68BE-B4B0-4564-B8AC-726B6F10D4A3}" type="slidenum">
               <a:rPr lang="en-US" altLang="zh-TW"/>
-              <a:t>‹#›</a:t>
             </a:fld>
             <a:endParaRPr lang="en-US" altLang="zh-TW"/>
           </a:p>
@@ -11523,6 +11698,7 @@
               <a:rPr lang="zh-TW" altLang="en-US"/>
               <a:t>按一下以編輯母片標題樣式</a:t>
             </a:r>
+            <a:endParaRPr lang="zh-TW" altLang="en-US"/>
           </a:p>
         </p:txBody>
       </p:sp>
@@ -11550,7 +11726,6 @@
             </a:pPr>
             <a:fld id="{ED852E88-0254-4B19-81B3-E8664451FBCF}" type="slidenum">
               <a:rPr lang="zh-TW" altLang="en-US"/>
-              <a:t>‹#›</a:t>
             </a:fld>
             <a:endParaRPr lang="en-US" altLang="zh-TW"/>
           </a:p>
@@ -11613,6 +11788,7 @@
               <a:rPr lang="zh-TW" altLang="en-US" dirty="0"/>
               <a:t>按一下以編輯母片標題樣式</a:t>
             </a:r>
+            <a:endParaRPr lang="zh-TW" altLang="en-US" dirty="0"/>
           </a:p>
         </p:txBody>
       </p:sp>
@@ -11678,6 +11854,7 @@
               <a:rPr lang="zh-TW" altLang="en-US"/>
               <a:t>按一下以編輯母片文字樣式</a:t>
             </a:r>
+            <a:endParaRPr lang="zh-TW" altLang="en-US"/>
           </a:p>
         </p:txBody>
       </p:sp>
@@ -11734,6 +11911,7 @@
               <a:rPr lang="zh-TW" altLang="en-US"/>
               <a:t>按一下以編輯母片文字樣式</a:t>
             </a:r>
+            <a:endParaRPr lang="zh-TW" altLang="en-US"/>
           </a:p>
           <a:p>
             <a:pPr lvl="1"/>
@@ -11741,6 +11919,7 @@
               <a:rPr lang="zh-TW" altLang="en-US"/>
               <a:t>第二層</a:t>
             </a:r>
+            <a:endParaRPr lang="zh-TW" altLang="en-US"/>
           </a:p>
           <a:p>
             <a:pPr lvl="2"/>
@@ -11748,6 +11927,7 @@
               <a:rPr lang="zh-TW" altLang="en-US"/>
               <a:t>第三層</a:t>
             </a:r>
+            <a:endParaRPr lang="zh-TW" altLang="en-US"/>
           </a:p>
           <a:p>
             <a:pPr lvl="3"/>
@@ -11755,6 +11935,7 @@
               <a:rPr lang="zh-TW" altLang="en-US"/>
               <a:t>第四層</a:t>
             </a:r>
+            <a:endParaRPr lang="zh-TW" altLang="en-US"/>
           </a:p>
           <a:p>
             <a:pPr lvl="4"/>
@@ -11762,6 +11943,7 @@
               <a:rPr lang="zh-TW" altLang="en-US"/>
               <a:t>第五層</a:t>
             </a:r>
+            <a:endParaRPr lang="zh-TW" altLang="en-US"/>
           </a:p>
         </p:txBody>
       </p:sp>
@@ -11827,6 +12009,7 @@
               <a:rPr lang="zh-TW" altLang="en-US"/>
               <a:t>按一下以編輯母片文字樣式</a:t>
             </a:r>
+            <a:endParaRPr lang="zh-TW" altLang="en-US"/>
           </a:p>
         </p:txBody>
       </p:sp>
@@ -11883,6 +12066,7 @@
               <a:rPr lang="zh-TW" altLang="en-US"/>
               <a:t>按一下以編輯母片文字樣式</a:t>
             </a:r>
+            <a:endParaRPr lang="zh-TW" altLang="en-US"/>
           </a:p>
           <a:p>
             <a:pPr lvl="1"/>
@@ -11890,6 +12074,7 @@
               <a:rPr lang="zh-TW" altLang="en-US"/>
               <a:t>第二層</a:t>
             </a:r>
+            <a:endParaRPr lang="zh-TW" altLang="en-US"/>
           </a:p>
           <a:p>
             <a:pPr lvl="2"/>
@@ -11897,6 +12082,7 @@
               <a:rPr lang="zh-TW" altLang="en-US"/>
               <a:t>第三層</a:t>
             </a:r>
+            <a:endParaRPr lang="zh-TW" altLang="en-US"/>
           </a:p>
           <a:p>
             <a:pPr lvl="3"/>
@@ -11904,6 +12090,7 @@
               <a:rPr lang="zh-TW" altLang="en-US"/>
               <a:t>第四層</a:t>
             </a:r>
+            <a:endParaRPr lang="zh-TW" altLang="en-US"/>
           </a:p>
           <a:p>
             <a:pPr lvl="4"/>
@@ -11911,6 +12098,7 @@
               <a:rPr lang="zh-TW" altLang="en-US"/>
               <a:t>第五層</a:t>
             </a:r>
+            <a:endParaRPr lang="zh-TW" altLang="en-US"/>
           </a:p>
         </p:txBody>
       </p:sp>
@@ -11938,7 +12126,6 @@
             </a:pPr>
             <a:fld id="{338717D7-C8B0-44C5-A62F-3567BF53D398}" type="slidenum">
               <a:rPr lang="en-US" altLang="zh-TW"/>
-              <a:t>‹#›</a:t>
             </a:fld>
             <a:endParaRPr lang="en-US" altLang="zh-TW"/>
           </a:p>
@@ -11988,6 +12175,7 @@
               <a:rPr lang="zh-TW" altLang="en-US"/>
               <a:t>按一下以編輯母片標題樣式</a:t>
             </a:r>
+            <a:endParaRPr lang="zh-TW" altLang="en-US"/>
           </a:p>
         </p:txBody>
       </p:sp>
@@ -12015,7 +12203,6 @@
             </a:pPr>
             <a:fld id="{81FA067D-AD37-4A18-A34B-F0E66789EA77}" type="slidenum">
               <a:rPr lang="en-US" altLang="zh-TW"/>
-              <a:t>‹#›</a:t>
             </a:fld>
             <a:endParaRPr lang="en-US" altLang="zh-TW"/>
           </a:p>
@@ -12070,7 +12257,6 @@
             </a:pPr>
             <a:fld id="{FDA0777A-41B7-4B1E-A08A-E8D847463375}" type="slidenum">
               <a:rPr lang="en-US" altLang="zh-TW"/>
-              <a:t>‹#›</a:t>
             </a:fld>
             <a:endParaRPr lang="en-US" altLang="zh-TW"/>
           </a:p>
@@ -12129,6 +12315,7 @@
               <a:rPr lang="zh-TW" altLang="en-US"/>
               <a:t>按一下以編輯母片標題樣式</a:t>
             </a:r>
+            <a:endParaRPr lang="zh-TW" altLang="en-US"/>
           </a:p>
         </p:txBody>
       </p:sp>
@@ -12185,6 +12372,7 @@
               <a:rPr lang="zh-TW" altLang="en-US"/>
               <a:t>按一下以編輯母片文字樣式</a:t>
             </a:r>
+            <a:endParaRPr lang="zh-TW" altLang="en-US"/>
           </a:p>
           <a:p>
             <a:pPr lvl="1"/>
@@ -12192,6 +12380,7 @@
               <a:rPr lang="zh-TW" altLang="en-US"/>
               <a:t>第二層</a:t>
             </a:r>
+            <a:endParaRPr lang="zh-TW" altLang="en-US"/>
           </a:p>
           <a:p>
             <a:pPr lvl="2"/>
@@ -12199,6 +12388,7 @@
               <a:rPr lang="zh-TW" altLang="en-US"/>
               <a:t>第三層</a:t>
             </a:r>
+            <a:endParaRPr lang="zh-TW" altLang="en-US"/>
           </a:p>
           <a:p>
             <a:pPr lvl="3"/>
@@ -12206,6 +12396,7 @@
               <a:rPr lang="zh-TW" altLang="en-US"/>
               <a:t>第四層</a:t>
             </a:r>
+            <a:endParaRPr lang="zh-TW" altLang="en-US"/>
           </a:p>
           <a:p>
             <a:pPr lvl="4"/>
@@ -12213,6 +12404,7 @@
               <a:rPr lang="zh-TW" altLang="en-US"/>
               <a:t>第五層</a:t>
             </a:r>
+            <a:endParaRPr lang="zh-TW" altLang="en-US"/>
           </a:p>
         </p:txBody>
       </p:sp>
@@ -12278,6 +12470,7 @@
               <a:rPr lang="zh-TW" altLang="en-US"/>
               <a:t>按一下以編輯母片文字樣式</a:t>
             </a:r>
+            <a:endParaRPr lang="zh-TW" altLang="en-US"/>
           </a:p>
         </p:txBody>
       </p:sp>
@@ -12305,7 +12498,6 @@
             </a:pPr>
             <a:fld id="{4F993CA9-BA81-47AA-823D-8B709A5D2C45}" type="slidenum">
               <a:rPr lang="en-US" altLang="zh-TW"/>
-              <a:t>‹#›</a:t>
             </a:fld>
             <a:endParaRPr lang="en-US" altLang="zh-TW"/>
           </a:p>
@@ -12364,6 +12556,7 @@
               <a:rPr lang="zh-TW" altLang="en-US"/>
               <a:t>按一下以編輯母片標題樣式</a:t>
             </a:r>
+            <a:endParaRPr lang="zh-TW" altLang="en-US"/>
           </a:p>
         </p:txBody>
       </p:sp>
@@ -12491,6 +12684,7 @@
               <a:rPr lang="zh-TW" altLang="en-US"/>
               <a:t>按一下以編輯母片文字樣式</a:t>
             </a:r>
+            <a:endParaRPr lang="zh-TW" altLang="en-US"/>
           </a:p>
         </p:txBody>
       </p:sp>
@@ -12518,7 +12712,6 @@
             </a:pPr>
             <a:fld id="{E26ADD22-6B71-41C3-A3B2-EF9911ADB281}" type="slidenum">
               <a:rPr lang="en-US" altLang="zh-TW"/>
-              <a:t>‹#›</a:t>
             </a:fld>
             <a:endParaRPr lang="en-US" altLang="zh-TW"/>
           </a:p>
@@ -12568,6 +12761,7 @@
               <a:rPr lang="zh-TW" altLang="en-US"/>
               <a:t>按一下以編輯母片標題樣式</a:t>
             </a:r>
+            <a:endParaRPr lang="zh-TW" altLang="en-US"/>
           </a:p>
         </p:txBody>
       </p:sp>
@@ -12591,6 +12785,7 @@
               <a:rPr lang="zh-TW" altLang="en-US"/>
               <a:t>按一下以編輯母片文字樣式</a:t>
             </a:r>
+            <a:endParaRPr lang="zh-TW" altLang="en-US"/>
           </a:p>
           <a:p>
             <a:pPr lvl="1"/>
@@ -12598,6 +12793,7 @@
               <a:rPr lang="zh-TW" altLang="en-US"/>
               <a:t>第二層</a:t>
             </a:r>
+            <a:endParaRPr lang="zh-TW" altLang="en-US"/>
           </a:p>
           <a:p>
             <a:pPr lvl="2"/>
@@ -12605,6 +12801,7 @@
               <a:rPr lang="zh-TW" altLang="en-US"/>
               <a:t>第三層</a:t>
             </a:r>
+            <a:endParaRPr lang="zh-TW" altLang="en-US"/>
           </a:p>
           <a:p>
             <a:pPr lvl="3"/>
@@ -12612,6 +12809,7 @@
               <a:rPr lang="zh-TW" altLang="en-US"/>
               <a:t>第四層</a:t>
             </a:r>
+            <a:endParaRPr lang="zh-TW" altLang="en-US"/>
           </a:p>
           <a:p>
             <a:pPr lvl="4"/>
@@ -12619,6 +12817,7 @@
               <a:rPr lang="zh-TW" altLang="en-US"/>
               <a:t>第五層</a:t>
             </a:r>
+            <a:endParaRPr lang="zh-TW" altLang="en-US"/>
           </a:p>
         </p:txBody>
       </p:sp>
@@ -12646,7 +12845,6 @@
             </a:pPr>
             <a:fld id="{F39F7AEA-34EA-4C76-9A47-D6871C043AB0}" type="slidenum">
               <a:rPr lang="en-US" altLang="zh-TW"/>
-              <a:t>‹#›</a:t>
             </a:fld>
             <a:endParaRPr lang="en-US" altLang="zh-TW"/>
           </a:p>
@@ -12701,6 +12899,7 @@
               <a:rPr lang="zh-TW" altLang="en-US"/>
               <a:t>按一下以編輯母片標題樣式</a:t>
             </a:r>
+            <a:endParaRPr lang="zh-TW" altLang="en-US"/>
           </a:p>
         </p:txBody>
       </p:sp>
@@ -12729,6 +12928,7 @@
               <a:rPr lang="zh-TW" altLang="en-US"/>
               <a:t>按一下以編輯母片文字樣式</a:t>
             </a:r>
+            <a:endParaRPr lang="zh-TW" altLang="en-US"/>
           </a:p>
           <a:p>
             <a:pPr lvl="1"/>
@@ -12736,6 +12936,7 @@
               <a:rPr lang="zh-TW" altLang="en-US"/>
               <a:t>第二層</a:t>
             </a:r>
+            <a:endParaRPr lang="zh-TW" altLang="en-US"/>
           </a:p>
           <a:p>
             <a:pPr lvl="2"/>
@@ -12743,6 +12944,7 @@
               <a:rPr lang="zh-TW" altLang="en-US"/>
               <a:t>第三層</a:t>
             </a:r>
+            <a:endParaRPr lang="zh-TW" altLang="en-US"/>
           </a:p>
           <a:p>
             <a:pPr lvl="3"/>
@@ -12750,6 +12952,7 @@
               <a:rPr lang="zh-TW" altLang="en-US"/>
               <a:t>第四層</a:t>
             </a:r>
+            <a:endParaRPr lang="zh-TW" altLang="en-US"/>
           </a:p>
           <a:p>
             <a:pPr lvl="4"/>
@@ -12757,6 +12960,7 @@
               <a:rPr lang="zh-TW" altLang="en-US"/>
               <a:t>第五層</a:t>
             </a:r>
+            <a:endParaRPr lang="zh-TW" altLang="en-US"/>
           </a:p>
         </p:txBody>
       </p:sp>
@@ -12784,7 +12988,6 @@
             </a:pPr>
             <a:fld id="{530654D6-15C0-494A-B753-0640DB25B203}" type="slidenum">
               <a:rPr lang="en-US" altLang="zh-TW"/>
-              <a:t>‹#›</a:t>
             </a:fld>
             <a:endParaRPr lang="en-US" altLang="zh-TW"/>
           </a:p>
@@ -12840,6 +13043,7 @@
               <a:rPr lang="zh-TW" altLang="en-US"/>
               <a:t>按一下以編輯母片文字樣式</a:t>
             </a:r>
+            <a:endParaRPr lang="zh-TW" altLang="en-US"/>
           </a:p>
           <a:p>
             <a:pPr lvl="1"/>
@@ -12847,6 +13051,7 @@
               <a:rPr lang="zh-TW" altLang="en-US"/>
               <a:t>第二層</a:t>
             </a:r>
+            <a:endParaRPr lang="zh-TW" altLang="en-US"/>
           </a:p>
           <a:p>
             <a:pPr lvl="2"/>
@@ -12854,6 +13059,7 @@
               <a:rPr lang="zh-TW" altLang="en-US"/>
               <a:t>第三層</a:t>
             </a:r>
+            <a:endParaRPr lang="zh-TW" altLang="en-US"/>
           </a:p>
           <a:p>
             <a:pPr lvl="3"/>
@@ -12861,6 +13067,7 @@
               <a:rPr lang="zh-TW" altLang="en-US"/>
               <a:t>第四層</a:t>
             </a:r>
+            <a:endParaRPr lang="zh-TW" altLang="en-US"/>
           </a:p>
           <a:p>
             <a:pPr lvl="4"/>
@@ -12868,6 +13075,7 @@
               <a:rPr lang="zh-TW" altLang="en-US"/>
               <a:t>第五層</a:t>
             </a:r>
+            <a:endParaRPr lang="zh-TW" altLang="en-US"/>
           </a:p>
         </p:txBody>
       </p:sp>
@@ -12895,7 +13103,6 @@
             </a:pPr>
             <a:fld id="{B4502D48-BB1D-4132-8A0E-4D78DE52EF59}" type="slidenum">
               <a:rPr lang="en-US" altLang="zh-TW"/>
-              <a:t>‹#›</a:t>
             </a:fld>
             <a:endParaRPr lang="en-US" altLang="zh-TW"/>
           </a:p>
@@ -12950,7 +13157,6 @@
             </a:pPr>
             <a:fld id="{A71697D7-8013-4975-95E3-48F7F3F7499B}" type="slidenum">
               <a:rPr lang="zh-TW" altLang="en-US"/>
-              <a:t>‹#›</a:t>
             </a:fld>
             <a:endParaRPr lang="en-US" altLang="zh-TW"/>
           </a:p>
@@ -13009,6 +13215,7 @@
               <a:rPr lang="zh-TW" altLang="en-US"/>
               <a:t>按一下以編輯母片標題樣式</a:t>
             </a:r>
+            <a:endParaRPr lang="zh-TW" altLang="en-US"/>
           </a:p>
         </p:txBody>
       </p:sp>
@@ -13074,6 +13281,7 @@
               <a:rPr lang="zh-TW" altLang="en-US"/>
               <a:t>按一下以編輯母片文字樣式</a:t>
             </a:r>
+            <a:endParaRPr lang="zh-TW" altLang="en-US"/>
           </a:p>
         </p:txBody>
       </p:sp>
@@ -13101,7 +13309,6 @@
             </a:pPr>
             <a:fld id="{3FEA8A6C-E419-4A2D-A59F-0183255F70EA}" type="slidenum">
               <a:rPr lang="zh-TW" altLang="en-US"/>
-              <a:t>‹#›</a:t>
             </a:fld>
             <a:endParaRPr lang="en-US" altLang="zh-TW"/>
           </a:p>
@@ -13160,6 +13367,7 @@
               <a:rPr lang="zh-TW" altLang="en-US"/>
               <a:t>按一下以編輯母片標題樣式</a:t>
             </a:r>
+            <a:endParaRPr lang="zh-TW" altLang="en-US"/>
           </a:p>
         </p:txBody>
       </p:sp>
@@ -13287,6 +13495,7 @@
               <a:rPr lang="zh-TW" altLang="en-US"/>
               <a:t>按一下以編輯母片文字樣式</a:t>
             </a:r>
+            <a:endParaRPr lang="zh-TW" altLang="en-US"/>
           </a:p>
         </p:txBody>
       </p:sp>
@@ -13314,7 +13523,6 @@
             </a:pPr>
             <a:fld id="{8A8F0E97-51B7-4FFA-9BFC-ED098C10D8ED}" type="slidenum">
               <a:rPr lang="zh-TW" altLang="en-US"/>
-              <a:t>‹#›</a:t>
             </a:fld>
             <a:endParaRPr lang="en-US" altLang="zh-TW"/>
           </a:p>
@@ -13392,7 +13600,6 @@
             </a:pPr>
             <a:fld id="{3F21431A-0C06-4923-9B61-C55D1AEC9577}" type="slidenum">
               <a:rPr lang="zh-TW" altLang="en-US"/>
-              <a:t>‹#›</a:t>
             </a:fld>
             <a:endParaRPr lang="en-US" altLang="zh-TW"/>
           </a:p>
@@ -13442,6 +13649,13 @@
               </a:rPr>
               <a:t>誠信  承諾  創新  合作</a:t>
             </a:r>
+            <a:endParaRPr lang="zh-TW" altLang="en-US" sz="1000">
+              <a:solidFill>
+                <a:schemeClr val="bg2"/>
+              </a:solidFill>
+              <a:latin typeface="標楷體" panose="03000509000000000000" pitchFamily="65" charset="-120"/>
+              <a:ea typeface="標楷體" panose="03000509000000000000" pitchFamily="65" charset="-120"/>
+            </a:endParaRPr>
           </a:p>
         </p:txBody>
       </p:sp>
@@ -13530,7 +13744,7 @@
           <p:nvPr/>
         </p:nvPicPr>
         <p:blipFill>
-          <a:blip r:embed="rId13"/>
+          <a:blip r:embed="rId12"/>
           <a:srcRect/>
           <a:stretch>
             <a:fillRect/>
@@ -13586,6 +13800,7 @@
               <a:rPr lang="zh-TW" altLang="en-US"/>
               <a:t>按一下以編輯母片標題樣式</a:t>
             </a:r>
+            <a:endParaRPr lang="zh-TW" altLang="en-US"/>
           </a:p>
         </p:txBody>
       </p:sp>
@@ -13622,6 +13837,7 @@
               <a:rPr lang="zh-TW" altLang="en-US"/>
               <a:t>按一下以編輯母片</a:t>
             </a:r>
+            <a:endParaRPr lang="zh-TW" altLang="en-US"/>
           </a:p>
           <a:p>
             <a:pPr lvl="1"/>
@@ -13629,6 +13845,7 @@
               <a:rPr lang="zh-TW" altLang="en-US"/>
               <a:t>第二層</a:t>
             </a:r>
+            <a:endParaRPr lang="zh-TW" altLang="en-US"/>
           </a:p>
           <a:p>
             <a:pPr lvl="2"/>
@@ -13636,6 +13853,7 @@
               <a:rPr lang="zh-TW" altLang="en-US"/>
               <a:t>第三層</a:t>
             </a:r>
+            <a:endParaRPr lang="zh-TW" altLang="en-US"/>
           </a:p>
         </p:txBody>
       </p:sp>
@@ -14737,7 +14955,7 @@
           <p:nvPr/>
         </p:nvPicPr>
         <p:blipFill>
-          <a:blip r:embed="rId2">
+          <a:blip r:embed="rId1">
             <a:extLst>
               <a:ext uri="{28A0092B-C50C-407E-A947-70E740481C1C}">
                 <a14:useLocalDpi xmlns:a14="http://schemas.microsoft.com/office/drawing/2010/main" val="0"/>
@@ -14835,7 +15053,6 @@
                   <a:prstClr val="black"/>
                 </a:solidFill>
               </a:rPr>
-              <a:t>‹#›</a:t>
             </a:fld>
             <a:r>
               <a:rPr lang="zh-TW" altLang="en-US">
@@ -15040,6 +15257,7 @@
               <a:rPr lang="zh-TW" altLang="en-US"/>
               <a:t>按一下以編輯母片標題樣式</a:t>
             </a:r>
+            <a:endParaRPr lang="zh-TW" altLang="en-US"/>
           </a:p>
         </p:txBody>
       </p:sp>
@@ -15094,6 +15312,7 @@
               <a:rPr lang="zh-TW" altLang="en-US" dirty="0"/>
               <a:t>按一下以編輯母片</a:t>
             </a:r>
+            <a:endParaRPr lang="zh-TW" altLang="en-US" dirty="0"/>
           </a:p>
           <a:p>
             <a:pPr lvl="1"/>
@@ -15101,6 +15320,7 @@
               <a:rPr lang="zh-TW" altLang="en-US" dirty="0"/>
               <a:t>第二層</a:t>
             </a:r>
+            <a:endParaRPr lang="zh-TW" altLang="en-US" dirty="0"/>
           </a:p>
           <a:p>
             <a:pPr lvl="2"/>
@@ -15108,6 +15328,7 @@
               <a:rPr lang="zh-TW" altLang="en-US" dirty="0"/>
               <a:t>第三層</a:t>
             </a:r>
+            <a:endParaRPr lang="zh-TW" altLang="en-US" dirty="0"/>
           </a:p>
         </p:txBody>
       </p:sp>
@@ -15289,6 +15510,13 @@
               </a:rPr>
               <a:t>誠信  承諾  創新  合作</a:t>
             </a:r>
+            <a:endParaRPr lang="zh-TW" altLang="en-US" sz="975" b="1" dirty="0">
+              <a:solidFill>
+                <a:srgbClr val="808080"/>
+              </a:solidFill>
+              <a:latin typeface="微軟正黑體" panose="020B0604030504040204" pitchFamily="34" charset="-120"/>
+              <a:ea typeface="微軟正黑體" panose="020B0604030504040204" pitchFamily="34" charset="-120"/>
+            </a:endParaRPr>
           </a:p>
         </p:txBody>
       </p:sp>
@@ -15727,7 +15955,7 @@
           <p:nvPr/>
         </p:nvPicPr>
         <p:blipFill>
-          <a:blip r:embed="rId2">
+          <a:blip r:embed="rId1">
             <a:extLst>
               <a:ext uri="{28A0092B-C50C-407E-A947-70E740481C1C}">
                 <a14:useLocalDpi xmlns:a14="http://schemas.microsoft.com/office/drawing/2010/main" val="0"/>
@@ -15825,7 +16053,6 @@
                   <a:prstClr val="black"/>
                 </a:solidFill>
               </a:rPr>
-              <a:t>‹#›</a:t>
             </a:fld>
             <a:r>
               <a:rPr lang="zh-TW" altLang="en-US">
@@ -16030,6 +16257,7 @@
               <a:rPr lang="zh-TW" altLang="en-US"/>
               <a:t>按一下以編輯母片標題樣式</a:t>
             </a:r>
+            <a:endParaRPr lang="zh-TW" altLang="en-US"/>
           </a:p>
         </p:txBody>
       </p:sp>
@@ -16084,6 +16312,7 @@
               <a:rPr lang="zh-TW" altLang="en-US" dirty="0"/>
               <a:t>按一下以編輯母片</a:t>
             </a:r>
+            <a:endParaRPr lang="zh-TW" altLang="en-US" dirty="0"/>
           </a:p>
           <a:p>
             <a:pPr lvl="1"/>
@@ -16091,6 +16320,7 @@
               <a:rPr lang="zh-TW" altLang="en-US" dirty="0"/>
               <a:t>第二層</a:t>
             </a:r>
+            <a:endParaRPr lang="zh-TW" altLang="en-US" dirty="0"/>
           </a:p>
           <a:p>
             <a:pPr lvl="2"/>
@@ -16098,6 +16328,7 @@
               <a:rPr lang="zh-TW" altLang="en-US" dirty="0"/>
               <a:t>第三層</a:t>
             </a:r>
+            <a:endParaRPr lang="zh-TW" altLang="en-US" dirty="0"/>
           </a:p>
         </p:txBody>
       </p:sp>
@@ -16279,6 +16510,13 @@
               </a:rPr>
               <a:t>誠信  承諾  創新  合作</a:t>
             </a:r>
+            <a:endParaRPr lang="zh-TW" altLang="en-US" sz="975" b="1" dirty="0">
+              <a:solidFill>
+                <a:srgbClr val="808080"/>
+              </a:solidFill>
+              <a:latin typeface="微軟正黑體" panose="020B0604030504040204" pitchFamily="34" charset="-120"/>
+              <a:ea typeface="微軟正黑體" panose="020B0604030504040204" pitchFamily="34" charset="-120"/>
+            </a:endParaRPr>
           </a:p>
         </p:txBody>
       </p:sp>
@@ -16775,7 +17013,6 @@
                 </a:solidFill>
                 <a:ea typeface="新細明體" panose="02020500000000000000" charset="-120"/>
               </a:rPr>
-              <a:t>‹#›</a:t>
             </a:fld>
             <a:endParaRPr lang="en-US" altLang="zh-TW">
               <a:solidFill>
@@ -16857,6 +17094,13 @@
               </a:rPr>
               <a:t>誠信  承諾  創新  合作</a:t>
             </a:r>
+            <a:endParaRPr lang="zh-TW" altLang="en-US" sz="1000">
+              <a:solidFill>
+                <a:srgbClr val="808080"/>
+              </a:solidFill>
+              <a:latin typeface="標楷體" panose="03000509000000000000" pitchFamily="65" charset="-120"/>
+              <a:ea typeface="標楷體" panose="03000509000000000000" pitchFamily="65" charset="-120"/>
+            </a:endParaRPr>
           </a:p>
         </p:txBody>
       </p:sp>
@@ -16977,7 +17221,7 @@
           <p:nvPr/>
         </p:nvPicPr>
         <p:blipFill>
-          <a:blip r:embed="rId13">
+          <a:blip r:embed="rId12">
             <a:extLst>
               <a:ext uri="{28A0092B-C50C-407E-A947-70E740481C1C}">
                 <a14:useLocalDpi xmlns:a14="http://schemas.microsoft.com/office/drawing/2010/main" val="0"/>
@@ -17070,6 +17314,7 @@
               <a:rPr lang="zh-TW" altLang="en-US"/>
               <a:t>按一下以編輯母片標題樣式</a:t>
             </a:r>
+            <a:endParaRPr lang="zh-TW" altLang="en-US"/>
           </a:p>
         </p:txBody>
       </p:sp>
@@ -17134,6 +17379,7 @@
               <a:rPr lang="zh-TW" altLang="en-US"/>
               <a:t>按一下以編輯母片</a:t>
             </a:r>
+            <a:endParaRPr lang="zh-TW" altLang="en-US"/>
           </a:p>
           <a:p>
             <a:pPr lvl="1"/>
@@ -17141,6 +17387,7 @@
               <a:rPr lang="zh-TW" altLang="en-US"/>
               <a:t>第二層</a:t>
             </a:r>
+            <a:endParaRPr lang="zh-TW" altLang="en-US"/>
           </a:p>
           <a:p>
             <a:pPr lvl="2"/>
@@ -17148,6 +17395,7 @@
               <a:rPr lang="zh-TW" altLang="en-US"/>
               <a:t>第三層</a:t>
             </a:r>
+            <a:endParaRPr lang="zh-TW" altLang="en-US"/>
           </a:p>
         </p:txBody>
       </p:sp>
@@ -18266,6 +18514,7 @@
               <a:rPr lang="zh-TW" altLang="en-US"/>
               <a:t>按一下以編輯母片標題樣式</a:t>
             </a:r>
+            <a:endParaRPr lang="zh-TW" altLang="en-US"/>
           </a:p>
         </p:txBody>
       </p:sp>
@@ -18299,6 +18548,7 @@
               <a:rPr lang="zh-TW" altLang="en-US"/>
               <a:t>按一下以編輯母片文字樣式</a:t>
             </a:r>
+            <a:endParaRPr lang="zh-TW" altLang="en-US"/>
           </a:p>
           <a:p>
             <a:pPr lvl="1"/>
@@ -18306,6 +18556,7 @@
               <a:rPr lang="zh-TW" altLang="en-US"/>
               <a:t>第二層</a:t>
             </a:r>
+            <a:endParaRPr lang="zh-TW" altLang="en-US"/>
           </a:p>
           <a:p>
             <a:pPr lvl="2"/>
@@ -18313,6 +18564,7 @@
               <a:rPr lang="zh-TW" altLang="en-US"/>
               <a:t>第三層</a:t>
             </a:r>
+            <a:endParaRPr lang="zh-TW" altLang="en-US"/>
           </a:p>
           <a:p>
             <a:pPr lvl="3"/>
@@ -18320,6 +18572,7 @@
               <a:rPr lang="zh-TW" altLang="en-US"/>
               <a:t>第四層</a:t>
             </a:r>
+            <a:endParaRPr lang="zh-TW" altLang="en-US"/>
           </a:p>
           <a:p>
             <a:pPr lvl="4"/>
@@ -18327,6 +18580,7 @@
               <a:rPr lang="zh-TW" altLang="en-US"/>
               <a:t>第五層</a:t>
             </a:r>
+            <a:endParaRPr lang="zh-TW" altLang="en-US"/>
           </a:p>
         </p:txBody>
       </p:sp>
@@ -18365,7 +18619,6 @@
           <a:p>
             <a:fld id="{388997FB-EFBE-4ED6-A43F-DDA1512FD57C}" type="datetimeFigureOut">
               <a:rPr lang="zh-TW" altLang="en-US" smtClean="0"/>
-              <a:t>2025/12/19</a:t>
             </a:fld>
             <a:endParaRPr lang="zh-TW" altLang="en-US"/>
           </a:p>
@@ -18443,7 +18696,6 @@
           <a:p>
             <a:fld id="{13C0E97A-62D1-41C7-936F-199E295F9AB2}" type="slidenum">
               <a:rPr lang="zh-TW" altLang="en-US" smtClean="0"/>
-              <a:t>‹#›</a:t>
             </a:fld>
             <a:endParaRPr lang="zh-TW" altLang="en-US"/>
           </a:p>
@@ -18786,7 +19038,6 @@
                   <a:srgbClr val="000000"/>
                 </a:solidFill>
               </a:rPr>
-              <a:t>‹#›</a:t>
             </a:fld>
             <a:endParaRPr lang="en-US" altLang="zh-TW">
               <a:solidFill>
@@ -18840,6 +19091,13 @@
               </a:rPr>
               <a:t>誠信  承諾  創新  合作</a:t>
             </a:r>
+            <a:endParaRPr lang="zh-TW" altLang="en-US" sz="1000">
+              <a:solidFill>
+                <a:srgbClr val="808080"/>
+              </a:solidFill>
+              <a:latin typeface="標楷體" panose="03000509000000000000" pitchFamily="65" charset="-120"/>
+              <a:ea typeface="標楷體" panose="03000509000000000000" pitchFamily="65" charset="-120"/>
+            </a:endParaRPr>
           </a:p>
         </p:txBody>
       </p:sp>
@@ -18934,7 +19192,7 @@
           <p:nvPr/>
         </p:nvPicPr>
         <p:blipFill>
-          <a:blip r:embed="rId13"/>
+          <a:blip r:embed="rId12"/>
           <a:srcRect/>
           <a:stretch>
             <a:fillRect/>
@@ -18990,6 +19248,7 @@
               <a:rPr lang="zh-TW" altLang="en-US"/>
               <a:t>按一下以編輯母片標題樣式</a:t>
             </a:r>
+            <a:endParaRPr lang="zh-TW" altLang="en-US"/>
           </a:p>
         </p:txBody>
       </p:sp>
@@ -19026,6 +19285,7 @@
               <a:rPr lang="zh-TW" altLang="en-US"/>
               <a:t>按一下以編輯母片</a:t>
             </a:r>
+            <a:endParaRPr lang="zh-TW" altLang="en-US"/>
           </a:p>
           <a:p>
             <a:pPr lvl="1"/>
@@ -19033,6 +19293,7 @@
               <a:rPr lang="zh-TW" altLang="en-US"/>
               <a:t>第二層</a:t>
             </a:r>
+            <a:endParaRPr lang="zh-TW" altLang="en-US"/>
           </a:p>
           <a:p>
             <a:pPr lvl="2"/>
@@ -19040,6 +19301,7 @@
               <a:rPr lang="zh-TW" altLang="en-US"/>
               <a:t>第三層</a:t>
             </a:r>
+            <a:endParaRPr lang="zh-TW" altLang="en-US"/>
           </a:p>
         </p:txBody>
       </p:sp>
@@ -20158,6 +20420,7 @@
               <a:rPr lang="zh-TW" altLang="en-US"/>
               <a:t>按一下以編輯母片標題樣式</a:t>
             </a:r>
+            <a:endParaRPr lang="zh-TW" altLang="en-US"/>
           </a:p>
         </p:txBody>
       </p:sp>
@@ -20191,6 +20454,7 @@
               <a:rPr lang="zh-TW" altLang="en-US"/>
               <a:t>按一下以編輯母片文字樣式</a:t>
             </a:r>
+            <a:endParaRPr lang="zh-TW" altLang="en-US"/>
           </a:p>
           <a:p>
             <a:pPr lvl="1"/>
@@ -20198,6 +20462,7 @@
               <a:rPr lang="zh-TW" altLang="en-US"/>
               <a:t>第二層</a:t>
             </a:r>
+            <a:endParaRPr lang="zh-TW" altLang="en-US"/>
           </a:p>
           <a:p>
             <a:pPr lvl="2"/>
@@ -20205,6 +20470,7 @@
               <a:rPr lang="zh-TW" altLang="en-US"/>
               <a:t>第三層</a:t>
             </a:r>
+            <a:endParaRPr lang="zh-TW" altLang="en-US"/>
           </a:p>
           <a:p>
             <a:pPr lvl="3"/>
@@ -20212,6 +20478,7 @@
               <a:rPr lang="zh-TW" altLang="en-US"/>
               <a:t>第四層</a:t>
             </a:r>
+            <a:endParaRPr lang="zh-TW" altLang="en-US"/>
           </a:p>
           <a:p>
             <a:pPr lvl="4"/>
@@ -20219,6 +20486,7 @@
               <a:rPr lang="zh-TW" altLang="en-US"/>
               <a:t>第五層</a:t>
             </a:r>
+            <a:endParaRPr lang="zh-TW" altLang="en-US"/>
           </a:p>
         </p:txBody>
       </p:sp>
@@ -20257,7 +20525,6 @@
           <a:p>
             <a:fld id="{79EFF09E-4EA0-4518-A9E8-449DE34F8B74}" type="datetimeFigureOut">
               <a:rPr lang="zh-TW" altLang="en-US" smtClean="0"/>
-              <a:t>2025/12/19</a:t>
             </a:fld>
             <a:endParaRPr lang="zh-TW" altLang="en-US"/>
           </a:p>
@@ -20335,7 +20602,6 @@
           <a:p>
             <a:fld id="{9C4C9021-A16D-4E5C-A421-A5275F523D45}" type="slidenum">
               <a:rPr lang="zh-TW" altLang="en-US" smtClean="0"/>
-              <a:t>‹#›</a:t>
             </a:fld>
             <a:endParaRPr lang="zh-TW" altLang="en-US"/>
           </a:p>
@@ -20644,7 +20910,7 @@
           <p:nvPr/>
         </p:nvPicPr>
         <p:blipFill>
-          <a:blip r:embed="rId2">
+          <a:blip r:embed="rId1">
             <a:extLst>
               <a:ext uri="{28A0092B-C50C-407E-A947-70E740481C1C}">
                 <a14:useLocalDpi xmlns:a14="http://schemas.microsoft.com/office/drawing/2010/main" val="0"/>
@@ -20745,7 +21011,6 @@
                   <a:prstClr val="black"/>
                 </a:solidFill>
               </a:rPr>
-              <a:t>‹#›</a:t>
             </a:fld>
             <a:r>
               <a:rPr lang="zh-TW" altLang="en-US">
@@ -20950,6 +21215,7 @@
               <a:rPr lang="zh-TW" altLang="en-US"/>
               <a:t>按一下以編輯母片標題樣式</a:t>
             </a:r>
+            <a:endParaRPr lang="zh-TW" altLang="en-US"/>
           </a:p>
         </p:txBody>
       </p:sp>
@@ -21004,6 +21270,7 @@
               <a:rPr lang="zh-TW" altLang="en-US" dirty="0"/>
               <a:t>按一下以編輯母片</a:t>
             </a:r>
+            <a:endParaRPr lang="zh-TW" altLang="en-US" dirty="0"/>
           </a:p>
           <a:p>
             <a:pPr lvl="1"/>
@@ -21011,6 +21278,7 @@
               <a:rPr lang="zh-TW" altLang="en-US" dirty="0"/>
               <a:t>第二層</a:t>
             </a:r>
+            <a:endParaRPr lang="zh-TW" altLang="en-US" dirty="0"/>
           </a:p>
           <a:p>
             <a:pPr lvl="2"/>
@@ -21018,6 +21286,7 @@
               <a:rPr lang="zh-TW" altLang="en-US" dirty="0"/>
               <a:t>第三層</a:t>
             </a:r>
+            <a:endParaRPr lang="zh-TW" altLang="en-US" dirty="0"/>
           </a:p>
         </p:txBody>
       </p:sp>
@@ -21199,6 +21468,13 @@
               </a:rPr>
               <a:t>誠信  承諾  創新  合作</a:t>
             </a:r>
+            <a:endParaRPr lang="zh-TW" altLang="en-US" sz="975" b="1" dirty="0">
+              <a:solidFill>
+                <a:srgbClr val="808080"/>
+              </a:solidFill>
+              <a:latin typeface="微軟正黑體" panose="020B0604030504040204" pitchFamily="34" charset="-120"/>
+              <a:ea typeface="微軟正黑體" panose="020B0604030504040204" pitchFamily="34" charset="-120"/>
+            </a:endParaRPr>
           </a:p>
         </p:txBody>
       </p:sp>
@@ -21699,7 +21975,6 @@
             </a:pPr>
             <a:fld id="{A9CD9766-93A3-4E76-9B20-A4D620225CC1}" type="slidenum">
               <a:rPr lang="en-US" altLang="zh-TW"/>
-              <a:t>‹#›</a:t>
             </a:fld>
             <a:endParaRPr lang="en-US" altLang="zh-TW" dirty="0"/>
           </a:p>
@@ -21879,6 +22154,12 @@
               </a:rPr>
               <a:t>誠信  承諾  創新  合作</a:t>
             </a:r>
+            <a:endParaRPr lang="zh-TW" altLang="en-US" sz="1000">
+              <a:solidFill>
+                <a:schemeClr val="bg2"/>
+              </a:solidFill>
+              <a:latin typeface="標楷體" panose="03000509000000000000" pitchFamily="65" charset="-120"/>
+            </a:endParaRPr>
           </a:p>
         </p:txBody>
       </p:sp>
@@ -21989,7 +22270,7 @@
           <p:nvPr/>
         </p:nvPicPr>
         <p:blipFill>
-          <a:blip r:embed="rId14" cstate="print">
+          <a:blip r:embed="rId13" cstate="print">
             <a:extLst>
               <a:ext uri="{28A0092B-C50C-407E-A947-70E740481C1C}">
                 <a14:useLocalDpi xmlns:a14="http://schemas.microsoft.com/office/drawing/2010/main" val="0"/>
@@ -22095,6 +22376,7 @@
               <a:rPr lang="zh-TW" altLang="en-US" dirty="0"/>
               <a:t>按一下以編輯母片標題樣式</a:t>
             </a:r>
+            <a:endParaRPr lang="zh-TW" altLang="en-US" dirty="0"/>
           </a:p>
         </p:txBody>
       </p:sp>
@@ -22159,6 +22441,7 @@
               <a:rPr lang="zh-TW" altLang="en-US" dirty="0"/>
               <a:t>按一下以編輯母片</a:t>
             </a:r>
+            <a:endParaRPr lang="zh-TW" altLang="en-US" dirty="0"/>
           </a:p>
           <a:p>
             <a:pPr lvl="1"/>
@@ -22166,6 +22449,7 @@
               <a:rPr lang="zh-TW" altLang="en-US" dirty="0"/>
               <a:t>第二層</a:t>
             </a:r>
+            <a:endParaRPr lang="zh-TW" altLang="en-US" dirty="0"/>
           </a:p>
           <a:p>
             <a:pPr lvl="2"/>
@@ -22173,6 +22457,7 @@
               <a:rPr lang="zh-TW" altLang="en-US" dirty="0"/>
               <a:t>第三層</a:t>
             </a:r>
+            <a:endParaRPr lang="zh-TW" altLang="en-US" dirty="0"/>
           </a:p>
         </p:txBody>
       </p:sp>
@@ -22627,7 +22912,7 @@
           <p:nvPr/>
         </p:nvPicPr>
         <p:blipFill>
-          <a:blip r:embed="rId2">
+          <a:blip r:embed="rId1">
             <a:extLst>
               <a:ext uri="{28A0092B-C50C-407E-A947-70E740481C1C}">
                 <a14:useLocalDpi xmlns:a14="http://schemas.microsoft.com/office/drawing/2010/main" val="0"/>
@@ -22725,7 +23010,6 @@
                   <a:prstClr val="black"/>
                 </a:solidFill>
               </a:rPr>
-              <a:t>‹#›</a:t>
             </a:fld>
             <a:r>
               <a:rPr lang="zh-TW" altLang="en-US">
@@ -22930,6 +23214,7 @@
               <a:rPr lang="zh-TW" altLang="en-US"/>
               <a:t>按一下以編輯母片標題樣式</a:t>
             </a:r>
+            <a:endParaRPr lang="zh-TW" altLang="en-US"/>
           </a:p>
         </p:txBody>
       </p:sp>
@@ -22984,6 +23269,7 @@
               <a:rPr lang="zh-TW" altLang="en-US" dirty="0"/>
               <a:t>按一下以編輯母片</a:t>
             </a:r>
+            <a:endParaRPr lang="zh-TW" altLang="en-US" dirty="0"/>
           </a:p>
           <a:p>
             <a:pPr lvl="1"/>
@@ -22991,6 +23277,7 @@
               <a:rPr lang="zh-TW" altLang="en-US" dirty="0"/>
               <a:t>第二層</a:t>
             </a:r>
+            <a:endParaRPr lang="zh-TW" altLang="en-US" dirty="0"/>
           </a:p>
           <a:p>
             <a:pPr lvl="2"/>
@@ -22998,6 +23285,7 @@
               <a:rPr lang="zh-TW" altLang="en-US" dirty="0"/>
               <a:t>第三層</a:t>
             </a:r>
+            <a:endParaRPr lang="zh-TW" altLang="en-US" dirty="0"/>
           </a:p>
         </p:txBody>
       </p:sp>
@@ -23179,6 +23467,13 @@
               </a:rPr>
               <a:t>誠信  承諾  創新  合作</a:t>
             </a:r>
+            <a:endParaRPr lang="zh-TW" altLang="en-US" sz="975" b="1" dirty="0">
+              <a:solidFill>
+                <a:srgbClr val="808080"/>
+              </a:solidFill>
+              <a:latin typeface="微軟正黑體" panose="020B0604030504040204" pitchFamily="34" charset="-120"/>
+              <a:ea typeface="微軟正黑體" panose="020B0604030504040204" pitchFamily="34" charset="-120"/>
+            </a:endParaRPr>
           </a:p>
         </p:txBody>
       </p:sp>
@@ -23617,7 +23912,7 @@
           <p:nvPr/>
         </p:nvPicPr>
         <p:blipFill>
-          <a:blip r:embed="rId2">
+          <a:blip r:embed="rId1">
             <a:extLst>
               <a:ext uri="{28A0092B-C50C-407E-A947-70E740481C1C}">
                 <a14:useLocalDpi xmlns:a14="http://schemas.microsoft.com/office/drawing/2010/main" val="0"/>
@@ -23715,7 +24010,6 @@
                   <a:prstClr val="black"/>
                 </a:solidFill>
               </a:rPr>
-              <a:t>‹#›</a:t>
             </a:fld>
             <a:r>
               <a:rPr lang="zh-TW" altLang="en-US">
@@ -23920,6 +24214,7 @@
               <a:rPr lang="zh-TW" altLang="en-US"/>
               <a:t>按一下以編輯母片標題樣式</a:t>
             </a:r>
+            <a:endParaRPr lang="zh-TW" altLang="en-US"/>
           </a:p>
         </p:txBody>
       </p:sp>
@@ -23974,6 +24269,7 @@
               <a:rPr lang="zh-TW" altLang="en-US" dirty="0"/>
               <a:t>按一下以編輯母片</a:t>
             </a:r>
+            <a:endParaRPr lang="zh-TW" altLang="en-US" dirty="0"/>
           </a:p>
           <a:p>
             <a:pPr lvl="1"/>
@@ -23981,6 +24277,7 @@
               <a:rPr lang="zh-TW" altLang="en-US" dirty="0"/>
               <a:t>第二層</a:t>
             </a:r>
+            <a:endParaRPr lang="zh-TW" altLang="en-US" dirty="0"/>
           </a:p>
           <a:p>
             <a:pPr lvl="2"/>
@@ -23988,6 +24285,7 @@
               <a:rPr lang="zh-TW" altLang="en-US" dirty="0"/>
               <a:t>第三層</a:t>
             </a:r>
+            <a:endParaRPr lang="zh-TW" altLang="en-US" dirty="0"/>
           </a:p>
         </p:txBody>
       </p:sp>
@@ -24169,6 +24467,13 @@
               </a:rPr>
               <a:t>誠信  承諾  創新  合作</a:t>
             </a:r>
+            <a:endParaRPr lang="zh-TW" altLang="en-US" sz="975" b="1" dirty="0">
+              <a:solidFill>
+                <a:srgbClr val="808080"/>
+              </a:solidFill>
+              <a:latin typeface="微軟正黑體" panose="020B0604030504040204" pitchFamily="34" charset="-120"/>
+              <a:ea typeface="微軟正黑體" panose="020B0604030504040204" pitchFamily="34" charset="-120"/>
+            </a:endParaRPr>
           </a:p>
         </p:txBody>
       </p:sp>
@@ -24617,7 +24922,7 @@
             </a:r>
             <a:r>
               <a:rPr lang="en-US" altLang="zh-TW" sz="2500" dirty="0"/>
-              <a:t>USD SOFR IRS pay 6mth, rec 18mth</a:t>
+              <a:t>USD SOFR IRS 6M/18M Flatten</a:t>
             </a:r>
             <a:endParaRPr lang="zh-TW" altLang="en-US" sz="2500" dirty="0"/>
           </a:p>
@@ -24670,7 +24975,7 @@
         <p:spPr>
           <a:xfrm>
             <a:off x="226060" y="967135"/>
-            <a:ext cx="8460740" cy="318801"/>
+            <a:ext cx="8460740" cy="332851"/>
           </a:xfrm>
           <a:prstGeom prst="roundRect">
             <a:avLst/>
@@ -24702,86 +25007,32 @@
               <a:defRPr/>
             </a:pPr>
             <a:r>
-              <a:rPr kumimoji="0" lang="zh-TW" altLang="en-US" sz="1400" b="1" dirty="0">
+              <a:rPr kumimoji="0" sz="1400" b="1" dirty="0">
                 <a:solidFill>
                   <a:srgbClr val="FFFFFF"/>
                 </a:solidFill>
                 <a:latin typeface="微軟正黑體" panose="020B0604030504040204" pitchFamily="34" charset="-120"/>
                 <a:ea typeface="微軟正黑體" panose="020B0604030504040204" pitchFamily="34" charset="-120"/>
               </a:rPr>
-              <a:t>央行貨幣政策轉偏寬鬆</a:t>
-            </a:r>
-            <a:r>
-              <a:rPr kumimoji="0" lang="en-US" altLang="zh-TW" sz="1400" b="1" dirty="0">
+              <a:t>Powell 時代 (2026/01-05) </a:t>
+            </a:r>
+            <a:r>
+              <a:rPr kumimoji="0" lang="en-US" sz="1400" b="1" dirty="0">
                 <a:solidFill>
                   <a:srgbClr val="FFFFFF"/>
                 </a:solidFill>
                 <a:latin typeface="微軟正黑體" panose="020B0604030504040204" pitchFamily="34" charset="-120"/>
                 <a:ea typeface="微軟正黑體" panose="020B0604030504040204" pitchFamily="34" charset="-120"/>
               </a:rPr>
-              <a:t>+</a:t>
-            </a:r>
-            <a:r>
-              <a:rPr kumimoji="0" lang="zh-TW" altLang="en-US" sz="1400" b="1" dirty="0">
-                <a:solidFill>
-                  <a:srgbClr val="FFFFFF"/>
-                </a:solidFill>
-                <a:latin typeface="微軟正黑體" panose="020B0604030504040204" pitchFamily="34" charset="-120"/>
-                <a:ea typeface="微軟正黑體" panose="020B0604030504040204" pitchFamily="34" charset="-120"/>
-              </a:rPr>
-              <a:t>台債籌碼面優勢，</a:t>
-            </a:r>
-            <a:r>
-              <a:rPr kumimoji="0" lang="zh-TW" altLang="en-US" sz="1400" b="1" i="0" u="none" strike="noStrike" kern="1200" cap="none" spc="0" normalizeH="0" baseline="0" noProof="0" dirty="0">
-                <a:ln>
-                  <a:noFill/>
-                </a:ln>
-                <a:solidFill>
-                  <a:srgbClr val="FFFFFF"/>
-                </a:solidFill>
-                <a:effectLst/>
-                <a:uLnTx/>
-                <a:uFillTx/>
-                <a:latin typeface="微軟正黑體" panose="020B0604030504040204" pitchFamily="34" charset="-120"/>
-                <a:ea typeface="微軟正黑體" panose="020B0604030504040204" pitchFamily="34" charset="-120"/>
-                <a:cs typeface="+mn-cs"/>
-              </a:rPr>
-              <a:t>預估</a:t>
-            </a:r>
-            <a:r>
-              <a:rPr kumimoji="0" lang="en-US" altLang="zh-TW" sz="1400" b="1" i="0" u="none" strike="noStrike" kern="1200" cap="none" spc="0" normalizeH="0" baseline="0" noProof="0" dirty="0">
-                <a:ln>
-                  <a:noFill/>
-                </a:ln>
-                <a:solidFill>
-                  <a:srgbClr val="FFFFFF"/>
-                </a:solidFill>
-                <a:effectLst/>
-                <a:uLnTx/>
-                <a:uFillTx/>
-                <a:latin typeface="微軟正黑體" panose="020B0604030504040204" pitchFamily="34" charset="-120"/>
-                <a:ea typeface="微軟正黑體" panose="020B0604030504040204" pitchFamily="34" charset="-120"/>
-                <a:cs typeface="+mn-cs"/>
-              </a:rPr>
-              <a:t>2025Q4-2026Q1</a:t>
-            </a:r>
-            <a:r>
-              <a:rPr kumimoji="0" lang="zh-TW" altLang="en-US" sz="1400" b="1" i="0" u="none" strike="noStrike" kern="1200" cap="none" spc="0" normalizeH="0" baseline="0" noProof="0" dirty="0">
-                <a:ln>
-                  <a:noFill/>
-                </a:ln>
-                <a:solidFill>
-                  <a:srgbClr val="FFFFFF"/>
-                </a:solidFill>
-                <a:effectLst/>
-                <a:uLnTx/>
-                <a:uFillTx/>
-                <a:latin typeface="微軟正黑體" panose="020B0604030504040204" pitchFamily="34" charset="-120"/>
-                <a:ea typeface="微軟正黑體" panose="020B0604030504040204" pitchFamily="34" charset="-120"/>
-                <a:cs typeface="+mn-cs"/>
-              </a:rPr>
-              <a:t>錢多券少</a:t>
-            </a:r>
+              <a:t>vs 新主席時代 (2026/06-)</a:t>
+            </a:r>
+            <a:endParaRPr kumimoji="0" lang="en-US" sz="1400" b="1" dirty="0">
+              <a:solidFill>
+                <a:srgbClr val="FFFFFF"/>
+              </a:solidFill>
+              <a:latin typeface="微軟正黑體" panose="020B0604030504040204" pitchFamily="34" charset="-120"/>
+              <a:ea typeface="微軟正黑體" panose="020B0604030504040204" pitchFamily="34" charset="-120"/>
+            </a:endParaRPr>
           </a:p>
         </p:txBody>
       </p:sp>
@@ -24980,61 +25231,93 @@
           </a:p>
           <a:p>
             <a:r>
+              <a:rPr lang="en-US" altLang="zh-TW" sz="2000" dirty="0">
+                <a:latin typeface="+mj-ea"/>
+                <a:ea typeface="+mj-ea"/>
+              </a:rPr>
+              <a:t>pay 6mth IRS</a:t>
+            </a:r>
+            <a:r>
               <a:rPr lang="zh-TW" altLang="en-US" sz="2000" dirty="0">
                 <a:latin typeface="+mj-ea"/>
                 <a:ea typeface="+mj-ea"/>
               </a:rPr>
-              <a:t>錢多</a:t>
-            </a:r>
-            <a:endParaRPr lang="en-US" altLang="zh-TW" sz="2000" dirty="0">
-              <a:latin typeface="+mj-ea"/>
-              <a:ea typeface="+mj-ea"/>
-            </a:endParaRPr>
-          </a:p>
-          <a:p>
-            <a:pPr lvl="1"/>
-            <a:r>
-              <a:rPr lang="en-US" altLang="zh-TW" sz="1600" dirty="0">
+              <a:t>：近期</a:t>
+            </a:r>
+            <a:r>
+              <a:rPr lang="en-US" altLang="zh-TW" sz="2000" dirty="0">
                 <a:latin typeface="+mj-ea"/>
                 <a:ea typeface="+mj-ea"/>
               </a:rPr>
-              <a:t>Q3</a:t>
-            </a:r>
-            <a:r>
-              <a:rPr lang="zh-TW" altLang="en-US" sz="1600" dirty="0">
-                <a:latin typeface="+mj-ea"/>
-                <a:ea typeface="+mj-ea"/>
-              </a:rPr>
-              <a:t>央行理監事會議：貨幣政策基調是“適度的讓資金充裕”</a:t>
-            </a:r>
-            <a:endParaRPr lang="en-US" altLang="zh-TW" sz="1600" dirty="0">
-              <a:latin typeface="+mj-ea"/>
-              <a:ea typeface="+mj-ea"/>
-            </a:endParaRPr>
-          </a:p>
-          <a:p>
-            <a:pPr marL="457200" lvl="1" indent="0">
-              <a:buNone/>
-            </a:pPr>
-            <a:r>
-              <a:rPr lang="zh-TW" altLang="en-US" sz="1600" dirty="0">
-                <a:latin typeface="+mj-ea"/>
-                <a:ea typeface="+mj-ea"/>
-              </a:rPr>
-              <a:t>      透過公開市場操作，減發定存單釋出資金</a:t>
-            </a:r>
-            <a:endParaRPr lang="en-US" altLang="zh-TW" sz="1600" dirty="0">
-              <a:latin typeface="+mj-ea"/>
-              <a:ea typeface="+mj-ea"/>
-            </a:endParaRPr>
-          </a:p>
-          <a:p>
+              <a:t>Fed</a:t>
+            </a:r>
             <a:r>
               <a:rPr lang="zh-TW" altLang="en-US" sz="2000" dirty="0">
                 <a:latin typeface="+mj-ea"/>
                 <a:ea typeface="+mj-ea"/>
               </a:rPr>
-              <a:t>券少</a:t>
+              <a:t>分歧加大、態度</a:t>
+            </a:r>
+            <a:r>
+              <a:rPr lang="zh-TW" altLang="en-US" sz="2000" dirty="0">
+                <a:latin typeface="+mj-ea"/>
+                <a:ea typeface="+mj-ea"/>
+              </a:rPr>
+              <a:t>謹慎</a:t>
+            </a:r>
+            <a:endParaRPr lang="zh-TW" altLang="en-US" sz="2000" dirty="0">
+              <a:latin typeface="+mj-ea"/>
+              <a:ea typeface="+mj-ea"/>
+            </a:endParaRPr>
+          </a:p>
+          <a:p>
+            <a:r>
+              <a:rPr lang="en-US" altLang="zh-TW" sz="2000" dirty="0">
+                <a:latin typeface="+mj-ea"/>
+                <a:ea typeface="+mj-ea"/>
+              </a:rPr>
+              <a:t>rec 18mth IRS</a:t>
+            </a:r>
+            <a:r>
+              <a:rPr lang="zh-TW" altLang="en-US" sz="2000" dirty="0">
+                <a:latin typeface="+mj-ea"/>
+                <a:ea typeface="+mj-ea"/>
+              </a:rPr>
+              <a:t>：</a:t>
+            </a:r>
+            <a:r>
+              <a:rPr lang="en-US" altLang="zh-TW" sz="2000" dirty="0">
+                <a:latin typeface="+mj-ea"/>
+                <a:ea typeface="+mj-ea"/>
+              </a:rPr>
+              <a:t>2026/06</a:t>
+            </a:r>
+            <a:r>
+              <a:rPr lang="zh-TW" altLang="en-US" sz="2000" dirty="0">
+                <a:latin typeface="+mj-ea"/>
+                <a:ea typeface="+mj-ea"/>
+              </a:rPr>
+              <a:t>後中性</a:t>
+            </a:r>
+            <a:r>
+              <a:rPr lang="zh-TW" altLang="en-US" sz="2000" dirty="0">
+                <a:latin typeface="+mj-ea"/>
+                <a:ea typeface="+mj-ea"/>
+              </a:rPr>
+              <a:t>偏鴿</a:t>
+            </a:r>
+            <a:endParaRPr lang="zh-TW" altLang="en-US" sz="2000" dirty="0">
+              <a:latin typeface="+mj-ea"/>
+              <a:ea typeface="+mj-ea"/>
+            </a:endParaRPr>
+          </a:p>
+          <a:p>
+            <a:r>
+              <a:rPr lang="en-US" altLang="zh-TW" sz="2000" dirty="0">
+                <a:latin typeface="+mj-ea"/>
+                <a:ea typeface="+mj-ea"/>
+              </a:rPr>
+              <a:t>USD SOFR IRS Curve</a:t>
             </a:r>
             <a:endParaRPr lang="en-US" altLang="zh-TW" sz="2000" dirty="0">
               <a:latin typeface="+mj-ea"/>
@@ -25064,6 +25347,10 @@
               </a:rPr>
               <a:t>3.58%</a:t>
             </a:r>
+            <a:endParaRPr lang="en-US" altLang="zh-TW" sz="1600" dirty="0">
+              <a:latin typeface="+mj-ea"/>
+              <a:ea typeface="+mj-ea"/>
+            </a:endParaRPr>
           </a:p>
           <a:p>
             <a:pPr lvl="1"/>
@@ -25072,7 +25359,7 @@
                 <a:latin typeface="+mj-ea"/>
                 <a:ea typeface="+mj-ea"/>
               </a:rPr>
-              <a:t>1.5yr</a:t>
+              <a:t>18mth</a:t>
             </a:r>
             <a:r>
               <a:rPr lang="zh-TW" altLang="en-US" sz="1600" dirty="0">
@@ -25088,6 +25375,10 @@
               </a:rPr>
               <a:t>3.32%</a:t>
             </a:r>
+            <a:endParaRPr lang="en-US" altLang="zh-TW" sz="1600" dirty="0">
+              <a:latin typeface="+mj-ea"/>
+              <a:ea typeface="+mj-ea"/>
+            </a:endParaRPr>
           </a:p>
           <a:p>
             <a:pPr lvl="1"/>
@@ -25122,20 +25413,14 @@
       </p:sp>
       <p:pic>
         <p:nvPicPr>
-          <p:cNvPr id="6" name="圖片 5">
-            <a:extLst>
-              <a:ext uri="{FF2B5EF4-FFF2-40B4-BE49-F238E27FC236}">
-                <a16:creationId xmlns:a16="http://schemas.microsoft.com/office/drawing/2014/main" id="{622D67C8-B625-4C24-B7C0-25DA8301D1FA}"/>
-              </a:ext>
-            </a:extLst>
-          </p:cNvPr>
+          <p:cNvPr id="6" name="圖片 5"/>
           <p:cNvPicPr>
             <a:picLocks noChangeAspect="1"/>
           </p:cNvPicPr>
           <p:nvPr/>
         </p:nvPicPr>
         <p:blipFill>
-          <a:blip r:embed="rId2">
+          <a:blip r:embed="rId1">
             <a:extLst>
               <a:ext uri="{28A0092B-C50C-407E-A947-70E740481C1C}">
                 <a14:useLocalDpi xmlns:a14="http://schemas.microsoft.com/office/drawing/2010/main" val="0"/>
@@ -25148,692 +25433,31 @@
         </p:blipFill>
         <p:spPr>
           <a:xfrm>
-            <a:off x="0" y="3212975"/>
-            <a:ext cx="9144000" cy="3645025"/>
+            <a:off x="3815080" y="3213100"/>
+            <a:ext cx="5337810" cy="3644900"/>
           </a:xfrm>
           <a:prstGeom prst="rect">
             <a:avLst/>
           </a:prstGeom>
         </p:spPr>
       </p:pic>
-    </p:spTree>
-    <p:extLst>
-      <p:ext uri="{BB962C8B-B14F-4D97-AF65-F5344CB8AC3E}">
-        <p14:creationId xmlns:p14="http://schemas.microsoft.com/office/powerpoint/2010/main" val="4027034306"/>
-      </p:ext>
-    </p:extLst>
-  </p:cSld>
-  <p:clrMapOvr>
-    <a:masterClrMapping/>
-  </p:clrMapOvr>
-</p:sld>
-</file>
-
-<file path=ppt/slides/slide2.xml><?xml version="1.0" encoding="utf-8"?>
-<p:sld xmlns:a="http://schemas.openxmlformats.org/drawingml/2006/main" xmlns:r="http://schemas.openxmlformats.org/officeDocument/2006/relationships" xmlns:p="http://schemas.openxmlformats.org/presentationml/2006/main">
-  <p:cSld>
-    <p:spTree>
-      <p:nvGrpSpPr>
-        <p:cNvPr id="1" name=""/>
-        <p:cNvGrpSpPr/>
-        <p:nvPr/>
-      </p:nvGrpSpPr>
-      <p:grpSpPr>
-        <a:xfrm>
-          <a:off x="0" y="0"/>
-          <a:ext cx="0" cy="0"/>
-          <a:chOff x="0" y="0"/>
-          <a:chExt cx="0" cy="0"/>
-        </a:xfrm>
-      </p:grpSpPr>
-      <p:sp>
-        <p:nvSpPr>
-          <p:cNvPr id="2" name="標題 1"/>
-          <p:cNvSpPr>
-            <a:spLocks noGrp="1"/>
-          </p:cNvSpPr>
-          <p:nvPr>
-            <p:ph type="title"/>
-          </p:nvPr>
-        </p:nvSpPr>
-        <p:spPr>
-          <a:xfrm>
-            <a:off x="611188" y="188640"/>
-            <a:ext cx="8075612" cy="719410"/>
-          </a:xfrm>
-        </p:spPr>
-        <p:txBody>
-          <a:bodyPr/>
-          <a:lstStyle/>
-          <a:p>
-            <a:pPr marL="984250" indent="-984250"/>
-            <a:r>
-              <a:rPr lang="zh-TW" altLang="en-US" sz="2500" dirty="0"/>
-              <a:t>預計未來半年錢多券少，台債操作上增持</a:t>
-            </a:r>
-            <a:r>
-              <a:rPr lang="en-US" altLang="zh-TW" sz="2500" dirty="0"/>
-              <a:t>20~30Y</a:t>
-            </a:r>
-            <a:r>
-              <a:rPr lang="zh-TW" altLang="en-US" sz="2500" dirty="0"/>
-              <a:t>長券</a:t>
-            </a:r>
-          </a:p>
-        </p:txBody>
-      </p:sp>
-      <p:sp>
-        <p:nvSpPr>
-          <p:cNvPr id="3" name="內容版面配置區 2"/>
-          <p:cNvSpPr>
-            <a:spLocks noGrp="1"/>
-          </p:cNvSpPr>
-          <p:nvPr>
-            <p:ph idx="1"/>
-          </p:nvPr>
-        </p:nvSpPr>
-        <p:spPr>
-          <a:xfrm>
-            <a:off x="534194" y="1412776"/>
-            <a:ext cx="8075612" cy="3168352"/>
-          </a:xfrm>
-        </p:spPr>
-        <p:txBody>
-          <a:bodyPr/>
-          <a:lstStyle/>
-          <a:p>
-            <a:endParaRPr lang="zh-TW" altLang="zh-TW" sz="2000" dirty="0">
-              <a:effectLst/>
-              <a:latin typeface="+mj-ea"/>
-              <a:ea typeface="+mj-ea"/>
-              <a:cs typeface="新細明體" panose="02020500000000000000" charset="-120"/>
-            </a:endParaRPr>
-          </a:p>
-          <a:p>
-            <a:pPr marL="0" indent="0">
-              <a:buNone/>
-            </a:pPr>
-            <a:endParaRPr lang="en-US" altLang="zh-TW" sz="2000" dirty="0"/>
-          </a:p>
-          <a:p>
-            <a:endParaRPr lang="zh-TW" altLang="en-US" sz="2000" dirty="0"/>
-          </a:p>
-        </p:txBody>
-      </p:sp>
-      <p:sp>
-        <p:nvSpPr>
-          <p:cNvPr id="12" name="內容版面配置區 2"/>
-          <p:cNvSpPr>
-            <a:spLocks noGrp="1"/>
-          </p:cNvSpPr>
-          <p:nvPr/>
-        </p:nvSpPr>
-        <p:spPr>
-          <a:xfrm>
-            <a:off x="166147" y="1197422"/>
-            <a:ext cx="8811706" cy="1223466"/>
-          </a:xfrm>
-          <a:prstGeom prst="rect">
-            <a:avLst/>
-          </a:prstGeom>
-          <a:noFill/>
-          <a:ln>
-            <a:noFill/>
-          </a:ln>
-          <a:effectLst/>
-        </p:spPr>
-        <p:txBody>
-          <a:bodyPr vert="horz" wrap="square" lIns="91421" tIns="45710" rIns="91421" bIns="45710" numCol="1" anchor="t" anchorCtr="0" compatLnSpc="1"/>
-          <a:lstStyle>
-            <a:lvl1pPr marL="342900" indent="-342900" algn="l" rtl="0" eaLnBrk="0" fontAlgn="base" hangingPunct="0">
-              <a:spcBef>
-                <a:spcPct val="20000"/>
-              </a:spcBef>
-              <a:spcAft>
-                <a:spcPct val="0"/>
-              </a:spcAft>
-              <a:buClr>
-                <a:srgbClr val="FF3300"/>
-              </a:buClr>
-              <a:buFont typeface="Wingdings" panose="05000000000000000000" pitchFamily="2" charset="2"/>
-              <a:buChar char="n"/>
-              <a:defRPr kumimoji="1" sz="2400" b="1">
-                <a:solidFill>
-                  <a:schemeClr val="tx1"/>
-                </a:solidFill>
-                <a:latin typeface="微軟正黑體" panose="020B0604030504040204" pitchFamily="34" charset="-120"/>
-                <a:ea typeface="微軟正黑體" panose="020B0604030504040204" pitchFamily="34" charset="-120"/>
-                <a:cs typeface="Arial" panose="020B0604020202020204" pitchFamily="34" charset="0"/>
-              </a:defRPr>
-            </a:lvl1pPr>
-            <a:lvl2pPr marL="742950" indent="-285750" algn="l" rtl="0" eaLnBrk="0" fontAlgn="base" hangingPunct="0">
-              <a:spcBef>
-                <a:spcPct val="20000"/>
-              </a:spcBef>
-              <a:spcAft>
-                <a:spcPct val="0"/>
-              </a:spcAft>
-              <a:buClr>
-                <a:srgbClr val="FF3300"/>
-              </a:buClr>
-              <a:buFont typeface="Wingdings" panose="05000000000000000000" pitchFamily="2" charset="2"/>
-              <a:buChar char="n"/>
-              <a:defRPr kumimoji="1" sz="2000" b="1">
-                <a:solidFill>
-                  <a:schemeClr val="tx1"/>
-                </a:solidFill>
-                <a:latin typeface="微軟正黑體" panose="020B0604030504040204" pitchFamily="34" charset="-120"/>
-                <a:ea typeface="微軟正黑體" panose="020B0604030504040204" pitchFamily="34" charset="-120"/>
-                <a:cs typeface="Arial" panose="020B0604020202020204" pitchFamily="34" charset="0"/>
-              </a:defRPr>
-            </a:lvl2pPr>
-            <a:lvl3pPr marL="1143000" indent="-228600" algn="l" rtl="0" eaLnBrk="0" fontAlgn="base" hangingPunct="0">
-              <a:spcBef>
-                <a:spcPct val="20000"/>
-              </a:spcBef>
-              <a:spcAft>
-                <a:spcPct val="0"/>
-              </a:spcAft>
-              <a:buClr>
-                <a:srgbClr val="FF3300"/>
-              </a:buClr>
-              <a:buFont typeface="Wingdings" panose="05000000000000000000" pitchFamily="2" charset="2"/>
-              <a:buChar char="n"/>
-              <a:defRPr kumimoji="1" b="1">
-                <a:solidFill>
-                  <a:schemeClr val="tx1"/>
-                </a:solidFill>
-                <a:latin typeface="微軟正黑體" panose="020B0604030504040204" pitchFamily="34" charset="-120"/>
-                <a:ea typeface="微軟正黑體" panose="020B0604030504040204" pitchFamily="34" charset="-120"/>
-                <a:cs typeface="Arial" panose="020B0604020202020204" pitchFamily="34" charset="0"/>
-              </a:defRPr>
-            </a:lvl3pPr>
-            <a:lvl4pPr marL="1600200" indent="-228600" algn="l" rtl="0" eaLnBrk="0" fontAlgn="base" hangingPunct="0">
-              <a:spcBef>
-                <a:spcPct val="20000"/>
-              </a:spcBef>
-              <a:spcAft>
-                <a:spcPct val="0"/>
-              </a:spcAft>
-              <a:buChar char="–"/>
-              <a:defRPr kumimoji="1" sz="2000">
-                <a:solidFill>
-                  <a:schemeClr val="tx1"/>
-                </a:solidFill>
-                <a:latin typeface="微軟正黑體" panose="020B0604030504040204" pitchFamily="34" charset="-120"/>
-                <a:ea typeface="微軟正黑體" panose="020B0604030504040204" pitchFamily="34" charset="-120"/>
-                <a:cs typeface="Arial" panose="020B0604020202020204" pitchFamily="34" charset="0"/>
-              </a:defRPr>
-            </a:lvl4pPr>
-            <a:lvl5pPr marL="2057400" indent="-228600" algn="l" rtl="0" eaLnBrk="0" fontAlgn="base" hangingPunct="0">
-              <a:spcBef>
-                <a:spcPct val="20000"/>
-              </a:spcBef>
-              <a:spcAft>
-                <a:spcPct val="0"/>
-              </a:spcAft>
-              <a:buChar char="»"/>
-              <a:defRPr kumimoji="1" sz="2000">
-                <a:solidFill>
-                  <a:schemeClr val="tx1"/>
-                </a:solidFill>
-                <a:latin typeface="微軟正黑體" panose="020B0604030504040204" pitchFamily="34" charset="-120"/>
-                <a:ea typeface="微軟正黑體" panose="020B0604030504040204" pitchFamily="34" charset="-120"/>
-                <a:cs typeface="Arial" panose="020B0604020202020204" pitchFamily="34" charset="0"/>
-              </a:defRPr>
-            </a:lvl5pPr>
-            <a:lvl6pPr marL="2514600" indent="-228600" algn="l" rtl="0" fontAlgn="base">
-              <a:spcBef>
-                <a:spcPct val="20000"/>
-              </a:spcBef>
-              <a:spcAft>
-                <a:spcPct val="0"/>
-              </a:spcAft>
-              <a:buChar char="»"/>
-              <a:defRPr kumimoji="1" sz="2000">
-                <a:solidFill>
-                  <a:schemeClr val="tx1"/>
-                </a:solidFill>
-                <a:latin typeface="+mn-lt"/>
-                <a:ea typeface="新細明體" panose="02020500000000000000" charset="-120"/>
-              </a:defRPr>
-            </a:lvl6pPr>
-            <a:lvl7pPr marL="2971800" indent="-228600" algn="l" rtl="0" fontAlgn="base">
-              <a:spcBef>
-                <a:spcPct val="20000"/>
-              </a:spcBef>
-              <a:spcAft>
-                <a:spcPct val="0"/>
-              </a:spcAft>
-              <a:buChar char="»"/>
-              <a:defRPr kumimoji="1" sz="2000">
-                <a:solidFill>
-                  <a:schemeClr val="tx1"/>
-                </a:solidFill>
-                <a:latin typeface="+mn-lt"/>
-                <a:ea typeface="新細明體" panose="02020500000000000000" charset="-120"/>
-              </a:defRPr>
-            </a:lvl7pPr>
-            <a:lvl8pPr marL="3429000" indent="-228600" algn="l" rtl="0" fontAlgn="base">
-              <a:spcBef>
-                <a:spcPct val="20000"/>
-              </a:spcBef>
-              <a:spcAft>
-                <a:spcPct val="0"/>
-              </a:spcAft>
-              <a:buChar char="»"/>
-              <a:defRPr kumimoji="1" sz="2000">
-                <a:solidFill>
-                  <a:schemeClr val="tx1"/>
-                </a:solidFill>
-                <a:latin typeface="+mn-lt"/>
-                <a:ea typeface="新細明體" panose="02020500000000000000" charset="-120"/>
-              </a:defRPr>
-            </a:lvl8pPr>
-            <a:lvl9pPr marL="3886200" indent="-228600" algn="l" rtl="0" fontAlgn="base">
-              <a:spcBef>
-                <a:spcPct val="20000"/>
-              </a:spcBef>
-              <a:spcAft>
-                <a:spcPct val="0"/>
-              </a:spcAft>
-              <a:buChar char="»"/>
-              <a:defRPr kumimoji="1" sz="2000">
-                <a:solidFill>
-                  <a:schemeClr val="tx1"/>
-                </a:solidFill>
-                <a:latin typeface="+mn-lt"/>
-                <a:ea typeface="新細明體" panose="02020500000000000000" charset="-120"/>
-              </a:defRPr>
-            </a:lvl9pPr>
-          </a:lstStyle>
-          <a:p>
-            <a:r>
-              <a:rPr lang="zh-TW" altLang="en-US" sz="2000" dirty="0">
-                <a:latin typeface="+mj-ea"/>
-                <a:ea typeface="+mj-ea"/>
-              </a:rPr>
-              <a:t>根據內外部環境，預估台灣央行無升息風險</a:t>
-            </a:r>
-            <a:endParaRPr lang="en-US" altLang="zh-TW" sz="2000" dirty="0">
-              <a:latin typeface="+mj-ea"/>
-              <a:ea typeface="+mj-ea"/>
-            </a:endParaRPr>
-          </a:p>
-          <a:p>
-            <a:pPr lvl="1"/>
-            <a:r>
-              <a:rPr lang="zh-TW" altLang="en-US" sz="1600" dirty="0">
-                <a:latin typeface="+mj-ea"/>
-                <a:ea typeface="+mj-ea"/>
-              </a:rPr>
-              <a:t>美國開啟新一輪降息：市場預期至</a:t>
-            </a:r>
-            <a:r>
-              <a:rPr lang="en-US" altLang="zh-TW" sz="1600" dirty="0">
-                <a:latin typeface="+mj-ea"/>
-                <a:ea typeface="+mj-ea"/>
-              </a:rPr>
-              <a:t>2026</a:t>
-            </a:r>
-            <a:r>
-              <a:rPr lang="zh-TW" altLang="en-US" sz="1600" dirty="0">
-                <a:latin typeface="+mj-ea"/>
-                <a:ea typeface="+mj-ea"/>
-              </a:rPr>
-              <a:t>年底再降</a:t>
-            </a:r>
-            <a:r>
-              <a:rPr lang="en-US" altLang="zh-TW" sz="1600" dirty="0">
-                <a:latin typeface="+mj-ea"/>
-                <a:ea typeface="+mj-ea"/>
-              </a:rPr>
-              <a:t>4~5</a:t>
-            </a:r>
-            <a:r>
-              <a:rPr lang="zh-TW" altLang="en-US" sz="1600" dirty="0">
-                <a:latin typeface="+mj-ea"/>
-                <a:ea typeface="+mj-ea"/>
-              </a:rPr>
-              <a:t>碼</a:t>
-            </a:r>
-            <a:endParaRPr lang="en-US" altLang="zh-TW" sz="2000" dirty="0">
-              <a:latin typeface="+mj-ea"/>
-              <a:ea typeface="+mj-ea"/>
-            </a:endParaRPr>
-          </a:p>
-          <a:p>
-            <a:pPr lvl="1"/>
-            <a:endParaRPr lang="en-US" altLang="zh-TW" sz="1600" dirty="0">
-              <a:latin typeface="+mj-ea"/>
-              <a:ea typeface="+mj-ea"/>
-            </a:endParaRPr>
-          </a:p>
-          <a:p>
-            <a:pPr lvl="1"/>
-            <a:r>
-              <a:rPr lang="en-US" altLang="zh-TW" sz="1600" dirty="0">
-                <a:latin typeface="+mj-ea"/>
-                <a:ea typeface="+mj-ea"/>
-              </a:rPr>
-              <a:t>11/11</a:t>
-            </a:r>
-            <a:r>
-              <a:rPr lang="zh-TW" altLang="en-US" sz="1600" dirty="0">
-                <a:latin typeface="+mj-ea"/>
-                <a:ea typeface="+mj-ea"/>
-              </a:rPr>
-              <a:t> </a:t>
-            </a:r>
-            <a:r>
-              <a:rPr lang="en-US" altLang="zh-TW" sz="1600" dirty="0">
-                <a:latin typeface="+mj-ea"/>
-                <a:ea typeface="+mj-ea"/>
-              </a:rPr>
-              <a:t>30</a:t>
-            </a:r>
-            <a:r>
-              <a:rPr lang="zh-TW" altLang="en-US" sz="1600" dirty="0">
-                <a:latin typeface="+mj-ea"/>
-                <a:ea typeface="+mj-ea"/>
-              </a:rPr>
-              <a:t>年券標售前後增持</a:t>
-            </a:r>
-            <a:r>
-              <a:rPr lang="en-US" altLang="zh-TW" sz="1600" dirty="0">
-                <a:latin typeface="+mj-ea"/>
-                <a:ea typeface="+mj-ea"/>
-              </a:rPr>
-              <a:t>20~30Y</a:t>
-            </a:r>
-            <a:r>
-              <a:rPr lang="zh-TW" altLang="en-US" sz="1600" dirty="0">
-                <a:latin typeface="+mj-ea"/>
-                <a:ea typeface="+mj-ea"/>
-              </a:rPr>
-              <a:t>長券</a:t>
-            </a:r>
-            <a:endParaRPr lang="en-US" altLang="zh-TW" sz="1600" dirty="0">
-              <a:latin typeface="+mj-ea"/>
-              <a:ea typeface="+mj-ea"/>
-            </a:endParaRPr>
-          </a:p>
-          <a:p>
-            <a:pPr marL="0" indent="0">
-              <a:buNone/>
-            </a:pPr>
-            <a:endParaRPr lang="en-US" altLang="zh-TW" sz="1600" dirty="0">
-              <a:latin typeface="+mj-ea"/>
-              <a:ea typeface="+mj-ea"/>
-            </a:endParaRPr>
-          </a:p>
-          <a:p>
-            <a:endParaRPr lang="en-US" altLang="zh-TW" sz="2000" dirty="0"/>
-          </a:p>
-          <a:p>
-            <a:endParaRPr lang="zh-TW" altLang="en-US" sz="2000" dirty="0"/>
-          </a:p>
-        </p:txBody>
-      </p:sp>
-      <p:sp>
-        <p:nvSpPr>
-          <p:cNvPr id="10" name="內容版面配置區 2">
-            <a:extLst>
-              <a:ext uri="{FF2B5EF4-FFF2-40B4-BE49-F238E27FC236}">
-                <a16:creationId xmlns:a16="http://schemas.microsoft.com/office/drawing/2014/main" id="{24264CFB-E36F-405E-BB26-28DFD460B736}"/>
-              </a:ext>
-            </a:extLst>
-          </p:cNvPr>
-          <p:cNvSpPr>
-            <a:spLocks noGrp="1"/>
-          </p:cNvSpPr>
-          <p:nvPr/>
-        </p:nvSpPr>
-        <p:spPr>
-          <a:xfrm>
-            <a:off x="243141" y="2564234"/>
-            <a:ext cx="8811706" cy="1223466"/>
-          </a:xfrm>
-          <a:prstGeom prst="rect">
-            <a:avLst/>
-          </a:prstGeom>
-          <a:noFill/>
-          <a:ln>
-            <a:noFill/>
-          </a:ln>
-          <a:effectLst/>
-        </p:spPr>
-        <p:txBody>
-          <a:bodyPr vert="horz" wrap="square" lIns="91421" tIns="45710" rIns="91421" bIns="45710" numCol="1" anchor="t" anchorCtr="0" compatLnSpc="1"/>
-          <a:lstStyle>
-            <a:lvl1pPr marL="342900" indent="-342900" algn="l" rtl="0" eaLnBrk="0" fontAlgn="base" hangingPunct="0">
-              <a:spcBef>
-                <a:spcPct val="20000"/>
-              </a:spcBef>
-              <a:spcAft>
-                <a:spcPct val="0"/>
-              </a:spcAft>
-              <a:buClr>
-                <a:srgbClr val="FF3300"/>
-              </a:buClr>
-              <a:buFont typeface="Wingdings" panose="05000000000000000000" pitchFamily="2" charset="2"/>
-              <a:buChar char="n"/>
-              <a:defRPr kumimoji="1" sz="2400" b="1">
-                <a:solidFill>
-                  <a:schemeClr val="tx1"/>
-                </a:solidFill>
-                <a:latin typeface="微軟正黑體" panose="020B0604030504040204" pitchFamily="34" charset="-120"/>
-                <a:ea typeface="微軟正黑體" panose="020B0604030504040204" pitchFamily="34" charset="-120"/>
-                <a:cs typeface="Arial" panose="020B0604020202020204" pitchFamily="34" charset="0"/>
-              </a:defRPr>
-            </a:lvl1pPr>
-            <a:lvl2pPr marL="742950" indent="-285750" algn="l" rtl="0" eaLnBrk="0" fontAlgn="base" hangingPunct="0">
-              <a:spcBef>
-                <a:spcPct val="20000"/>
-              </a:spcBef>
-              <a:spcAft>
-                <a:spcPct val="0"/>
-              </a:spcAft>
-              <a:buClr>
-                <a:srgbClr val="FF3300"/>
-              </a:buClr>
-              <a:buFont typeface="Wingdings" panose="05000000000000000000" pitchFamily="2" charset="2"/>
-              <a:buChar char="n"/>
-              <a:defRPr kumimoji="1" sz="2000" b="1">
-                <a:solidFill>
-                  <a:schemeClr val="tx1"/>
-                </a:solidFill>
-                <a:latin typeface="微軟正黑體" panose="020B0604030504040204" pitchFamily="34" charset="-120"/>
-                <a:ea typeface="微軟正黑體" panose="020B0604030504040204" pitchFamily="34" charset="-120"/>
-                <a:cs typeface="Arial" panose="020B0604020202020204" pitchFamily="34" charset="0"/>
-              </a:defRPr>
-            </a:lvl2pPr>
-            <a:lvl3pPr marL="1143000" indent="-228600" algn="l" rtl="0" eaLnBrk="0" fontAlgn="base" hangingPunct="0">
-              <a:spcBef>
-                <a:spcPct val="20000"/>
-              </a:spcBef>
-              <a:spcAft>
-                <a:spcPct val="0"/>
-              </a:spcAft>
-              <a:buClr>
-                <a:srgbClr val="FF3300"/>
-              </a:buClr>
-              <a:buFont typeface="Wingdings" panose="05000000000000000000" pitchFamily="2" charset="2"/>
-              <a:buChar char="n"/>
-              <a:defRPr kumimoji="1" b="1">
-                <a:solidFill>
-                  <a:schemeClr val="tx1"/>
-                </a:solidFill>
-                <a:latin typeface="微軟正黑體" panose="020B0604030504040204" pitchFamily="34" charset="-120"/>
-                <a:ea typeface="微軟正黑體" panose="020B0604030504040204" pitchFamily="34" charset="-120"/>
-                <a:cs typeface="Arial" panose="020B0604020202020204" pitchFamily="34" charset="0"/>
-              </a:defRPr>
-            </a:lvl3pPr>
-            <a:lvl4pPr marL="1600200" indent="-228600" algn="l" rtl="0" eaLnBrk="0" fontAlgn="base" hangingPunct="0">
-              <a:spcBef>
-                <a:spcPct val="20000"/>
-              </a:spcBef>
-              <a:spcAft>
-                <a:spcPct val="0"/>
-              </a:spcAft>
-              <a:buChar char="–"/>
-              <a:defRPr kumimoji="1" sz="2000">
-                <a:solidFill>
-                  <a:schemeClr val="tx1"/>
-                </a:solidFill>
-                <a:latin typeface="微軟正黑體" panose="020B0604030504040204" pitchFamily="34" charset="-120"/>
-                <a:ea typeface="微軟正黑體" panose="020B0604030504040204" pitchFamily="34" charset="-120"/>
-                <a:cs typeface="Arial" panose="020B0604020202020204" pitchFamily="34" charset="0"/>
-              </a:defRPr>
-            </a:lvl4pPr>
-            <a:lvl5pPr marL="2057400" indent="-228600" algn="l" rtl="0" eaLnBrk="0" fontAlgn="base" hangingPunct="0">
-              <a:spcBef>
-                <a:spcPct val="20000"/>
-              </a:spcBef>
-              <a:spcAft>
-                <a:spcPct val="0"/>
-              </a:spcAft>
-              <a:buChar char="»"/>
-              <a:defRPr kumimoji="1" sz="2000">
-                <a:solidFill>
-                  <a:schemeClr val="tx1"/>
-                </a:solidFill>
-                <a:latin typeface="微軟正黑體" panose="020B0604030504040204" pitchFamily="34" charset="-120"/>
-                <a:ea typeface="微軟正黑體" panose="020B0604030504040204" pitchFamily="34" charset="-120"/>
-                <a:cs typeface="Arial" panose="020B0604020202020204" pitchFamily="34" charset="0"/>
-              </a:defRPr>
-            </a:lvl5pPr>
-            <a:lvl6pPr marL="2514600" indent="-228600" algn="l" rtl="0" fontAlgn="base">
-              <a:spcBef>
-                <a:spcPct val="20000"/>
-              </a:spcBef>
-              <a:spcAft>
-                <a:spcPct val="0"/>
-              </a:spcAft>
-              <a:buChar char="»"/>
-              <a:defRPr kumimoji="1" sz="2000">
-                <a:solidFill>
-                  <a:schemeClr val="tx1"/>
-                </a:solidFill>
-                <a:latin typeface="+mn-lt"/>
-                <a:ea typeface="新細明體" panose="02020500000000000000" charset="-120"/>
-              </a:defRPr>
-            </a:lvl6pPr>
-            <a:lvl7pPr marL="2971800" indent="-228600" algn="l" rtl="0" fontAlgn="base">
-              <a:spcBef>
-                <a:spcPct val="20000"/>
-              </a:spcBef>
-              <a:spcAft>
-                <a:spcPct val="0"/>
-              </a:spcAft>
-              <a:buChar char="»"/>
-              <a:defRPr kumimoji="1" sz="2000">
-                <a:solidFill>
-                  <a:schemeClr val="tx1"/>
-                </a:solidFill>
-                <a:latin typeface="+mn-lt"/>
-                <a:ea typeface="新細明體" panose="02020500000000000000" charset="-120"/>
-              </a:defRPr>
-            </a:lvl7pPr>
-            <a:lvl8pPr marL="3429000" indent="-228600" algn="l" rtl="0" fontAlgn="base">
-              <a:spcBef>
-                <a:spcPct val="20000"/>
-              </a:spcBef>
-              <a:spcAft>
-                <a:spcPct val="0"/>
-              </a:spcAft>
-              <a:buChar char="»"/>
-              <a:defRPr kumimoji="1" sz="2000">
-                <a:solidFill>
-                  <a:schemeClr val="tx1"/>
-                </a:solidFill>
-                <a:latin typeface="+mn-lt"/>
-                <a:ea typeface="新細明體" panose="02020500000000000000" charset="-120"/>
-              </a:defRPr>
-            </a:lvl8pPr>
-            <a:lvl9pPr marL="3886200" indent="-228600" algn="l" rtl="0" fontAlgn="base">
-              <a:spcBef>
-                <a:spcPct val="20000"/>
-              </a:spcBef>
-              <a:spcAft>
-                <a:spcPct val="0"/>
-              </a:spcAft>
-              <a:buChar char="»"/>
-              <a:defRPr kumimoji="1" sz="2000">
-                <a:solidFill>
-                  <a:schemeClr val="tx1"/>
-                </a:solidFill>
-                <a:latin typeface="+mn-lt"/>
-                <a:ea typeface="新細明體" panose="02020500000000000000" charset="-120"/>
-              </a:defRPr>
-            </a:lvl9pPr>
-          </a:lstStyle>
-          <a:p>
-            <a:endParaRPr lang="en-US" altLang="zh-TW" sz="2000" dirty="0">
-              <a:latin typeface="+mj-ea"/>
-              <a:ea typeface="+mj-ea"/>
-            </a:endParaRPr>
-          </a:p>
-          <a:p>
-            <a:pPr lvl="1"/>
-            <a:endParaRPr lang="en-US" altLang="zh-TW" sz="1600" dirty="0">
-              <a:latin typeface="+mj-ea"/>
-              <a:ea typeface="+mj-ea"/>
-            </a:endParaRPr>
-          </a:p>
-          <a:p>
-            <a:pPr lvl="1"/>
-            <a:endParaRPr lang="en-US" altLang="zh-TW" sz="1600" dirty="0">
-              <a:latin typeface="+mj-ea"/>
-              <a:ea typeface="+mj-ea"/>
-            </a:endParaRPr>
-          </a:p>
-          <a:p>
-            <a:pPr marL="0" indent="0">
-              <a:buNone/>
-            </a:pPr>
-            <a:endParaRPr lang="en-US" altLang="zh-TW" sz="1600" dirty="0">
-              <a:latin typeface="+mj-ea"/>
-              <a:ea typeface="+mj-ea"/>
-            </a:endParaRPr>
-          </a:p>
-          <a:p>
-            <a:endParaRPr lang="en-US" altLang="zh-TW" sz="2000" dirty="0"/>
-          </a:p>
-          <a:p>
-            <a:endParaRPr lang="zh-TW" altLang="en-US" sz="2000" dirty="0"/>
-          </a:p>
-        </p:txBody>
-      </p:sp>
       <p:grpSp>
         <p:nvGrpSpPr>
-          <p:cNvPr id="13" name="群組 12">
-            <a:extLst>
-              <a:ext uri="{FF2B5EF4-FFF2-40B4-BE49-F238E27FC236}">
-                <a16:creationId xmlns:a16="http://schemas.microsoft.com/office/drawing/2014/main" id="{A4CE7F15-53F7-46D6-B097-10BF64E311E9}"/>
-              </a:ext>
-            </a:extLst>
-          </p:cNvPr>
+          <p:cNvPr id="13" name="群組 12"/>
           <p:cNvGrpSpPr/>
           <p:nvPr/>
         </p:nvGrpSpPr>
         <p:grpSpPr>
           <a:xfrm>
-            <a:off x="755576" y="2492896"/>
-            <a:ext cx="6991350" cy="3657947"/>
+            <a:off x="13335" y="3213100"/>
+            <a:ext cx="3750310" cy="3644900"/>
             <a:chOff x="818059" y="2420888"/>
             <a:chExt cx="6991350" cy="3657947"/>
           </a:xfrm>
         </p:grpSpPr>
         <p:pic>
           <p:nvPicPr>
-            <p:cNvPr id="5" name="圖片 4">
-              <a:extLst>
-                <a:ext uri="{FF2B5EF4-FFF2-40B4-BE49-F238E27FC236}">
-                  <a16:creationId xmlns:a16="http://schemas.microsoft.com/office/drawing/2014/main" id="{1FCBBC56-E04A-4E20-8C5A-0CBA30E33723}"/>
-                </a:ext>
-              </a:extLst>
-            </p:cNvPr>
+            <p:cNvPr id="5" name="圖片 4"/>
             <p:cNvPicPr>
               <a:picLocks noChangeAspect="1"/>
             </p:cNvPicPr>
@@ -25863,13 +25487,7 @@
         </p:pic>
         <p:pic>
           <p:nvPicPr>
-            <p:cNvPr id="7" name="圖片 6">
-              <a:extLst>
-                <a:ext uri="{FF2B5EF4-FFF2-40B4-BE49-F238E27FC236}">
-                  <a16:creationId xmlns:a16="http://schemas.microsoft.com/office/drawing/2014/main" id="{76524831-5133-4CA7-9DDC-3A28D720FCC2}"/>
-                </a:ext>
-              </a:extLst>
-            </p:cNvPr>
+            <p:cNvPr id="7" name="圖片 6"/>
             <p:cNvPicPr>
               <a:picLocks noChangeAspect="1"/>
             </p:cNvPicPr>
@@ -25898,157 +25516,42 @@
           </p:spPr>
         </p:pic>
       </p:grpSp>
-    </p:spTree>
-    <p:extLst>
-      <p:ext uri="{BB962C8B-B14F-4D97-AF65-F5344CB8AC3E}">
-        <p14:creationId xmlns:p14="http://schemas.microsoft.com/office/powerpoint/2010/main" val="2842179200"/>
-      </p:ext>
-    </p:extLst>
-  </p:cSld>
-  <p:clrMapOvr>
-    <a:masterClrMapping/>
-  </p:clrMapOvr>
-</p:sld>
-</file>
-
-<file path=ppt/slides/slide3.xml><?xml version="1.0" encoding="utf-8"?>
-<p:sld xmlns:a="http://schemas.openxmlformats.org/drawingml/2006/main" xmlns:r="http://schemas.openxmlformats.org/officeDocument/2006/relationships" xmlns:p="http://schemas.openxmlformats.org/presentationml/2006/main">
-  <p:cSld>
-    <p:spTree>
-      <p:nvGrpSpPr>
-        <p:cNvPr id="1" name=""/>
-        <p:cNvGrpSpPr/>
-        <p:nvPr/>
-      </p:nvGrpSpPr>
-      <p:grpSpPr>
-        <a:xfrm>
-          <a:off x="0" y="0"/>
-          <a:ext cx="0" cy="0"/>
-          <a:chOff x="0" y="0"/>
-          <a:chExt cx="0" cy="0"/>
-        </a:xfrm>
-      </p:grpSpPr>
-      <p:sp>
-        <p:nvSpPr>
-          <p:cNvPr id="2" name="標題 1">
-            <a:extLst>
-              <a:ext uri="{FF2B5EF4-FFF2-40B4-BE49-F238E27FC236}">
-                <a16:creationId xmlns:a16="http://schemas.microsoft.com/office/drawing/2014/main" id="{0105EFC9-357D-4B37-86EA-323CC09442F4}"/>
-              </a:ext>
-            </a:extLst>
-          </p:cNvPr>
-          <p:cNvSpPr>
-            <a:spLocks noGrp="1"/>
-          </p:cNvSpPr>
-          <p:nvPr>
-            <p:ph type="title"/>
-          </p:nvPr>
-        </p:nvSpPr>
-        <p:spPr/>
-        <p:txBody>
-          <a:bodyPr/>
-          <a:lstStyle/>
-          <a:p>
-            <a:endParaRPr lang="zh-TW" altLang="en-US"/>
-          </a:p>
-        </p:txBody>
-      </p:sp>
-      <p:sp>
-        <p:nvSpPr>
-          <p:cNvPr id="3" name="內容版面配置區 2">
-            <a:extLst>
-              <a:ext uri="{FF2B5EF4-FFF2-40B4-BE49-F238E27FC236}">
-                <a16:creationId xmlns:a16="http://schemas.microsoft.com/office/drawing/2014/main" id="{FD227981-EF09-4107-8910-1C272ED90790}"/>
-              </a:ext>
-            </a:extLst>
-          </p:cNvPr>
-          <p:cNvSpPr>
-            <a:spLocks noGrp="1"/>
-          </p:cNvSpPr>
-          <p:nvPr>
-            <p:ph idx="1"/>
-          </p:nvPr>
-        </p:nvSpPr>
-        <p:spPr>
-          <a:xfrm>
-            <a:off x="1179315" y="1549399"/>
-            <a:ext cx="8075612" cy="4929188"/>
-          </a:xfrm>
-        </p:spPr>
-        <p:txBody>
-          <a:bodyPr/>
-          <a:lstStyle/>
-          <a:p>
-            <a:endParaRPr lang="zh-TW" altLang="en-US"/>
-          </a:p>
-        </p:txBody>
-      </p:sp>
-      <p:pic>
-        <p:nvPicPr>
-          <p:cNvPr id="1026" name="圖片 1">
-            <a:extLst>
-              <a:ext uri="{FF2B5EF4-FFF2-40B4-BE49-F238E27FC236}">
-                <a16:creationId xmlns:a16="http://schemas.microsoft.com/office/drawing/2014/main" id="{F9C98A82-C260-45C9-B5CC-911B8B8C1EE0}"/>
-              </a:ext>
-            </a:extLst>
-          </p:cNvPr>
-          <p:cNvPicPr>
-            <a:picLocks noChangeAspect="1" noChangeArrowheads="1"/>
-          </p:cNvPicPr>
+      <p:cxnSp>
+        <p:nvCxnSpPr>
+          <p:cNvPr id="21" name="直線接點 20"/>
+          <p:cNvCxnSpPr/>
           <p:nvPr/>
-        </p:nvPicPr>
-        <p:blipFill>
-          <a:blip r:embed="rId2">
-            <a:extLst>
-              <a:ext uri="{28A0092B-C50C-407E-A947-70E740481C1C}">
-                <a14:useLocalDpi xmlns:a14="http://schemas.microsoft.com/office/drawing/2010/main" val="0"/>
-              </a:ext>
-            </a:extLst>
-          </a:blip>
-          <a:srcRect/>
-          <a:stretch>
-            <a:fillRect/>
-          </a:stretch>
-        </p:blipFill>
+        </p:nvCxnSpPr>
         <p:spPr bwMode="auto">
           <a:xfrm>
-            <a:off x="539552" y="357187"/>
-            <a:ext cx="7629525" cy="6143625"/>
+            <a:off x="18415" y="4306570"/>
+            <a:ext cx="3736975" cy="0"/>
           </a:xfrm>
-          <a:prstGeom prst="rect">
+          <a:prstGeom prst="line">
             <a:avLst/>
           </a:prstGeom>
-          <a:noFill/>
-          <a:ln>
-            <a:noFill/>
+          <a:ln w="28575">
+            <a:solidFill>
+              <a:schemeClr val="bg1"/>
+            </a:solidFill>
           </a:ln>
-          <a:extLst>
-            <a:ext uri="{909E8E84-426E-40DD-AFC4-6F175D3DCCD1}">
-              <a14:hiddenFill xmlns:a14="http://schemas.microsoft.com/office/drawing/2010/main">
-                <a:solidFill>
-                  <a:srgbClr val="FFFFFF"/>
-                </a:solidFill>
-              </a14:hiddenFill>
-            </a:ext>
-            <a:ext uri="{91240B29-F687-4F45-9708-019B960494DF}">
-              <a14:hiddenLine xmlns:a14="http://schemas.microsoft.com/office/drawing/2010/main" w="9525">
-                <a:solidFill>
-                  <a:srgbClr val="000000"/>
-                </a:solidFill>
-                <a:miter lim="800000"/>
-                <a:headEnd/>
-                <a:tailEnd/>
-              </a14:hiddenLine>
-            </a:ext>
-          </a:extLst>
         </p:spPr>
-      </p:pic>
+        <p:style>
+          <a:lnRef idx="1">
+            <a:schemeClr val="dk1"/>
+          </a:lnRef>
+          <a:fillRef idx="0">
+            <a:schemeClr val="dk1"/>
+          </a:fillRef>
+          <a:effectRef idx="0">
+            <a:schemeClr val="dk1"/>
+          </a:effectRef>
+          <a:fontRef idx="minor">
+            <a:schemeClr val="tx1"/>
+          </a:fontRef>
+        </p:style>
+      </p:cxnSp>
     </p:spTree>
-    <p:extLst>
-      <p:ext uri="{BB962C8B-B14F-4D97-AF65-F5344CB8AC3E}">
-        <p14:creationId xmlns:p14="http://schemas.microsoft.com/office/powerpoint/2010/main" val="2676241941"/>
-      </p:ext>
-    </p:extLst>
   </p:cSld>
   <p:clrMapOvr>
     <a:masterClrMapping/>
@@ -26276,7 +25779,6 @@
       </a:bgFillStyleLst>
     </a:fmtScheme>
   </a:themeElements>
-  <a:objectDefaults/>
   <a:extraClrSchemeLst>
     <a:extraClrScheme>
       <a:clrScheme name="3_自訂設計 1">
@@ -28657,8 +28159,6 @@
       </a:bgFillStyleLst>
     </a:fmtScheme>
   </a:themeElements>
-  <a:objectDefaults/>
-  <a:extraClrSchemeLst/>
   <a:extLst>
     <a:ext uri="{05A4C25C-085E-4340-85A3-A5531E510DB2}">
       <thm15:themeFamily xmlns:thm15="http://schemas.microsoft.com/office/thememl/2012/main" name="Office Theme" id="{62F939B6-93AF-4DB8-9C6B-D6C7DFDC589F}" vid="{4A3C46E8-61CC-4603-A589-7422A47A8E4A}"/>
@@ -28945,8 +28445,6 @@
       </a:bgFillStyleLst>
     </a:fmtScheme>
   </a:themeElements>
-  <a:objectDefaults/>
-  <a:extraClrSchemeLst/>
   <a:extLst>
     <a:ext uri="{05A4C25C-085E-4340-85A3-A5531E510DB2}">
       <thm15:themeFamily xmlns:thm15="http://schemas.microsoft.com/office/thememl/2012/main" name="Office Theme" id="{62F939B6-93AF-4DB8-9C6B-D6C7DFDC589F}" vid="{4A3C46E8-61CC-4603-A589-7422A47A8E4A}"/>
@@ -29175,7 +28673,6 @@
       </a:bgFillStyleLst>
     </a:fmtScheme>
   </a:themeElements>
-  <a:objectDefaults/>
   <a:extraClrSchemeLst>
     <a:extraClrScheme>
       <a:clrScheme name="3_自訂設計 1">
@@ -29958,8 +29455,6 @@
       </a:bgFillStyleLst>
     </a:fmtScheme>
   </a:themeElements>
-  <a:objectDefaults/>
-  <a:extraClrSchemeLst/>
   <a:extLst>
     <a:ext uri="{05A4C25C-085E-4340-85A3-A5531E510DB2}">
       <thm15:themeFamily xmlns:thm15="http://schemas.microsoft.com/office/thememl/2012/main" name="Office Theme" id="{62F939B6-93AF-4DB8-9C6B-D6C7DFDC589F}" vid="{4A3C46E8-61CC-4603-A589-7422A47A8E4A}"/>
@@ -30188,7 +29683,6 @@
       </a:bgFillStyleLst>
     </a:fmtScheme>
   </a:themeElements>
-  <a:objectDefaults/>
   <a:extraClrSchemeLst>
     <a:extraClrScheme>
       <a:clrScheme name="3_自訂設計 1">
@@ -30971,8 +30465,6 @@
       </a:bgFillStyleLst>
     </a:fmtScheme>
   </a:themeElements>
-  <a:objectDefaults/>
-  <a:extraClrSchemeLst/>
   <a:extLst>
     <a:ext uri="{05A4C25C-085E-4340-85A3-A5531E510DB2}">
       <thm15:themeFamily xmlns:thm15="http://schemas.microsoft.com/office/thememl/2012/main" name="Office Theme" id="{62F939B6-93AF-4DB8-9C6B-D6C7DFDC589F}" vid="{4A3C46E8-61CC-4603-A589-7422A47A8E4A}"/>
